--- a/1821121_shimaoka_gazou.pptx
+++ b/1821121_shimaoka_gazou.pptx
@@ -113,6 +113,11 @@
       </a:defRPr>
     </a:lvl9pPr>
   </p:defaultTextStyle>
+  <p:extLst>
+    <p:ext uri="{EFAFB233-063F-42B5-8137-9DF3F51BA10A}">
+      <p15:sldGuideLst xmlns:p15="http://schemas.microsoft.com/office/powerpoint/2012/main"/>
+    </p:ext>
+  </p:extLst>
 </p:presentation>
 </file>
 
@@ -198,7 +203,7 @@
           <a:p>
             <a:fld id="{2FBCD608-C238-4507-BF7C-04001CB8D79C}" type="datetimeFigureOut">
               <a:rPr kumimoji="1" lang="ja-JP" altLang="en-US" smtClean="0"/>
-              <a:t>2022/1/11</a:t>
+              <a:t>2022/1/17</a:t>
             </a:fld>
             <a:endParaRPr kumimoji="1" lang="ja-JP" altLang="en-US"/>
           </a:p>
@@ -1183,7 +1188,7 @@
           <a:p>
             <a:fld id="{718A6A87-0D2F-469D-9F0F-BB48D7255BC9}" type="datetimeFigureOut">
               <a:rPr kumimoji="1" lang="ja-JP" altLang="en-US" smtClean="0"/>
-              <a:t>2022/1/11</a:t>
+              <a:t>2022/1/17</a:t>
             </a:fld>
             <a:endParaRPr kumimoji="1" lang="ja-JP" altLang="en-US"/>
           </a:p>
@@ -1385,7 +1390,7 @@
           <a:p>
             <a:fld id="{718A6A87-0D2F-469D-9F0F-BB48D7255BC9}" type="datetimeFigureOut">
               <a:rPr kumimoji="1" lang="ja-JP" altLang="en-US" smtClean="0"/>
-              <a:t>2022/1/11</a:t>
+              <a:t>2022/1/17</a:t>
             </a:fld>
             <a:endParaRPr kumimoji="1" lang="ja-JP" altLang="en-US"/>
           </a:p>
@@ -1597,7 +1602,7 @@
           <a:p>
             <a:fld id="{718A6A87-0D2F-469D-9F0F-BB48D7255BC9}" type="datetimeFigureOut">
               <a:rPr kumimoji="1" lang="ja-JP" altLang="en-US" smtClean="0"/>
-              <a:t>2022/1/11</a:t>
+              <a:t>2022/1/17</a:t>
             </a:fld>
             <a:endParaRPr kumimoji="1" lang="ja-JP" altLang="en-US"/>
           </a:p>
@@ -1799,7 +1804,7 @@
           <a:p>
             <a:fld id="{718A6A87-0D2F-469D-9F0F-BB48D7255BC9}" type="datetimeFigureOut">
               <a:rPr kumimoji="1" lang="ja-JP" altLang="en-US" smtClean="0"/>
-              <a:t>2022/1/11</a:t>
+              <a:t>2022/1/17</a:t>
             </a:fld>
             <a:endParaRPr kumimoji="1" lang="ja-JP" altLang="en-US"/>
           </a:p>
@@ -2045,7 +2050,7 @@
           <a:p>
             <a:fld id="{718A6A87-0D2F-469D-9F0F-BB48D7255BC9}" type="datetimeFigureOut">
               <a:rPr kumimoji="1" lang="ja-JP" altLang="en-US" smtClean="0"/>
-              <a:t>2022/1/11</a:t>
+              <a:t>2022/1/17</a:t>
             </a:fld>
             <a:endParaRPr kumimoji="1" lang="ja-JP" altLang="en-US"/>
           </a:p>
@@ -2341,7 +2346,7 @@
           <a:p>
             <a:fld id="{718A6A87-0D2F-469D-9F0F-BB48D7255BC9}" type="datetimeFigureOut">
               <a:rPr kumimoji="1" lang="ja-JP" altLang="en-US" smtClean="0"/>
-              <a:t>2022/1/11</a:t>
+              <a:t>2022/1/17</a:t>
             </a:fld>
             <a:endParaRPr kumimoji="1" lang="ja-JP" altLang="en-US"/>
           </a:p>
@@ -2772,7 +2777,7 @@
           <a:p>
             <a:fld id="{718A6A87-0D2F-469D-9F0F-BB48D7255BC9}" type="datetimeFigureOut">
               <a:rPr kumimoji="1" lang="ja-JP" altLang="en-US" smtClean="0"/>
-              <a:t>2022/1/11</a:t>
+              <a:t>2022/1/17</a:t>
             </a:fld>
             <a:endParaRPr kumimoji="1" lang="ja-JP" altLang="en-US"/>
           </a:p>
@@ -2890,7 +2895,7 @@
           <a:p>
             <a:fld id="{718A6A87-0D2F-469D-9F0F-BB48D7255BC9}" type="datetimeFigureOut">
               <a:rPr kumimoji="1" lang="ja-JP" altLang="en-US" smtClean="0"/>
-              <a:t>2022/1/11</a:t>
+              <a:t>2022/1/17</a:t>
             </a:fld>
             <a:endParaRPr kumimoji="1" lang="ja-JP" altLang="en-US"/>
           </a:p>
@@ -2985,7 +2990,7 @@
           <a:p>
             <a:fld id="{718A6A87-0D2F-469D-9F0F-BB48D7255BC9}" type="datetimeFigureOut">
               <a:rPr kumimoji="1" lang="ja-JP" altLang="en-US" smtClean="0"/>
-              <a:t>2022/1/11</a:t>
+              <a:t>2022/1/17</a:t>
             </a:fld>
             <a:endParaRPr kumimoji="1" lang="ja-JP" altLang="en-US"/>
           </a:p>
@@ -3294,7 +3299,7 @@
           <a:p>
             <a:fld id="{718A6A87-0D2F-469D-9F0F-BB48D7255BC9}" type="datetimeFigureOut">
               <a:rPr kumimoji="1" lang="ja-JP" altLang="en-US" smtClean="0"/>
-              <a:t>2022/1/11</a:t>
+              <a:t>2022/1/17</a:t>
             </a:fld>
             <a:endParaRPr kumimoji="1" lang="ja-JP" altLang="en-US"/>
           </a:p>
@@ -3547,7 +3552,7 @@
           <a:p>
             <a:fld id="{718A6A87-0D2F-469D-9F0F-BB48D7255BC9}" type="datetimeFigureOut">
               <a:rPr kumimoji="1" lang="ja-JP" altLang="en-US" smtClean="0"/>
-              <a:t>2022/1/11</a:t>
+              <a:t>2022/1/17</a:t>
             </a:fld>
             <a:endParaRPr kumimoji="1" lang="ja-JP" altLang="en-US"/>
           </a:p>
@@ -3792,7 +3797,7 @@
           <a:p>
             <a:fld id="{718A6A87-0D2F-469D-9F0F-BB48D7255BC9}" type="datetimeFigureOut">
               <a:rPr kumimoji="1" lang="ja-JP" altLang="en-US" smtClean="0"/>
-              <a:t>2022/1/11</a:t>
+              <a:t>2022/1/17</a:t>
             </a:fld>
             <a:endParaRPr kumimoji="1" lang="ja-JP" altLang="en-US"/>
           </a:p>
@@ -5142,13 +5147,8 @@
           <a:p>
             <a:r>
               <a:rPr lang="ja-JP" altLang="en-US" sz="1350" dirty="0"/>
-              <a:t>出題</a:t>
-            </a:r>
-            <a:r>
-              <a:rPr lang="ja-JP" altLang="en-US" sz="1350" dirty="0"/>
-              <a:t>内容</a:t>
-            </a:r>
-            <a:endParaRPr lang="ja-JP" altLang="en-US" sz="1350" dirty="0"/>
+              <a:t>出題内容</a:t>
+            </a:r>
           </a:p>
         </p:txBody>
       </p:sp>
@@ -5185,11 +5185,11 @@
   <p:clrMapOvr>
     <a:masterClrMapping/>
   </p:clrMapOvr>
-  <mc:AlternateContent xmlns:mc="http://schemas.openxmlformats.org/markup-compatibility/2006">
-    <mc:Choice xmlns:p14="http://schemas.microsoft.com/office/powerpoint/2010/main" Requires="p14">
+  <mc:AlternateContent xmlns:mc="http://schemas.openxmlformats.org/markup-compatibility/2006" xmlns:p14="http://schemas.microsoft.com/office/powerpoint/2010/main">
+    <mc:Choice Requires="p14">
       <p:transition spd="slow" p14:dur="2000"/>
     </mc:Choice>
-    <mc:Fallback>
+    <mc:Fallback xmlns="">
       <p:transition spd="slow"/>
     </mc:Fallback>
   </mc:AlternateContent>
@@ -5228,8 +5228,8 @@
         </p:nvSpPr>
         <p:spPr>
           <a:xfrm>
-            <a:off x="9942122" y="3956326"/>
-            <a:ext cx="1447800" cy="300082"/>
+            <a:off x="10084514" y="4053408"/>
+            <a:ext cx="1447800" cy="369332"/>
           </a:xfrm>
           <a:prstGeom prst="rect">
             <a:avLst/>
@@ -5243,10 +5243,9 @@
           <a:lstStyle/>
           <a:p>
             <a:r>
-              <a:rPr lang="ja-JP" altLang="en-US" sz="1350" dirty="0"/>
+              <a:rPr lang="ja-JP" altLang="en-US" dirty="0"/>
               <a:t>教師</a:t>
             </a:r>
-            <a:endParaRPr lang="ja-JP" altLang="en-US" sz="1350" dirty="0"/>
           </a:p>
         </p:txBody>
       </p:sp>
@@ -5259,7 +5258,7 @@
         <p:spPr>
           <a:xfrm>
             <a:off x="1658464" y="905105"/>
-            <a:ext cx="1673510" cy="507831"/>
+            <a:ext cx="1673510" cy="646331"/>
           </a:xfrm>
           <a:prstGeom prst="rect">
             <a:avLst/>
@@ -5272,27 +5271,21 @@
           <a:lstStyle/>
           <a:p>
             <a:r>
-              <a:rPr lang="ja-JP" altLang="en-US" sz="1350" dirty="0">
+              <a:rPr lang="ja-JP" altLang="en-US" dirty="0">
                 <a:latin typeface="Consolas" panose="020B0609020204030204" pitchFamily="49" charset="0"/>
               </a:rPr>
               <a:t>提案システム</a:t>
             </a:r>
-            <a:endParaRPr lang="en-US" altLang="ja-JP" sz="1350" dirty="0">
+            <a:endParaRPr lang="en-US" altLang="ja-JP" dirty="0">
               <a:latin typeface="Consolas" panose="020B0609020204030204" pitchFamily="49" charset="0"/>
             </a:endParaRPr>
           </a:p>
           <a:p>
             <a:r>
-              <a:rPr lang="ja-JP" altLang="en-US" sz="1350" dirty="0">
+              <a:rPr lang="ja-JP" altLang="en-US" dirty="0">
                 <a:latin typeface="Consolas" panose="020B0609020204030204" pitchFamily="49" charset="0"/>
               </a:rPr>
-              <a:t>の</a:t>
-            </a:r>
-            <a:r>
-              <a:rPr lang="ja-JP" altLang="en-US" sz="1350" dirty="0">
-                <a:latin typeface="Consolas" panose="020B0609020204030204" pitchFamily="49" charset="0"/>
-              </a:rPr>
-              <a:t>概要図</a:t>
+              <a:t>の概要図</a:t>
             </a:r>
           </a:p>
         </p:txBody>
@@ -5305,7 +5298,7 @@
         </p:nvSpPr>
         <p:spPr>
           <a:xfrm>
-            <a:off x="3393571" y="1200668"/>
+            <a:off x="3305003" y="1130604"/>
             <a:ext cx="5573612" cy="4583717"/>
           </a:xfrm>
           <a:prstGeom prst="roundRect">
@@ -5337,7 +5330,7 @@
           <a:lstStyle/>
           <a:p>
             <a:pPr algn="ctr"/>
-            <a:endParaRPr lang="ja-JP" altLang="en-US" sz="1350" dirty="0"/>
+            <a:endParaRPr lang="ja-JP" altLang="en-US" dirty="0"/>
           </a:p>
         </p:txBody>
       </p:sp>
@@ -5383,7 +5376,7 @@
           <a:lstStyle/>
           <a:p>
             <a:pPr algn="ctr"/>
-            <a:endParaRPr lang="ja-JP" altLang="en-US" sz="1350"/>
+            <a:endParaRPr lang="ja-JP" altLang="en-US"/>
           </a:p>
         </p:txBody>
       </p:sp>
@@ -5395,8 +5388,8 @@
         </p:nvSpPr>
         <p:spPr>
           <a:xfrm>
-            <a:off x="7693966" y="3159555"/>
-            <a:ext cx="1857781" cy="300082"/>
+            <a:off x="7621034" y="2913901"/>
+            <a:ext cx="1273071" cy="646331"/>
           </a:xfrm>
           <a:prstGeom prst="rect">
             <a:avLst/>
@@ -5409,11 +5402,20 @@
           </a:bodyPr>
           <a:lstStyle/>
           <a:p>
-            <a:r>
-              <a:rPr lang="ja-JP" altLang="en-US" sz="1350" dirty="0"/>
-              <a:t>問題ファイル</a:t>
-            </a:r>
-            <a:endParaRPr lang="ja-JP" altLang="en-US" sz="1350" dirty="0"/>
+            <a:pPr algn="ctr"/>
+            <a:r>
+              <a:rPr lang="ja-JP" altLang="en-US" dirty="0" smtClean="0"/>
+              <a:t>問題</a:t>
+            </a:r>
+            <a:endParaRPr lang="en-US" altLang="ja-JP" dirty="0" smtClean="0"/>
+          </a:p>
+          <a:p>
+            <a:pPr algn="ctr"/>
+            <a:r>
+              <a:rPr lang="ja-JP" altLang="en-US" dirty="0" smtClean="0"/>
+              <a:t>ファイル</a:t>
+            </a:r>
+            <a:endParaRPr lang="ja-JP" altLang="en-US" dirty="0"/>
           </a:p>
         </p:txBody>
       </p:sp>
@@ -5425,8 +5427,8 @@
         </p:nvSpPr>
         <p:spPr>
           <a:xfrm>
-            <a:off x="4398077" y="4651977"/>
-            <a:ext cx="2217620" cy="1046161"/>
+            <a:off x="3995181" y="4729931"/>
+            <a:ext cx="2217620" cy="976698"/>
           </a:xfrm>
           <a:prstGeom prst="can">
             <a:avLst/>
@@ -5459,7 +5461,7 @@
           <a:lstStyle/>
           <a:p>
             <a:pPr algn="ctr"/>
-            <a:endParaRPr lang="ja-JP" altLang="en-US" sz="1350"/>
+            <a:endParaRPr lang="ja-JP" altLang="en-US"/>
           </a:p>
         </p:txBody>
       </p:sp>
@@ -5471,8 +5473,8 @@
         </p:nvSpPr>
         <p:spPr>
           <a:xfrm>
-            <a:off x="4650579" y="5136194"/>
-            <a:ext cx="1774216" cy="300082"/>
+            <a:off x="4153662" y="5086829"/>
+            <a:ext cx="2026715" cy="369332"/>
           </a:xfrm>
           <a:prstGeom prst="rect">
             <a:avLst/>
@@ -5485,11 +5487,11 @@
           </a:bodyPr>
           <a:lstStyle/>
           <a:p>
-            <a:r>
-              <a:rPr lang="ja-JP" altLang="en-US" sz="1350" dirty="0"/>
+            <a:pPr algn="ctr"/>
+            <a:r>
+              <a:rPr lang="ja-JP" altLang="en-US" dirty="0"/>
               <a:t>カテゴリグループ</a:t>
             </a:r>
-            <a:endParaRPr lang="ja-JP" altLang="en-US" sz="1350" dirty="0"/>
           </a:p>
         </p:txBody>
       </p:sp>
@@ -5529,7 +5531,7 @@
           <a:lstStyle/>
           <a:p>
             <a:pPr algn="ctr"/>
-            <a:endParaRPr lang="ja-JP" altLang="en-US" sz="1350"/>
+            <a:endParaRPr lang="ja-JP" altLang="en-US"/>
           </a:p>
         </p:txBody>
       </p:sp>
@@ -5567,7 +5569,7 @@
           <a:lstStyle/>
           <a:p>
             <a:pPr algn="ctr"/>
-            <a:endParaRPr lang="ja-JP" altLang="en-US" sz="1350"/>
+            <a:endParaRPr lang="ja-JP" altLang="en-US"/>
           </a:p>
         </p:txBody>
       </p:sp>
@@ -5580,7 +5582,7 @@
         <p:spPr>
           <a:xfrm>
             <a:off x="4046500" y="3089235"/>
-            <a:ext cx="1745209" cy="415498"/>
+            <a:ext cx="1745209" cy="461665"/>
           </a:xfrm>
           <a:prstGeom prst="rect">
             <a:avLst/>
@@ -5594,7 +5596,7 @@
           <a:lstStyle/>
           <a:p>
             <a:r>
-              <a:rPr lang="ja-JP" altLang="en-US" sz="2100" dirty="0">
+              <a:rPr lang="ja-JP" altLang="en-US" sz="2400" dirty="0">
                 <a:ln w="0"/>
                 <a:effectLst>
                   <a:outerShdw blurRad="38100" dist="19050" dir="2700000" algn="tl" rotWithShape="0">
@@ -5604,9 +5606,22 @@
                   </a:outerShdw>
                 </a:effectLst>
               </a:rPr>
-              <a:t>穴埋め問題</a:t>
-            </a:r>
-            <a:endParaRPr lang="ja-JP" altLang="en-US" sz="2100" dirty="0">
+              <a:t>穴埋め</a:t>
+            </a:r>
+            <a:r>
+              <a:rPr lang="ja-JP" altLang="en-US" sz="2000" dirty="0">
+                <a:ln w="0"/>
+                <a:effectLst>
+                  <a:outerShdw blurRad="38100" dist="19050" dir="2700000" algn="tl" rotWithShape="0">
+                    <a:schemeClr val="dk1">
+                      <a:alpha val="40000"/>
+                    </a:schemeClr>
+                  </a:outerShdw>
+                </a:effectLst>
+              </a:rPr>
+              <a:t>問題</a:t>
+            </a:r>
+            <a:endParaRPr lang="ja-JP" altLang="en-US" sz="2400" dirty="0">
               <a:ln w="0"/>
               <a:effectLst>
                 <a:outerShdw blurRad="38100" dist="19050" dir="2700000" algn="tl" rotWithShape="0">
@@ -5627,8 +5642,8 @@
         </p:nvSpPr>
         <p:spPr>
           <a:xfrm>
-            <a:off x="7194888" y="4846265"/>
-            <a:ext cx="1506511" cy="715581"/>
+            <a:off x="6925018" y="4815818"/>
+            <a:ext cx="1875973" cy="923330"/>
           </a:xfrm>
           <a:prstGeom prst="rect">
             <a:avLst/>
@@ -5642,23 +5657,22 @@
           <a:lstStyle/>
           <a:p>
             <a:r>
-              <a:rPr lang="en-US" altLang="ja-JP" sz="1350" dirty="0"/>
+              <a:rPr lang="en-US" altLang="ja-JP" dirty="0"/>
               <a:t>Step-2:</a:t>
             </a:r>
           </a:p>
           <a:p>
             <a:r>
-              <a:rPr lang="ja-JP" altLang="en-US" sz="1350" dirty="0"/>
+              <a:rPr lang="ja-JP" altLang="en-US" dirty="0"/>
               <a:t>ソースコード</a:t>
             </a:r>
-            <a:endParaRPr lang="en-US" altLang="ja-JP" sz="1350" dirty="0"/>
-          </a:p>
-          <a:p>
-            <a:r>
-              <a:rPr lang="ja-JP" altLang="en-US" sz="1350" dirty="0"/>
+            <a:endParaRPr lang="en-US" altLang="ja-JP" dirty="0"/>
+          </a:p>
+          <a:p>
+            <a:r>
+              <a:rPr lang="ja-JP" altLang="en-US" dirty="0"/>
               <a:t>の生成</a:t>
             </a:r>
-            <a:endParaRPr lang="ja-JP" altLang="en-US" sz="1350" dirty="0"/>
           </a:p>
         </p:txBody>
       </p:sp>
@@ -5698,7 +5712,7 @@
           <a:lstStyle/>
           <a:p>
             <a:pPr algn="ctr"/>
-            <a:endParaRPr lang="ja-JP" altLang="en-US" sz="1350">
+            <a:endParaRPr lang="ja-JP" altLang="en-US">
               <a:solidFill>
                 <a:schemeClr val="tx1"/>
               </a:solidFill>
@@ -5715,7 +5729,7 @@
         <p:spPr>
           <a:xfrm>
             <a:off x="5732570" y="1294679"/>
-            <a:ext cx="1766254" cy="507831"/>
+            <a:ext cx="1766254" cy="646331"/>
           </a:xfrm>
           <a:prstGeom prst="rect">
             <a:avLst/>
@@ -5729,16 +5743,15 @@
           <a:lstStyle/>
           <a:p>
             <a:r>
-              <a:rPr lang="en-US" altLang="ja-JP" sz="1350" dirty="0"/>
+              <a:rPr lang="en-US" altLang="ja-JP" dirty="0"/>
               <a:t>Step-7:</a:t>
             </a:r>
           </a:p>
           <a:p>
             <a:r>
-              <a:rPr lang="ja-JP" altLang="en-US" sz="1350" dirty="0"/>
+              <a:rPr lang="ja-JP" altLang="en-US" dirty="0"/>
               <a:t>問題の再生成</a:t>
             </a:r>
-            <a:endParaRPr lang="ja-JP" altLang="en-US" sz="1350" dirty="0"/>
           </a:p>
         </p:txBody>
       </p:sp>
@@ -5750,7 +5763,7 @@
         </p:nvSpPr>
         <p:spPr>
           <a:xfrm>
-            <a:off x="4864310" y="3983686"/>
+            <a:off x="4530089" y="4027909"/>
             <a:ext cx="536637" cy="579067"/>
           </a:xfrm>
           <a:prstGeom prst="upArrow">
@@ -5778,7 +5791,7 @@
           <a:lstStyle/>
           <a:p>
             <a:pPr algn="ctr"/>
-            <a:endParaRPr lang="ja-JP" altLang="en-US" sz="1350"/>
+            <a:endParaRPr lang="ja-JP" altLang="en-US"/>
           </a:p>
         </p:txBody>
       </p:sp>
@@ -5791,7 +5804,7 @@
         <p:spPr>
           <a:xfrm>
             <a:off x="6259888" y="2352071"/>
-            <a:ext cx="1229231" cy="507831"/>
+            <a:ext cx="1229231" cy="923330"/>
           </a:xfrm>
           <a:prstGeom prst="rect">
             <a:avLst/>
@@ -5805,16 +5818,15 @@
           <a:lstStyle/>
           <a:p>
             <a:r>
-              <a:rPr lang="en-US" altLang="ja-JP" sz="1350" dirty="0"/>
+              <a:rPr lang="en-US" altLang="ja-JP" dirty="0"/>
               <a:t>Step-4:</a:t>
             </a:r>
           </a:p>
           <a:p>
             <a:r>
-              <a:rPr lang="ja-JP" altLang="en-US" sz="1350" dirty="0"/>
+              <a:rPr lang="ja-JP" altLang="en-US" dirty="0"/>
               <a:t>問題文の提示</a:t>
             </a:r>
-            <a:endParaRPr lang="ja-JP" altLang="en-US" sz="1350" dirty="0"/>
           </a:p>
         </p:txBody>
       </p:sp>
@@ -5826,8 +5838,8 @@
         </p:nvSpPr>
         <p:spPr>
           <a:xfrm>
-            <a:off x="5537687" y="3956328"/>
-            <a:ext cx="1248203" cy="715581"/>
+            <a:off x="5304090" y="3856158"/>
+            <a:ext cx="1966500" cy="923330"/>
           </a:xfrm>
           <a:prstGeom prst="rect">
             <a:avLst/>
@@ -5841,30 +5853,26 @@
           <a:lstStyle/>
           <a:p>
             <a:r>
-              <a:rPr lang="en-US" altLang="ja-JP" sz="1350" dirty="0"/>
+              <a:rPr lang="en-US" altLang="ja-JP" dirty="0"/>
               <a:t>Step-</a:t>
             </a:r>
             <a:r>
-              <a:rPr lang="ja-JP" altLang="en-US" sz="1350" dirty="0"/>
+              <a:rPr lang="ja-JP" altLang="en-US" dirty="0"/>
               <a:t>３：</a:t>
             </a:r>
-            <a:endParaRPr lang="en-US" altLang="ja-JP" sz="1350" dirty="0"/>
-          </a:p>
-          <a:p>
-            <a:r>
-              <a:rPr lang="ja-JP" altLang="en-US" sz="1350" dirty="0"/>
+            <a:endParaRPr lang="en-US" altLang="ja-JP" dirty="0"/>
+          </a:p>
+          <a:p>
+            <a:r>
+              <a:rPr lang="ja-JP" altLang="en-US" dirty="0"/>
               <a:t>選択肢，</a:t>
             </a:r>
-            <a:endParaRPr lang="en-US" altLang="ja-JP" sz="1350" dirty="0"/>
-          </a:p>
-          <a:p>
-            <a:r>
-              <a:rPr lang="ja-JP" altLang="en-US" sz="1350" dirty="0"/>
-              <a:t>問題数の</a:t>
-            </a:r>
-            <a:r>
-              <a:rPr lang="ja-JP" altLang="en-US" sz="1350" dirty="0"/>
-              <a:t>決定</a:t>
+            <a:endParaRPr lang="en-US" altLang="ja-JP" dirty="0"/>
+          </a:p>
+          <a:p>
+            <a:r>
+              <a:rPr lang="ja-JP" altLang="en-US" dirty="0"/>
+              <a:t>問題数の決定</a:t>
             </a:r>
           </a:p>
         </p:txBody>
@@ -5905,7 +5913,7 @@
           <a:lstStyle/>
           <a:p>
             <a:pPr algn="ctr"/>
-            <a:endParaRPr lang="ja-JP" altLang="en-US" sz="1350">
+            <a:endParaRPr lang="ja-JP" altLang="en-US">
               <a:solidFill>
                 <a:schemeClr val="tx1"/>
               </a:solidFill>
@@ -5921,7 +5929,7 @@
         </p:nvSpPr>
         <p:spPr>
           <a:xfrm>
-            <a:off x="9688122" y="2884703"/>
+            <a:off x="9937541" y="3037745"/>
             <a:ext cx="977900" cy="979884"/>
           </a:xfrm>
           <a:prstGeom prst="smileyFace">
@@ -5947,7 +5955,7 @@
           <a:lstStyle/>
           <a:p>
             <a:pPr algn="ctr"/>
-            <a:endParaRPr lang="ja-JP" altLang="en-US" sz="1350"/>
+            <a:endParaRPr lang="ja-JP" altLang="en-US"/>
           </a:p>
         </p:txBody>
       </p:sp>
@@ -5959,7 +5967,7 @@
         </p:nvSpPr>
         <p:spPr>
           <a:xfrm rot="10800000">
-            <a:off x="8991710" y="3182034"/>
+            <a:off x="9133852" y="3327698"/>
             <a:ext cx="660310" cy="391072"/>
           </a:xfrm>
           <a:prstGeom prst="rightArrow">
@@ -5987,7 +5995,7 @@
           <a:lstStyle/>
           <a:p>
             <a:pPr algn="ctr"/>
-            <a:endParaRPr lang="ja-JP" altLang="en-US" sz="1350"/>
+            <a:endParaRPr lang="ja-JP" altLang="en-US"/>
           </a:p>
         </p:txBody>
       </p:sp>
@@ -6000,7 +6008,7 @@
         <p:spPr>
           <a:xfrm>
             <a:off x="9115978" y="2212003"/>
-            <a:ext cx="1050288" cy="923330"/>
+            <a:ext cx="1338828" cy="1200329"/>
           </a:xfrm>
           <a:prstGeom prst="rect">
             <a:avLst/>
@@ -6014,39 +6022,30 @@
           <a:lstStyle/>
           <a:p>
             <a:r>
-              <a:rPr lang="ja-JP" altLang="en-US" sz="1350" dirty="0"/>
-              <a:t>コード</a:t>
-            </a:r>
-            <a:r>
-              <a:rPr lang="ja-JP" altLang="en-US" sz="1350" dirty="0"/>
-              <a:t>，</a:t>
-            </a:r>
-            <a:endParaRPr lang="en-US" altLang="ja-JP" sz="1350" dirty="0"/>
-          </a:p>
-          <a:p>
-            <a:r>
-              <a:rPr lang="ja-JP" altLang="en-US" sz="1350" dirty="0"/>
-              <a:t>問題</a:t>
-            </a:r>
-            <a:r>
-              <a:rPr lang="ja-JP" altLang="en-US" sz="1350" dirty="0"/>
-              <a:t>文，</a:t>
-            </a:r>
-            <a:endParaRPr lang="en-US" altLang="ja-JP" sz="1350" dirty="0"/>
-          </a:p>
-          <a:p>
-            <a:r>
-              <a:rPr lang="ja-JP" altLang="en-US" sz="1350" dirty="0"/>
+              <a:rPr lang="ja-JP" altLang="en-US" dirty="0"/>
+              <a:t>コード，</a:t>
+            </a:r>
+            <a:endParaRPr lang="en-US" altLang="ja-JP" dirty="0"/>
+          </a:p>
+          <a:p>
+            <a:r>
+              <a:rPr lang="ja-JP" altLang="en-US" dirty="0"/>
+              <a:t>問題文，</a:t>
+            </a:r>
+            <a:endParaRPr lang="en-US" altLang="ja-JP" dirty="0"/>
+          </a:p>
+          <a:p>
+            <a:r>
+              <a:rPr lang="ja-JP" altLang="en-US" dirty="0"/>
               <a:t>実行結果，</a:t>
             </a:r>
-            <a:endParaRPr lang="en-US" altLang="ja-JP" sz="1350" dirty="0"/>
-          </a:p>
-          <a:p>
-            <a:r>
-              <a:rPr lang="ja-JP" altLang="en-US" sz="1350" dirty="0"/>
+            <a:endParaRPr lang="en-US" altLang="ja-JP" dirty="0"/>
+          </a:p>
+          <a:p>
+            <a:r>
+              <a:rPr lang="ja-JP" altLang="en-US" dirty="0"/>
               <a:t>の入力</a:t>
             </a:r>
-            <a:endParaRPr lang="ja-JP" altLang="en-US" sz="1350" dirty="0"/>
           </a:p>
         </p:txBody>
       </p:sp>
@@ -6059,7 +6058,7 @@
         <p:spPr>
           <a:xfrm>
             <a:off x="9115979" y="1993866"/>
-            <a:ext cx="772969" cy="300082"/>
+            <a:ext cx="968535" cy="369332"/>
           </a:xfrm>
           <a:prstGeom prst="rect">
             <a:avLst/>
@@ -6073,14 +6072,10 @@
           <a:lstStyle/>
           <a:p>
             <a:r>
-              <a:rPr lang="en-US" altLang="ja-JP" sz="1350" dirty="0"/>
-              <a:t>Step-1</a:t>
-            </a:r>
-            <a:r>
-              <a:rPr lang="en-US" altLang="ja-JP" sz="1350" dirty="0"/>
-              <a:t>:</a:t>
-            </a:r>
-            <a:endParaRPr lang="ja-JP" altLang="en-US" sz="1350" dirty="0"/>
+              <a:rPr lang="en-US" altLang="ja-JP" dirty="0"/>
+              <a:t>Step-1:</a:t>
+            </a:r>
+            <a:endParaRPr lang="ja-JP" altLang="en-US" dirty="0"/>
           </a:p>
         </p:txBody>
       </p:sp>
@@ -6118,7 +6113,7 @@
           <a:lstStyle/>
           <a:p>
             <a:pPr algn="ctr"/>
-            <a:endParaRPr lang="ja-JP" altLang="en-US" sz="1350"/>
+            <a:endParaRPr lang="ja-JP" altLang="en-US"/>
           </a:p>
         </p:txBody>
       </p:sp>
@@ -6130,8 +6125,8 @@
         </p:nvSpPr>
         <p:spPr>
           <a:xfrm>
-            <a:off x="1698686" y="3835197"/>
-            <a:ext cx="1257300" cy="300082"/>
+            <a:off x="1604897" y="3832963"/>
+            <a:ext cx="1257300" cy="369332"/>
           </a:xfrm>
           <a:prstGeom prst="rect">
             <a:avLst/>
@@ -6145,10 +6140,9 @@
           <a:lstStyle/>
           <a:p>
             <a:r>
-              <a:rPr lang="ja-JP" altLang="en-US" sz="1350" dirty="0"/>
+              <a:rPr lang="ja-JP" altLang="en-US" dirty="0"/>
               <a:t>学習者</a:t>
             </a:r>
-            <a:endParaRPr lang="ja-JP" altLang="en-US" sz="1350" dirty="0"/>
           </a:p>
         </p:txBody>
       </p:sp>
@@ -6188,7 +6182,7 @@
           <a:lstStyle/>
           <a:p>
             <a:pPr algn="ctr"/>
-            <a:endParaRPr lang="ja-JP" altLang="en-US" sz="1350"/>
+            <a:endParaRPr lang="ja-JP" altLang="en-US"/>
           </a:p>
         </p:txBody>
       </p:sp>
@@ -6200,7 +6194,7 @@
         </p:nvSpPr>
         <p:spPr>
           <a:xfrm rot="5400000">
-            <a:off x="2799960" y="2771722"/>
+            <a:off x="2769505" y="2742204"/>
             <a:ext cx="385280" cy="678747"/>
           </a:xfrm>
           <a:prstGeom prst="upArrow">
@@ -6228,7 +6222,7 @@
           <a:lstStyle/>
           <a:p>
             <a:pPr algn="ctr"/>
-            <a:endParaRPr lang="ja-JP" altLang="en-US" sz="1350"/>
+            <a:endParaRPr lang="ja-JP" altLang="en-US"/>
           </a:p>
         </p:txBody>
       </p:sp>
@@ -6240,8 +6234,8 @@
         </p:nvSpPr>
         <p:spPr>
           <a:xfrm>
-            <a:off x="2659954" y="2495402"/>
-            <a:ext cx="772969" cy="507831"/>
+            <a:off x="2423955" y="2286410"/>
+            <a:ext cx="968535" cy="646331"/>
           </a:xfrm>
           <a:prstGeom prst="rect">
             <a:avLst/>
@@ -6255,16 +6249,15 @@
           <a:lstStyle/>
           <a:p>
             <a:r>
-              <a:rPr lang="en-US" altLang="ja-JP" sz="1350" dirty="0"/>
+              <a:rPr lang="en-US" altLang="ja-JP" dirty="0"/>
               <a:t>Step-5:</a:t>
             </a:r>
           </a:p>
           <a:p>
             <a:r>
-              <a:rPr lang="ja-JP" altLang="en-US" sz="1350" dirty="0"/>
+              <a:rPr lang="ja-JP" altLang="en-US" dirty="0"/>
               <a:t>解答</a:t>
             </a:r>
-            <a:endParaRPr lang="ja-JP" altLang="en-US" sz="1350" dirty="0"/>
           </a:p>
         </p:txBody>
       </p:sp>
@@ -6276,8 +6269,8 @@
         </p:nvSpPr>
         <p:spPr>
           <a:xfrm>
-            <a:off x="2592786" y="3802887"/>
-            <a:ext cx="772969" cy="507831"/>
+            <a:off x="2396854" y="3791312"/>
+            <a:ext cx="968535" cy="646331"/>
           </a:xfrm>
           <a:prstGeom prst="rect">
             <a:avLst/>
@@ -6291,13 +6284,13 @@
           <a:lstStyle/>
           <a:p>
             <a:r>
-              <a:rPr lang="en-US" altLang="ja-JP" sz="1350" dirty="0"/>
+              <a:rPr lang="en-US" altLang="ja-JP" dirty="0"/>
               <a:t>Step-6:</a:t>
             </a:r>
           </a:p>
           <a:p>
             <a:r>
-              <a:rPr lang="ja-JP" altLang="en-US" sz="1350" dirty="0"/>
+              <a:rPr lang="ja-JP" altLang="en-US" dirty="0"/>
               <a:t>解説</a:t>
             </a:r>
           </a:p>
@@ -6313,11 +6306,11 @@
   <p:clrMapOvr>
     <a:masterClrMapping/>
   </p:clrMapOvr>
-  <mc:AlternateContent xmlns:mc="http://schemas.openxmlformats.org/markup-compatibility/2006">
-    <mc:Choice xmlns:p14="http://schemas.microsoft.com/office/powerpoint/2010/main" Requires="p14">
+  <mc:AlternateContent xmlns:mc="http://schemas.openxmlformats.org/markup-compatibility/2006" xmlns:p14="http://schemas.microsoft.com/office/powerpoint/2010/main">
+    <mc:Choice Requires="p14">
       <p:transition spd="slow" p14:dur="2000"/>
     </mc:Choice>
-    <mc:Fallback>
+    <mc:Fallback xmlns="">
       <p:transition spd="slow"/>
     </mc:Fallback>
   </mc:AlternateContent>
@@ -6374,7 +6367,6 @@
               <a:rPr lang="ja-JP" altLang="en-US" sz="1350" dirty="0"/>
               <a:t>教師</a:t>
             </a:r>
-            <a:endParaRPr lang="ja-JP" altLang="en-US" sz="1350" dirty="0"/>
           </a:p>
         </p:txBody>
       </p:sp>
@@ -6414,13 +6406,7 @@
               <a:rPr lang="ja-JP" altLang="en-US" sz="1350" dirty="0">
                 <a:latin typeface="Consolas" panose="020B0609020204030204" pitchFamily="49" charset="0"/>
               </a:rPr>
-              <a:t>の</a:t>
-            </a:r>
-            <a:r>
-              <a:rPr lang="ja-JP" altLang="en-US" sz="1350" dirty="0">
-                <a:latin typeface="Consolas" panose="020B0609020204030204" pitchFamily="49" charset="0"/>
-              </a:rPr>
-              <a:t>概要図</a:t>
+              <a:t>の概要図</a:t>
             </a:r>
           </a:p>
         </p:txBody>
@@ -6541,7 +6527,6 @@
               <a:rPr lang="ja-JP" altLang="en-US" sz="1350" dirty="0"/>
               <a:t>問題ファイル</a:t>
             </a:r>
-            <a:endParaRPr lang="ja-JP" altLang="en-US" sz="1350" dirty="0"/>
           </a:p>
         </p:txBody>
       </p:sp>
@@ -6617,7 +6602,6 @@
               <a:rPr lang="ja-JP" altLang="en-US" sz="1350" dirty="0"/>
               <a:t>カテゴリグループ</a:t>
             </a:r>
-            <a:endParaRPr lang="ja-JP" altLang="en-US" sz="1350" dirty="0"/>
           </a:p>
         </p:txBody>
       </p:sp>
@@ -6734,16 +6718,6 @@
               </a:rPr>
               <a:t>穴埋め問題</a:t>
             </a:r>
-            <a:endParaRPr lang="ja-JP" altLang="en-US" sz="2100" dirty="0">
-              <a:ln w="0"/>
-              <a:effectLst>
-                <a:outerShdw blurRad="38100" dist="19050" dir="2700000" algn="tl" rotWithShape="0">
-                  <a:schemeClr val="dk1">
-                    <a:alpha val="40000"/>
-                  </a:schemeClr>
-                </a:outerShdw>
-              </a:effectLst>
-            </a:endParaRPr>
           </a:p>
         </p:txBody>
       </p:sp>
@@ -6786,7 +6760,6 @@
               <a:rPr lang="ja-JP" altLang="en-US" sz="1350" dirty="0"/>
               <a:t>の生成</a:t>
             </a:r>
-            <a:endParaRPr lang="ja-JP" altLang="en-US" sz="1350" dirty="0"/>
           </a:p>
         </p:txBody>
       </p:sp>
@@ -6866,7 +6839,6 @@
               <a:rPr lang="ja-JP" altLang="en-US" sz="1350" dirty="0"/>
               <a:t>問題の再生成</a:t>
             </a:r>
-            <a:endParaRPr lang="ja-JP" altLang="en-US" sz="1350" dirty="0"/>
           </a:p>
         </p:txBody>
       </p:sp>
@@ -6942,7 +6914,6 @@
               <a:rPr lang="ja-JP" altLang="en-US" sz="1350" dirty="0"/>
               <a:t>問題文の提示</a:t>
             </a:r>
-            <a:endParaRPr lang="ja-JP" altLang="en-US" sz="1350" dirty="0"/>
           </a:p>
         </p:txBody>
       </p:sp>
@@ -6988,11 +6959,7 @@
           <a:p>
             <a:r>
               <a:rPr lang="ja-JP" altLang="en-US" sz="1350" dirty="0"/>
-              <a:t>問題数の</a:t>
-            </a:r>
-            <a:r>
-              <a:rPr lang="ja-JP" altLang="en-US" sz="1350" dirty="0"/>
-              <a:t>決定</a:t>
+              <a:t>問題数の決定</a:t>
             </a:r>
           </a:p>
         </p:txBody>
@@ -7143,22 +7110,14 @@
           <a:p>
             <a:r>
               <a:rPr lang="ja-JP" altLang="en-US" sz="1350" dirty="0"/>
-              <a:t>コード</a:t>
-            </a:r>
+              <a:t>コード，</a:t>
+            </a:r>
+            <a:endParaRPr lang="en-US" altLang="ja-JP" sz="1350" dirty="0"/>
+          </a:p>
+          <a:p>
             <a:r>
               <a:rPr lang="ja-JP" altLang="en-US" sz="1350" dirty="0"/>
-              <a:t>，</a:t>
-            </a:r>
-            <a:endParaRPr lang="en-US" altLang="ja-JP" sz="1350" dirty="0"/>
-          </a:p>
-          <a:p>
-            <a:r>
-              <a:rPr lang="ja-JP" altLang="en-US" sz="1350" dirty="0"/>
-              <a:t>問題</a:t>
-            </a:r>
-            <a:r>
-              <a:rPr lang="ja-JP" altLang="en-US" sz="1350" dirty="0"/>
-              <a:t>文，</a:t>
+              <a:t>問題文，</a:t>
             </a:r>
             <a:endParaRPr lang="en-US" altLang="ja-JP" sz="1350" dirty="0"/>
           </a:p>
@@ -7174,7 +7133,6 @@
               <a:rPr lang="ja-JP" altLang="en-US" sz="1350" dirty="0"/>
               <a:t>の入力</a:t>
             </a:r>
-            <a:endParaRPr lang="ja-JP" altLang="en-US" sz="1350" dirty="0"/>
           </a:p>
         </p:txBody>
       </p:sp>
@@ -7202,11 +7160,7 @@
           <a:p>
             <a:r>
               <a:rPr lang="en-US" altLang="ja-JP" sz="1350" dirty="0"/>
-              <a:t>Step-1</a:t>
-            </a:r>
-            <a:r>
-              <a:rPr lang="en-US" altLang="ja-JP" sz="1350" dirty="0"/>
-              <a:t>:</a:t>
+              <a:t>Step-1:</a:t>
             </a:r>
             <a:endParaRPr lang="ja-JP" altLang="en-US" sz="1350" dirty="0"/>
           </a:p>
@@ -7276,7 +7230,6 @@
               <a:rPr lang="ja-JP" altLang="en-US" sz="1350" dirty="0"/>
               <a:t>学習者</a:t>
             </a:r>
-            <a:endParaRPr lang="ja-JP" altLang="en-US" sz="1350" dirty="0"/>
           </a:p>
         </p:txBody>
       </p:sp>
@@ -7392,7 +7345,6 @@
               <a:rPr lang="ja-JP" altLang="en-US" sz="1350" dirty="0"/>
               <a:t>解答</a:t>
             </a:r>
-            <a:endParaRPr lang="ja-JP" altLang="en-US" sz="1350" dirty="0"/>
           </a:p>
         </p:txBody>
       </p:sp>
@@ -7464,11 +7416,11 @@
   <p:clrMapOvr>
     <a:masterClrMapping/>
   </p:clrMapOvr>
-  <mc:AlternateContent xmlns:mc="http://schemas.openxmlformats.org/markup-compatibility/2006">
-    <mc:Choice xmlns:p14="http://schemas.microsoft.com/office/powerpoint/2010/main" Requires="p14">
+  <mc:AlternateContent xmlns:mc="http://schemas.openxmlformats.org/markup-compatibility/2006" xmlns:p14="http://schemas.microsoft.com/office/powerpoint/2010/main">
+    <mc:Choice Requires="p14">
       <p:transition spd="slow" p14:dur="2000"/>
     </mc:Choice>
-    <mc:Fallback>
+    <mc:Fallback xmlns="">
       <p:transition spd="slow"/>
     </mc:Fallback>
   </mc:AlternateContent>
@@ -7609,7 +7561,6 @@
               <a:rPr lang="ja-JP" altLang="en-US" sz="1350" dirty="0"/>
               <a:t>問題ファイル</a:t>
             </a:r>
-            <a:endParaRPr lang="ja-JP" altLang="en-US" sz="1350" dirty="0"/>
           </a:p>
         </p:txBody>
       </p:sp>
@@ -7685,7 +7636,6 @@
               <a:rPr lang="ja-JP" altLang="en-US" sz="1350" dirty="0"/>
               <a:t>カテゴリグループ</a:t>
             </a:r>
-            <a:endParaRPr lang="ja-JP" altLang="en-US" sz="1350" dirty="0"/>
           </a:p>
         </p:txBody>
       </p:sp>
@@ -7802,16 +7752,6 @@
               </a:rPr>
               <a:t>穴埋め問題</a:t>
             </a:r>
-            <a:endParaRPr lang="ja-JP" altLang="en-US" sz="2100" dirty="0">
-              <a:ln w="0"/>
-              <a:effectLst>
-                <a:outerShdw blurRad="38100" dist="19050" dir="2700000" algn="tl" rotWithShape="0">
-                  <a:schemeClr val="dk1">
-                    <a:alpha val="40000"/>
-                  </a:schemeClr>
-                </a:outerShdw>
-              </a:effectLst>
-            </a:endParaRPr>
           </a:p>
         </p:txBody>
       </p:sp>
@@ -7848,7 +7788,6 @@
               <a:rPr lang="ja-JP" altLang="en-US" sz="1350" dirty="0"/>
               <a:t>の生成</a:t>
             </a:r>
-            <a:endParaRPr lang="ja-JP" altLang="en-US" sz="1350" dirty="0"/>
           </a:p>
         </p:txBody>
       </p:sp>
@@ -7920,13 +7859,8 @@
           <a:p>
             <a:r>
               <a:rPr lang="ja-JP" altLang="en-US" sz="1350" dirty="0"/>
-              <a:t>問題</a:t>
-            </a:r>
-            <a:r>
-              <a:rPr lang="ja-JP" altLang="en-US" sz="1350" dirty="0"/>
-              <a:t>の再生成</a:t>
-            </a:r>
-            <a:endParaRPr lang="ja-JP" altLang="en-US" sz="1350" dirty="0"/>
+              <a:t>問題の再生成</a:t>
+            </a:r>
           </a:p>
         </p:txBody>
       </p:sp>
@@ -7996,7 +7930,6 @@
               <a:rPr lang="ja-JP" altLang="en-US" sz="1350" dirty="0"/>
               <a:t>問題文の提示</a:t>
             </a:r>
-            <a:endParaRPr lang="ja-JP" altLang="en-US" sz="1350" dirty="0"/>
           </a:p>
         </p:txBody>
       </p:sp>
@@ -8106,11 +8039,11 @@
   <p:clrMapOvr>
     <a:masterClrMapping/>
   </p:clrMapOvr>
-  <mc:AlternateContent xmlns:mc="http://schemas.openxmlformats.org/markup-compatibility/2006">
-    <mc:Choice xmlns:p14="http://schemas.microsoft.com/office/powerpoint/2010/main" Requires="p14">
+  <mc:AlternateContent xmlns:mc="http://schemas.openxmlformats.org/markup-compatibility/2006" xmlns:p14="http://schemas.microsoft.com/office/powerpoint/2010/main">
+    <mc:Choice Requires="p14">
       <p:transition spd="slow" p14:dur="2000"/>
     </mc:Choice>
-    <mc:Fallback>
+    <mc:Fallback xmlns="">
       <p:transition spd="slow"/>
     </mc:Fallback>
   </mc:AlternateContent>
@@ -8254,11 +8187,11 @@
   <p:clrMapOvr>
     <a:masterClrMapping/>
   </p:clrMapOvr>
-  <mc:AlternateContent xmlns:mc="http://schemas.openxmlformats.org/markup-compatibility/2006">
-    <mc:Choice xmlns:p14="http://schemas.microsoft.com/office/powerpoint/2010/main" Requires="p14">
+  <mc:AlternateContent xmlns:mc="http://schemas.openxmlformats.org/markup-compatibility/2006" xmlns:p14="http://schemas.microsoft.com/office/powerpoint/2010/main">
+    <mc:Choice Requires="p14">
       <p:transition spd="slow" p14:dur="2000"/>
     </mc:Choice>
-    <mc:Fallback>
+    <mc:Fallback xmlns="">
       <p:transition spd="slow"/>
     </mc:Fallback>
   </mc:AlternateContent>
@@ -8421,19 +8354,6 @@
               </a:rPr>
               <a:t>演算</a:t>
             </a:r>
-            <a:endParaRPr lang="ja-JP" altLang="en-US" sz="1350" dirty="0">
-              <a:ln w="0"/>
-              <a:solidFill>
-                <a:schemeClr val="tx1"/>
-              </a:solidFill>
-              <a:effectLst>
-                <a:outerShdw blurRad="38100" dist="19050" dir="2700000" algn="tl" rotWithShape="0">
-                  <a:schemeClr val="dk1">
-                    <a:alpha val="40000"/>
-                  </a:schemeClr>
-                </a:outerShdw>
-              </a:effectLst>
-            </a:endParaRPr>
           </a:p>
         </p:txBody>
       </p:sp>
@@ -8562,7 +8482,6 @@
               <a:rPr lang="ja-JP" altLang="en-US" sz="1350" dirty="0"/>
               <a:t>変数</a:t>
             </a:r>
-            <a:endParaRPr lang="ja-JP" altLang="en-US" sz="1350" dirty="0"/>
           </a:p>
         </p:txBody>
       </p:sp>
@@ -8604,7 +8523,6 @@
               <a:rPr lang="ja-JP" altLang="en-US" sz="1350" dirty="0"/>
               <a:t>関数</a:t>
             </a:r>
-            <a:endParaRPr lang="ja-JP" altLang="en-US" sz="1350" dirty="0"/>
           </a:p>
         </p:txBody>
       </p:sp>
@@ -8754,7 +8672,6 @@
               <a:rPr lang="ja-JP" altLang="en-US" sz="1350" dirty="0"/>
               <a:t>繰り返し</a:t>
             </a:r>
-            <a:endParaRPr lang="ja-JP" altLang="en-US" sz="1350" dirty="0"/>
           </a:p>
         </p:txBody>
       </p:sp>
@@ -8784,7 +8701,6 @@
               <a:rPr lang="ja-JP" altLang="en-US" sz="1350" dirty="0"/>
               <a:t>条件</a:t>
             </a:r>
-            <a:endParaRPr lang="ja-JP" altLang="en-US" sz="1350" dirty="0"/>
           </a:p>
         </p:txBody>
       </p:sp>
@@ -8814,7 +8730,6 @@
               <a:rPr lang="ja-JP" altLang="en-US" sz="1350" dirty="0"/>
               <a:t>実行処理</a:t>
             </a:r>
-            <a:endParaRPr lang="ja-JP" altLang="en-US" sz="1350" dirty="0"/>
           </a:p>
         </p:txBody>
       </p:sp>
@@ -8851,11 +8766,11 @@
   <p:clrMapOvr>
     <a:masterClrMapping/>
   </p:clrMapOvr>
-  <mc:AlternateContent xmlns:mc="http://schemas.openxmlformats.org/markup-compatibility/2006">
-    <mc:Choice xmlns:p14="http://schemas.microsoft.com/office/powerpoint/2010/main" Requires="p14">
+  <mc:AlternateContent xmlns:mc="http://schemas.openxmlformats.org/markup-compatibility/2006" xmlns:p14="http://schemas.microsoft.com/office/powerpoint/2010/main">
+    <mc:Choice Requires="p14">
       <p:transition spd="slow" p14:dur="2000"/>
     </mc:Choice>
-    <mc:Fallback>
+    <mc:Fallback xmlns="">
       <p:transition spd="slow"/>
     </mc:Fallback>
   </mc:AlternateContent>
@@ -8924,7 +8839,6 @@
               <a:rPr lang="ja-JP" altLang="en-US" sz="1350" dirty="0"/>
               <a:t>問題ファイルの決定</a:t>
             </a:r>
-            <a:endParaRPr lang="ja-JP" altLang="en-US" sz="1350" dirty="0"/>
           </a:p>
         </p:txBody>
       </p:sp>
@@ -8966,7 +8880,6 @@
               <a:rPr lang="ja-JP" altLang="en-US" sz="1350" dirty="0"/>
               <a:t>問題文</a:t>
             </a:r>
-            <a:endParaRPr lang="ja-JP" altLang="en-US" sz="1350" dirty="0"/>
           </a:p>
         </p:txBody>
       </p:sp>
@@ -9008,7 +8921,6 @@
               <a:rPr lang="ja-JP" altLang="en-US" sz="1350" dirty="0"/>
               <a:t>コードの実行</a:t>
             </a:r>
-            <a:endParaRPr lang="ja-JP" altLang="en-US" sz="1350" dirty="0"/>
           </a:p>
         </p:txBody>
       </p:sp>
@@ -9050,7 +8962,6 @@
               <a:rPr lang="ja-JP" altLang="en-US" sz="1350" dirty="0"/>
               <a:t>難易度による穴埋め問題の生成</a:t>
             </a:r>
-            <a:endParaRPr lang="ja-JP" altLang="en-US" sz="1350" dirty="0"/>
           </a:p>
         </p:txBody>
       </p:sp>
@@ -9092,7 +9003,6 @@
               <a:rPr lang="ja-JP" altLang="en-US" sz="1350" dirty="0"/>
               <a:t>採点</a:t>
             </a:r>
-            <a:endParaRPr lang="ja-JP" altLang="en-US" sz="1350" dirty="0"/>
           </a:p>
         </p:txBody>
       </p:sp>
@@ -9182,11 +9092,11 @@
   <p:clrMapOvr>
     <a:masterClrMapping/>
   </p:clrMapOvr>
-  <mc:AlternateContent xmlns:mc="http://schemas.openxmlformats.org/markup-compatibility/2006">
-    <mc:Choice xmlns:p14="http://schemas.microsoft.com/office/powerpoint/2010/main" Requires="p14">
+  <mc:AlternateContent xmlns:mc="http://schemas.openxmlformats.org/markup-compatibility/2006" xmlns:p14="http://schemas.microsoft.com/office/powerpoint/2010/main">
+    <mc:Choice Requires="p14">
       <p:transition spd="slow" p14:dur="2000"/>
     </mc:Choice>
-    <mc:Fallback>
+    <mc:Fallback xmlns="">
       <p:transition spd="slow"/>
     </mc:Fallback>
   </mc:AlternateContent>

--- a/1821121_shimaoka_gazou.pptx
+++ b/1821121_shimaoka_gazou.pptx
@@ -203,7 +203,7 @@
           <a:p>
             <a:fld id="{2FBCD608-C238-4507-BF7C-04001CB8D79C}" type="datetimeFigureOut">
               <a:rPr kumimoji="1" lang="ja-JP" altLang="en-US" smtClean="0"/>
-              <a:t>2022/1/17</a:t>
+              <a:t>2022/1/19</a:t>
             </a:fld>
             <a:endParaRPr kumimoji="1" lang="ja-JP" altLang="en-US"/>
           </a:p>
@@ -1188,7 +1188,7 @@
           <a:p>
             <a:fld id="{718A6A87-0D2F-469D-9F0F-BB48D7255BC9}" type="datetimeFigureOut">
               <a:rPr kumimoji="1" lang="ja-JP" altLang="en-US" smtClean="0"/>
-              <a:t>2022/1/17</a:t>
+              <a:t>2022/1/19</a:t>
             </a:fld>
             <a:endParaRPr kumimoji="1" lang="ja-JP" altLang="en-US"/>
           </a:p>
@@ -1390,7 +1390,7 @@
           <a:p>
             <a:fld id="{718A6A87-0D2F-469D-9F0F-BB48D7255BC9}" type="datetimeFigureOut">
               <a:rPr kumimoji="1" lang="ja-JP" altLang="en-US" smtClean="0"/>
-              <a:t>2022/1/17</a:t>
+              <a:t>2022/1/19</a:t>
             </a:fld>
             <a:endParaRPr kumimoji="1" lang="ja-JP" altLang="en-US"/>
           </a:p>
@@ -1602,7 +1602,7 @@
           <a:p>
             <a:fld id="{718A6A87-0D2F-469D-9F0F-BB48D7255BC9}" type="datetimeFigureOut">
               <a:rPr kumimoji="1" lang="ja-JP" altLang="en-US" smtClean="0"/>
-              <a:t>2022/1/17</a:t>
+              <a:t>2022/1/19</a:t>
             </a:fld>
             <a:endParaRPr kumimoji="1" lang="ja-JP" altLang="en-US"/>
           </a:p>
@@ -1804,7 +1804,7 @@
           <a:p>
             <a:fld id="{718A6A87-0D2F-469D-9F0F-BB48D7255BC9}" type="datetimeFigureOut">
               <a:rPr kumimoji="1" lang="ja-JP" altLang="en-US" smtClean="0"/>
-              <a:t>2022/1/17</a:t>
+              <a:t>2022/1/19</a:t>
             </a:fld>
             <a:endParaRPr kumimoji="1" lang="ja-JP" altLang="en-US"/>
           </a:p>
@@ -2050,7 +2050,7 @@
           <a:p>
             <a:fld id="{718A6A87-0D2F-469D-9F0F-BB48D7255BC9}" type="datetimeFigureOut">
               <a:rPr kumimoji="1" lang="ja-JP" altLang="en-US" smtClean="0"/>
-              <a:t>2022/1/17</a:t>
+              <a:t>2022/1/19</a:t>
             </a:fld>
             <a:endParaRPr kumimoji="1" lang="ja-JP" altLang="en-US"/>
           </a:p>
@@ -2346,7 +2346,7 @@
           <a:p>
             <a:fld id="{718A6A87-0D2F-469D-9F0F-BB48D7255BC9}" type="datetimeFigureOut">
               <a:rPr kumimoji="1" lang="ja-JP" altLang="en-US" smtClean="0"/>
-              <a:t>2022/1/17</a:t>
+              <a:t>2022/1/19</a:t>
             </a:fld>
             <a:endParaRPr kumimoji="1" lang="ja-JP" altLang="en-US"/>
           </a:p>
@@ -2777,7 +2777,7 @@
           <a:p>
             <a:fld id="{718A6A87-0D2F-469D-9F0F-BB48D7255BC9}" type="datetimeFigureOut">
               <a:rPr kumimoji="1" lang="ja-JP" altLang="en-US" smtClean="0"/>
-              <a:t>2022/1/17</a:t>
+              <a:t>2022/1/19</a:t>
             </a:fld>
             <a:endParaRPr kumimoji="1" lang="ja-JP" altLang="en-US"/>
           </a:p>
@@ -2895,7 +2895,7 @@
           <a:p>
             <a:fld id="{718A6A87-0D2F-469D-9F0F-BB48D7255BC9}" type="datetimeFigureOut">
               <a:rPr kumimoji="1" lang="ja-JP" altLang="en-US" smtClean="0"/>
-              <a:t>2022/1/17</a:t>
+              <a:t>2022/1/19</a:t>
             </a:fld>
             <a:endParaRPr kumimoji="1" lang="ja-JP" altLang="en-US"/>
           </a:p>
@@ -2990,7 +2990,7 @@
           <a:p>
             <a:fld id="{718A6A87-0D2F-469D-9F0F-BB48D7255BC9}" type="datetimeFigureOut">
               <a:rPr kumimoji="1" lang="ja-JP" altLang="en-US" smtClean="0"/>
-              <a:t>2022/1/17</a:t>
+              <a:t>2022/1/19</a:t>
             </a:fld>
             <a:endParaRPr kumimoji="1" lang="ja-JP" altLang="en-US"/>
           </a:p>
@@ -3299,7 +3299,7 @@
           <a:p>
             <a:fld id="{718A6A87-0D2F-469D-9F0F-BB48D7255BC9}" type="datetimeFigureOut">
               <a:rPr kumimoji="1" lang="ja-JP" altLang="en-US" smtClean="0"/>
-              <a:t>2022/1/17</a:t>
+              <a:t>2022/1/19</a:t>
             </a:fld>
             <a:endParaRPr kumimoji="1" lang="ja-JP" altLang="en-US"/>
           </a:p>
@@ -3552,7 +3552,7 @@
           <a:p>
             <a:fld id="{718A6A87-0D2F-469D-9F0F-BB48D7255BC9}" type="datetimeFigureOut">
               <a:rPr kumimoji="1" lang="ja-JP" altLang="en-US" smtClean="0"/>
-              <a:t>2022/1/17</a:t>
+              <a:t>2022/1/19</a:t>
             </a:fld>
             <a:endParaRPr kumimoji="1" lang="ja-JP" altLang="en-US"/>
           </a:p>
@@ -3797,7 +3797,7 @@
           <a:p>
             <a:fld id="{718A6A87-0D2F-469D-9F0F-BB48D7255BC9}" type="datetimeFigureOut">
               <a:rPr kumimoji="1" lang="ja-JP" altLang="en-US" smtClean="0"/>
-              <a:t>2022/1/17</a:t>
+              <a:t>2022/1/19</a:t>
             </a:fld>
             <a:endParaRPr kumimoji="1" lang="ja-JP" altLang="en-US"/>
           </a:p>
@@ -5803,7 +5803,7 @@
         </p:nvSpPr>
         <p:spPr>
           <a:xfrm>
-            <a:off x="6259888" y="2352071"/>
+            <a:off x="6308050" y="2149255"/>
             <a:ext cx="1229231" cy="923330"/>
           </a:xfrm>
           <a:prstGeom prst="rect">

--- a/1821121_shimaoka_gazou.pptx
+++ b/1821121_shimaoka_gazou.pptx
@@ -5,16 +5,18 @@
     <p:sldMasterId id="2147483648" r:id="rId1"/>
   </p:sldMasterIdLst>
   <p:notesMasterIdLst>
-    <p:notesMasterId r:id="rId9"/>
+    <p:notesMasterId r:id="rId11"/>
   </p:notesMasterIdLst>
   <p:sldIdLst>
     <p:sldId id="256" r:id="rId2"/>
     <p:sldId id="257" r:id="rId3"/>
-    <p:sldId id="258" r:id="rId4"/>
-    <p:sldId id="259" r:id="rId5"/>
-    <p:sldId id="260" r:id="rId6"/>
-    <p:sldId id="261" r:id="rId7"/>
-    <p:sldId id="262" r:id="rId8"/>
+    <p:sldId id="264" r:id="rId4"/>
+    <p:sldId id="258" r:id="rId5"/>
+    <p:sldId id="259" r:id="rId6"/>
+    <p:sldId id="260" r:id="rId7"/>
+    <p:sldId id="261" r:id="rId8"/>
+    <p:sldId id="262" r:id="rId9"/>
+    <p:sldId id="265" r:id="rId10"/>
   </p:sldIdLst>
   <p:sldSz cx="12192000" cy="6858000"/>
   <p:notesSz cx="6858000" cy="9144000"/>
@@ -203,7 +205,7 @@
           <a:p>
             <a:fld id="{2FBCD608-C238-4507-BF7C-04001CB8D79C}" type="datetimeFigureOut">
               <a:rPr kumimoji="1" lang="ja-JP" altLang="en-US" smtClean="0"/>
-              <a:t>2022/1/19</a:t>
+              <a:t>2022/2/8</a:t>
             </a:fld>
             <a:endParaRPr kumimoji="1" lang="ja-JP" altLang="en-US"/>
           </a:p>
@@ -1047,6 +1049,283 @@
     </p:spTree>
     <p:extLst>
       <p:ext uri="{BB962C8B-B14F-4D97-AF65-F5344CB8AC3E}">
+        <p14:creationId xmlns:p14="http://schemas.microsoft.com/office/powerpoint/2010/main" val="3270122614"/>
+      </p:ext>
+    </p:extLst>
+  </p:cSld>
+  <p:clrMapOvr>
+    <a:masterClrMapping/>
+  </p:clrMapOvr>
+</p:notes>
+</file>
+
+<file path=ppt/notesSlides/notesSlide3.xml><?xml version="1.0" encoding="utf-8"?>
+<p:notes xmlns:a="http://schemas.openxmlformats.org/drawingml/2006/main" xmlns:r="http://schemas.openxmlformats.org/officeDocument/2006/relationships" xmlns:p="http://schemas.openxmlformats.org/presentationml/2006/main">
+  <p:cSld>
+    <p:spTree>
+      <p:nvGrpSpPr>
+        <p:cNvPr id="1" name=""/>
+        <p:cNvGrpSpPr/>
+        <p:nvPr/>
+      </p:nvGrpSpPr>
+      <p:grpSpPr>
+        <a:xfrm>
+          <a:off x="0" y="0"/>
+          <a:ext cx="0" cy="0"/>
+          <a:chOff x="0" y="0"/>
+          <a:chExt cx="0" cy="0"/>
+        </a:xfrm>
+      </p:grpSpPr>
+      <p:sp>
+        <p:nvSpPr>
+          <p:cNvPr id="2" name="スライド イメージ プレースホルダー 1"/>
+          <p:cNvSpPr>
+            <a:spLocks noGrp="1" noRot="1" noChangeAspect="1"/>
+          </p:cNvSpPr>
+          <p:nvPr>
+            <p:ph type="sldImg"/>
+          </p:nvPr>
+        </p:nvSpPr>
+        <p:spPr>
+          <a:xfrm>
+            <a:off x="685800" y="1143000"/>
+            <a:ext cx="5486400" cy="3086100"/>
+          </a:xfrm>
+        </p:spPr>
+      </p:sp>
+      <p:sp>
+        <p:nvSpPr>
+          <p:cNvPr id="3" name="ノート プレースホルダー 2"/>
+          <p:cNvSpPr>
+            <a:spLocks noGrp="1"/>
+          </p:cNvSpPr>
+          <p:nvPr>
+            <p:ph type="body" idx="1"/>
+          </p:nvPr>
+        </p:nvSpPr>
+        <p:spPr/>
+        <p:txBody>
+          <a:bodyPr/>
+          <a:lstStyle/>
+          <a:p>
+            <a:r>
+              <a:rPr kumimoji="1" lang="en-US" altLang="ja-JP" sz="1200" kern="1200" dirty="0" smtClean="0">
+                <a:solidFill>
+                  <a:schemeClr val="tx1"/>
+                </a:solidFill>
+                <a:effectLst/>
+                <a:latin typeface="+mn-lt"/>
+                <a:ea typeface="+mn-ea"/>
+                <a:cs typeface="+mn-cs"/>
+              </a:rPr>
+              <a:t>Step-1:</a:t>
+            </a:r>
+            <a:r>
+              <a:rPr kumimoji="1" lang="ja-JP" altLang="ja-JP" sz="1200" kern="1200" dirty="0" smtClean="0">
+                <a:solidFill>
+                  <a:schemeClr val="tx1"/>
+                </a:solidFill>
+                <a:effectLst/>
+                <a:latin typeface="+mn-lt"/>
+                <a:ea typeface="+mn-ea"/>
+                <a:cs typeface="+mn-cs"/>
+              </a:rPr>
+              <a:t>教師は問題ファイルを作成する． </a:t>
+            </a:r>
+          </a:p>
+          <a:p>
+            <a:r>
+              <a:rPr kumimoji="1" lang="en-US" altLang="ja-JP" sz="1200" kern="1200" dirty="0" smtClean="0">
+                <a:solidFill>
+                  <a:schemeClr val="tx1"/>
+                </a:solidFill>
+                <a:effectLst/>
+                <a:latin typeface="+mn-lt"/>
+                <a:ea typeface="+mn-ea"/>
+                <a:cs typeface="+mn-cs"/>
+              </a:rPr>
+              <a:t>Step-2:XML</a:t>
+            </a:r>
+            <a:r>
+              <a:rPr kumimoji="1" lang="ja-JP" altLang="ja-JP" sz="1200" kern="1200" dirty="0" smtClean="0">
+                <a:solidFill>
+                  <a:schemeClr val="tx1"/>
+                </a:solidFill>
+                <a:effectLst/>
+                <a:latin typeface="+mn-lt"/>
+                <a:ea typeface="+mn-ea"/>
+                <a:cs typeface="+mn-cs"/>
+              </a:rPr>
+              <a:t>状態のコードからプログラミング言語のコードを生成する．</a:t>
+            </a:r>
+          </a:p>
+          <a:p>
+            <a:r>
+              <a:rPr kumimoji="1" lang="en-US" altLang="ja-JP" sz="1200" kern="1200" dirty="0" smtClean="0">
+                <a:solidFill>
+                  <a:schemeClr val="tx1"/>
+                </a:solidFill>
+                <a:effectLst/>
+                <a:latin typeface="+mn-lt"/>
+                <a:ea typeface="+mn-ea"/>
+                <a:cs typeface="+mn-cs"/>
+              </a:rPr>
+              <a:t>Step-3:</a:t>
+            </a:r>
+            <a:r>
+              <a:rPr kumimoji="1" lang="ja-JP" altLang="ja-JP" sz="1200" kern="1200" dirty="0" smtClean="0">
+                <a:solidFill>
+                  <a:schemeClr val="tx1"/>
+                </a:solidFill>
+                <a:effectLst/>
+                <a:latin typeface="+mn-lt"/>
+                <a:ea typeface="+mn-ea"/>
+                <a:cs typeface="+mn-cs"/>
+              </a:rPr>
+              <a:t>難易度によって選択問題に利用されるキーワード，問題数を選択する．</a:t>
+            </a:r>
+          </a:p>
+          <a:p>
+            <a:r>
+              <a:rPr kumimoji="1" lang="en-US" altLang="ja-JP" sz="1200" kern="1200" dirty="0" smtClean="0">
+                <a:solidFill>
+                  <a:schemeClr val="tx1"/>
+                </a:solidFill>
+                <a:effectLst/>
+                <a:latin typeface="+mn-lt"/>
+                <a:ea typeface="+mn-ea"/>
+                <a:cs typeface="+mn-cs"/>
+              </a:rPr>
+              <a:t>Step-4:</a:t>
+            </a:r>
+            <a:r>
+              <a:rPr kumimoji="1" lang="ja-JP" altLang="ja-JP" sz="1200" kern="1200" dirty="0" smtClean="0">
+                <a:solidFill>
+                  <a:schemeClr val="tx1"/>
+                </a:solidFill>
+                <a:effectLst/>
+                <a:latin typeface="+mn-lt"/>
+                <a:ea typeface="+mn-ea"/>
+                <a:cs typeface="+mn-cs"/>
+              </a:rPr>
+              <a:t>問題文，選択問題を学習者に出題する．</a:t>
+            </a:r>
+          </a:p>
+          <a:p>
+            <a:r>
+              <a:rPr kumimoji="1" lang="en-US" altLang="ja-JP" sz="1200" kern="1200" dirty="0" smtClean="0">
+                <a:solidFill>
+                  <a:schemeClr val="tx1"/>
+                </a:solidFill>
+                <a:effectLst/>
+                <a:latin typeface="+mn-lt"/>
+                <a:ea typeface="+mn-ea"/>
+                <a:cs typeface="+mn-cs"/>
+              </a:rPr>
+              <a:t>Step-5:</a:t>
+            </a:r>
+            <a:r>
+              <a:rPr kumimoji="1" lang="ja-JP" altLang="ja-JP" sz="1200" kern="1200" dirty="0" smtClean="0">
+                <a:solidFill>
+                  <a:schemeClr val="tx1"/>
+                </a:solidFill>
+                <a:effectLst/>
+                <a:latin typeface="+mn-lt"/>
+                <a:ea typeface="+mn-ea"/>
+                <a:cs typeface="+mn-cs"/>
+              </a:rPr>
+              <a:t>学習者は解答を行う．</a:t>
+            </a:r>
+          </a:p>
+          <a:p>
+            <a:r>
+              <a:rPr kumimoji="1" lang="en-US" altLang="ja-JP" sz="1200" kern="1200" dirty="0" smtClean="0">
+                <a:solidFill>
+                  <a:schemeClr val="tx1"/>
+                </a:solidFill>
+                <a:effectLst/>
+                <a:latin typeface="+mn-lt"/>
+                <a:ea typeface="+mn-ea"/>
+                <a:cs typeface="+mn-cs"/>
+              </a:rPr>
+              <a:t>Step-6:</a:t>
+            </a:r>
+            <a:r>
+              <a:rPr kumimoji="1" lang="ja-JP" altLang="ja-JP" sz="1200" kern="1200" dirty="0" smtClean="0">
+                <a:solidFill>
+                  <a:schemeClr val="tx1"/>
+                </a:solidFill>
+                <a:effectLst/>
+                <a:latin typeface="+mn-lt"/>
+                <a:ea typeface="+mn-ea"/>
+                <a:cs typeface="+mn-cs"/>
+              </a:rPr>
+              <a:t>誤答の解説を行う．</a:t>
+            </a:r>
+          </a:p>
+          <a:p>
+            <a:r>
+              <a:rPr kumimoji="1" lang="en-US" altLang="ja-JP" sz="1200" kern="1200" dirty="0" smtClean="0">
+                <a:solidFill>
+                  <a:schemeClr val="tx1"/>
+                </a:solidFill>
+                <a:effectLst/>
+                <a:latin typeface="+mn-lt"/>
+                <a:ea typeface="+mn-ea"/>
+                <a:cs typeface="+mn-cs"/>
+              </a:rPr>
+              <a:t>Step-7: Step-2</a:t>
+            </a:r>
+            <a:r>
+              <a:rPr kumimoji="1" lang="ja-JP" altLang="ja-JP" sz="1200" kern="1200" dirty="0" smtClean="0">
+                <a:solidFill>
+                  <a:schemeClr val="tx1"/>
+                </a:solidFill>
+                <a:effectLst/>
+                <a:latin typeface="+mn-lt"/>
+                <a:ea typeface="+mn-ea"/>
+                <a:cs typeface="+mn-cs"/>
+              </a:rPr>
+              <a:t>に戻る．</a:t>
+            </a:r>
+            <a:endParaRPr kumimoji="1" lang="ja-JP" altLang="ja-JP" sz="1200" kern="1200" dirty="0">
+              <a:solidFill>
+                <a:schemeClr val="tx1"/>
+              </a:solidFill>
+              <a:effectLst/>
+              <a:latin typeface="+mn-lt"/>
+              <a:ea typeface="+mn-ea"/>
+              <a:cs typeface="+mn-cs"/>
+            </a:endParaRPr>
+          </a:p>
+        </p:txBody>
+      </p:sp>
+      <p:sp>
+        <p:nvSpPr>
+          <p:cNvPr id="4" name="スライド番号プレースホルダー 3"/>
+          <p:cNvSpPr>
+            <a:spLocks noGrp="1"/>
+          </p:cNvSpPr>
+          <p:nvPr>
+            <p:ph type="sldNum" sz="quarter" idx="10"/>
+          </p:nvPr>
+        </p:nvSpPr>
+        <p:spPr/>
+        <p:txBody>
+          <a:bodyPr/>
+          <a:lstStyle/>
+          <a:p>
+            <a:fld id="{82E76DF2-3CDE-4C1E-88A3-A0AA4B439AA4}" type="slidenum">
+              <a:rPr kumimoji="1" lang="ja-JP" altLang="en-US" smtClean="0"/>
+              <a:t>4</a:t>
+            </a:fld>
+            <a:endParaRPr kumimoji="1" lang="ja-JP" altLang="en-US"/>
+          </a:p>
+        </p:txBody>
+      </p:sp>
+    </p:spTree>
+    <p:extLst>
+      <p:ext uri="{BB962C8B-B14F-4D97-AF65-F5344CB8AC3E}">
         <p14:creationId xmlns:p14="http://schemas.microsoft.com/office/powerpoint/2010/main" val="2758316212"/>
       </p:ext>
     </p:extLst>
@@ -1188,7 +1467,7 @@
           <a:p>
             <a:fld id="{718A6A87-0D2F-469D-9F0F-BB48D7255BC9}" type="datetimeFigureOut">
               <a:rPr kumimoji="1" lang="ja-JP" altLang="en-US" smtClean="0"/>
-              <a:t>2022/1/19</a:t>
+              <a:t>2022/2/8</a:t>
             </a:fld>
             <a:endParaRPr kumimoji="1" lang="ja-JP" altLang="en-US"/>
           </a:p>
@@ -1390,7 +1669,7 @@
           <a:p>
             <a:fld id="{718A6A87-0D2F-469D-9F0F-BB48D7255BC9}" type="datetimeFigureOut">
               <a:rPr kumimoji="1" lang="ja-JP" altLang="en-US" smtClean="0"/>
-              <a:t>2022/1/19</a:t>
+              <a:t>2022/2/8</a:t>
             </a:fld>
             <a:endParaRPr kumimoji="1" lang="ja-JP" altLang="en-US"/>
           </a:p>
@@ -1602,7 +1881,7 @@
           <a:p>
             <a:fld id="{718A6A87-0D2F-469D-9F0F-BB48D7255BC9}" type="datetimeFigureOut">
               <a:rPr kumimoji="1" lang="ja-JP" altLang="en-US" smtClean="0"/>
-              <a:t>2022/1/19</a:t>
+              <a:t>2022/2/8</a:t>
             </a:fld>
             <a:endParaRPr kumimoji="1" lang="ja-JP" altLang="en-US"/>
           </a:p>
@@ -1804,7 +2083,7 @@
           <a:p>
             <a:fld id="{718A6A87-0D2F-469D-9F0F-BB48D7255BC9}" type="datetimeFigureOut">
               <a:rPr kumimoji="1" lang="ja-JP" altLang="en-US" smtClean="0"/>
-              <a:t>2022/1/19</a:t>
+              <a:t>2022/2/8</a:t>
             </a:fld>
             <a:endParaRPr kumimoji="1" lang="ja-JP" altLang="en-US"/>
           </a:p>
@@ -2050,7 +2329,7 @@
           <a:p>
             <a:fld id="{718A6A87-0D2F-469D-9F0F-BB48D7255BC9}" type="datetimeFigureOut">
               <a:rPr kumimoji="1" lang="ja-JP" altLang="en-US" smtClean="0"/>
-              <a:t>2022/1/19</a:t>
+              <a:t>2022/2/8</a:t>
             </a:fld>
             <a:endParaRPr kumimoji="1" lang="ja-JP" altLang="en-US"/>
           </a:p>
@@ -2346,7 +2625,7 @@
           <a:p>
             <a:fld id="{718A6A87-0D2F-469D-9F0F-BB48D7255BC9}" type="datetimeFigureOut">
               <a:rPr kumimoji="1" lang="ja-JP" altLang="en-US" smtClean="0"/>
-              <a:t>2022/1/19</a:t>
+              <a:t>2022/2/8</a:t>
             </a:fld>
             <a:endParaRPr kumimoji="1" lang="ja-JP" altLang="en-US"/>
           </a:p>
@@ -2777,7 +3056,7 @@
           <a:p>
             <a:fld id="{718A6A87-0D2F-469D-9F0F-BB48D7255BC9}" type="datetimeFigureOut">
               <a:rPr kumimoji="1" lang="ja-JP" altLang="en-US" smtClean="0"/>
-              <a:t>2022/1/19</a:t>
+              <a:t>2022/2/8</a:t>
             </a:fld>
             <a:endParaRPr kumimoji="1" lang="ja-JP" altLang="en-US"/>
           </a:p>
@@ -2895,7 +3174,7 @@
           <a:p>
             <a:fld id="{718A6A87-0D2F-469D-9F0F-BB48D7255BC9}" type="datetimeFigureOut">
               <a:rPr kumimoji="1" lang="ja-JP" altLang="en-US" smtClean="0"/>
-              <a:t>2022/1/19</a:t>
+              <a:t>2022/2/8</a:t>
             </a:fld>
             <a:endParaRPr kumimoji="1" lang="ja-JP" altLang="en-US"/>
           </a:p>
@@ -2990,7 +3269,7 @@
           <a:p>
             <a:fld id="{718A6A87-0D2F-469D-9F0F-BB48D7255BC9}" type="datetimeFigureOut">
               <a:rPr kumimoji="1" lang="ja-JP" altLang="en-US" smtClean="0"/>
-              <a:t>2022/1/19</a:t>
+              <a:t>2022/2/8</a:t>
             </a:fld>
             <a:endParaRPr kumimoji="1" lang="ja-JP" altLang="en-US"/>
           </a:p>
@@ -3299,7 +3578,7 @@
           <a:p>
             <a:fld id="{718A6A87-0D2F-469D-9F0F-BB48D7255BC9}" type="datetimeFigureOut">
               <a:rPr kumimoji="1" lang="ja-JP" altLang="en-US" smtClean="0"/>
-              <a:t>2022/1/19</a:t>
+              <a:t>2022/2/8</a:t>
             </a:fld>
             <a:endParaRPr kumimoji="1" lang="ja-JP" altLang="en-US"/>
           </a:p>
@@ -3552,7 +3831,7 @@
           <a:p>
             <a:fld id="{718A6A87-0D2F-469D-9F0F-BB48D7255BC9}" type="datetimeFigureOut">
               <a:rPr kumimoji="1" lang="ja-JP" altLang="en-US" smtClean="0"/>
-              <a:t>2022/1/19</a:t>
+              <a:t>2022/2/8</a:t>
             </a:fld>
             <a:endParaRPr kumimoji="1" lang="ja-JP" altLang="en-US"/>
           </a:p>
@@ -3797,7 +4076,7 @@
           <a:p>
             <a:fld id="{718A6A87-0D2F-469D-9F0F-BB48D7255BC9}" type="datetimeFigureOut">
               <a:rPr kumimoji="1" lang="ja-JP" altLang="en-US" smtClean="0"/>
-              <a:t>2022/1/19</a:t>
+              <a:t>2022/2/8</a:t>
             </a:fld>
             <a:endParaRPr kumimoji="1" lang="ja-JP" altLang="en-US"/>
           </a:p>
@@ -6349,8 +6628,8 @@
         </p:nvSpPr>
         <p:spPr>
           <a:xfrm>
-            <a:off x="9942122" y="3956326"/>
-            <a:ext cx="1447800" cy="300082"/>
+            <a:off x="9953617" y="4096961"/>
+            <a:ext cx="1447800" cy="369332"/>
           </a:xfrm>
           <a:prstGeom prst="rect">
             <a:avLst/>
@@ -6364,7 +6643,10 @@
           <a:lstStyle/>
           <a:p>
             <a:r>
-              <a:rPr lang="ja-JP" altLang="en-US" sz="1350" dirty="0"/>
+              <a:rPr lang="ja-JP" altLang="en-US" dirty="0">
+                <a:latin typeface="ＭＳ Ｐゴシック" panose="020B0600070205080204" pitchFamily="50" charset="-128"/>
+                <a:ea typeface="ＭＳ Ｐゴシック" panose="020B0600070205080204" pitchFamily="50" charset="-128"/>
+              </a:rPr>
               <a:t>教師</a:t>
             </a:r>
           </a:p>
@@ -6378,8 +6660,8 @@
         </p:nvSpPr>
         <p:spPr>
           <a:xfrm>
-            <a:off x="1658464" y="905105"/>
-            <a:ext cx="1673510" cy="507831"/>
+            <a:off x="168330" y="151571"/>
+            <a:ext cx="1673510" cy="646331"/>
           </a:xfrm>
           <a:prstGeom prst="rect">
             <a:avLst/>
@@ -6392,19 +6674,22 @@
           <a:lstStyle/>
           <a:p>
             <a:r>
-              <a:rPr lang="ja-JP" altLang="en-US" sz="1350" dirty="0">
-                <a:latin typeface="Consolas" panose="020B0609020204030204" pitchFamily="49" charset="0"/>
+              <a:rPr lang="ja-JP" altLang="en-US" dirty="0">
+                <a:latin typeface="ＭＳ Ｐゴシック" panose="020B0600070205080204" pitchFamily="50" charset="-128"/>
+                <a:ea typeface="ＭＳ Ｐゴシック" panose="020B0600070205080204" pitchFamily="50" charset="-128"/>
               </a:rPr>
               <a:t>提案システム</a:t>
             </a:r>
-            <a:endParaRPr lang="en-US" altLang="ja-JP" sz="1350" dirty="0">
-              <a:latin typeface="Consolas" panose="020B0609020204030204" pitchFamily="49" charset="0"/>
+            <a:endParaRPr lang="en-US" altLang="ja-JP" dirty="0">
+              <a:latin typeface="ＭＳ Ｐゴシック" panose="020B0600070205080204" pitchFamily="50" charset="-128"/>
+              <a:ea typeface="ＭＳ Ｐゴシック" panose="020B0600070205080204" pitchFamily="50" charset="-128"/>
             </a:endParaRPr>
           </a:p>
           <a:p>
             <a:r>
-              <a:rPr lang="ja-JP" altLang="en-US" sz="1350" dirty="0">
-                <a:latin typeface="Consolas" panose="020B0609020204030204" pitchFamily="49" charset="0"/>
+              <a:rPr lang="ja-JP" altLang="en-US" dirty="0">
+                <a:latin typeface="ＭＳ Ｐゴシック" panose="020B0600070205080204" pitchFamily="50" charset="-128"/>
+                <a:ea typeface="ＭＳ Ｐゴシック" panose="020B0600070205080204" pitchFamily="50" charset="-128"/>
               </a:rPr>
               <a:t>の概要図</a:t>
             </a:r>
@@ -6419,7 +6704,7 @@
         </p:nvSpPr>
         <p:spPr>
           <a:xfrm>
-            <a:off x="3393571" y="1200668"/>
+            <a:off x="3462622" y="1065068"/>
             <a:ext cx="5573612" cy="4583717"/>
           </a:xfrm>
           <a:prstGeom prst="roundRect">
@@ -6451,7 +6736,10 @@
           <a:lstStyle/>
           <a:p>
             <a:pPr algn="ctr"/>
-            <a:endParaRPr lang="ja-JP" altLang="en-US" sz="1350" dirty="0"/>
+            <a:endParaRPr lang="ja-JP" altLang="en-US" dirty="0">
+              <a:latin typeface="ＭＳ Ｐゴシック" panose="020B0600070205080204" pitchFamily="50" charset="-128"/>
+              <a:ea typeface="ＭＳ Ｐゴシック" panose="020B0600070205080204" pitchFamily="50" charset="-128"/>
+            </a:endParaRPr>
           </a:p>
         </p:txBody>
       </p:sp>
@@ -6497,7 +6785,10 @@
           <a:lstStyle/>
           <a:p>
             <a:pPr algn="ctr"/>
-            <a:endParaRPr lang="ja-JP" altLang="en-US" sz="1350"/>
+            <a:endParaRPr lang="ja-JP" altLang="en-US">
+              <a:latin typeface="ＭＳ Ｐゴシック" panose="020B0600070205080204" pitchFamily="50" charset="-128"/>
+              <a:ea typeface="ＭＳ Ｐゴシック" panose="020B0600070205080204" pitchFamily="50" charset="-128"/>
+            </a:endParaRPr>
           </a:p>
         </p:txBody>
       </p:sp>
@@ -6509,8 +6800,8 @@
         </p:nvSpPr>
         <p:spPr>
           <a:xfrm>
-            <a:off x="7693966" y="3159555"/>
-            <a:ext cx="1857781" cy="300082"/>
+            <a:off x="7621034" y="2913901"/>
+            <a:ext cx="1273071" cy="707886"/>
           </a:xfrm>
           <a:prstGeom prst="rect">
             <a:avLst/>
@@ -6523,10 +6814,32 @@
           </a:bodyPr>
           <a:lstStyle/>
           <a:p>
-            <a:r>
-              <a:rPr lang="ja-JP" altLang="en-US" sz="1350" dirty="0"/>
-              <a:t>問題ファイル</a:t>
-            </a:r>
+            <a:pPr algn="ctr"/>
+            <a:r>
+              <a:rPr lang="ja-JP" altLang="en-US" sz="2000" dirty="0" smtClean="0">
+                <a:latin typeface="ＭＳ Ｐゴシック" panose="020B0600070205080204" pitchFamily="50" charset="-128"/>
+                <a:ea typeface="ＭＳ Ｐゴシック" panose="020B0600070205080204" pitchFamily="50" charset="-128"/>
+              </a:rPr>
+              <a:t>問題</a:t>
+            </a:r>
+            <a:endParaRPr lang="en-US" altLang="ja-JP" sz="2000" dirty="0" smtClean="0">
+              <a:latin typeface="ＭＳ Ｐゴシック" panose="020B0600070205080204" pitchFamily="50" charset="-128"/>
+              <a:ea typeface="ＭＳ Ｐゴシック" panose="020B0600070205080204" pitchFamily="50" charset="-128"/>
+            </a:endParaRPr>
+          </a:p>
+          <a:p>
+            <a:pPr algn="ctr"/>
+            <a:r>
+              <a:rPr lang="ja-JP" altLang="en-US" sz="2000" dirty="0" smtClean="0">
+                <a:latin typeface="ＭＳ Ｐゴシック" panose="020B0600070205080204" pitchFamily="50" charset="-128"/>
+                <a:ea typeface="ＭＳ Ｐゴシック" panose="020B0600070205080204" pitchFamily="50" charset="-128"/>
+              </a:rPr>
+              <a:t>ファイル</a:t>
+            </a:r>
+            <a:endParaRPr lang="ja-JP" altLang="en-US" sz="2000" dirty="0">
+              <a:latin typeface="ＭＳ Ｐゴシック" panose="020B0600070205080204" pitchFamily="50" charset="-128"/>
+              <a:ea typeface="ＭＳ Ｐゴシック" panose="020B0600070205080204" pitchFamily="50" charset="-128"/>
+            </a:endParaRPr>
           </a:p>
         </p:txBody>
       </p:sp>
@@ -6538,8 +6851,8 @@
         </p:nvSpPr>
         <p:spPr>
           <a:xfrm>
-            <a:off x="4398077" y="4651977"/>
-            <a:ext cx="2217620" cy="1046161"/>
+            <a:off x="3995181" y="4729931"/>
+            <a:ext cx="2217620" cy="976698"/>
           </a:xfrm>
           <a:prstGeom prst="can">
             <a:avLst/>
@@ -6572,7 +6885,10 @@
           <a:lstStyle/>
           <a:p>
             <a:pPr algn="ctr"/>
-            <a:endParaRPr lang="ja-JP" altLang="en-US" sz="1350"/>
+            <a:endParaRPr lang="ja-JP" altLang="en-US">
+              <a:latin typeface="ＭＳ Ｐゴシック" panose="020B0600070205080204" pitchFamily="50" charset="-128"/>
+              <a:ea typeface="ＭＳ Ｐゴシック" panose="020B0600070205080204" pitchFamily="50" charset="-128"/>
+            </a:endParaRPr>
           </a:p>
         </p:txBody>
       </p:sp>
@@ -6584,8 +6900,8 @@
         </p:nvSpPr>
         <p:spPr>
           <a:xfrm>
-            <a:off x="4699733" y="5170609"/>
-            <a:ext cx="1536012" cy="507831"/>
+            <a:off x="4153662" y="5086829"/>
+            <a:ext cx="2026715" cy="369332"/>
           </a:xfrm>
           <a:prstGeom prst="rect">
             <a:avLst/>
@@ -6598,8 +6914,12 @@
           </a:bodyPr>
           <a:lstStyle/>
           <a:p>
-            <a:r>
-              <a:rPr lang="ja-JP" altLang="en-US" sz="1350" dirty="0"/>
+            <a:pPr algn="ctr"/>
+            <a:r>
+              <a:rPr lang="ja-JP" altLang="en-US" dirty="0">
+                <a:latin typeface="ＭＳ Ｐゴシック" panose="020B0600070205080204" pitchFamily="50" charset="-128"/>
+                <a:ea typeface="ＭＳ Ｐゴシック" panose="020B0600070205080204" pitchFamily="50" charset="-128"/>
+              </a:rPr>
               <a:t>カテゴリグループ</a:t>
             </a:r>
           </a:p>
@@ -6613,7 +6933,7 @@
         </p:nvSpPr>
         <p:spPr>
           <a:xfrm>
-            <a:off x="6077781" y="2913901"/>
+            <a:off x="6111601" y="3049551"/>
             <a:ext cx="1416219" cy="458110"/>
           </a:xfrm>
           <a:prstGeom prst="leftArrow">
@@ -6641,7 +6961,10 @@
           <a:lstStyle/>
           <a:p>
             <a:pPr algn="ctr"/>
-            <a:endParaRPr lang="ja-JP" altLang="en-US" sz="1350"/>
+            <a:endParaRPr lang="ja-JP" altLang="en-US">
+              <a:latin typeface="ＭＳ Ｐゴシック" panose="020B0600070205080204" pitchFamily="50" charset="-128"/>
+              <a:ea typeface="ＭＳ Ｐゴシック" panose="020B0600070205080204" pitchFamily="50" charset="-128"/>
+            </a:endParaRPr>
           </a:p>
         </p:txBody>
       </p:sp>
@@ -6653,7 +6976,7 @@
         </p:nvSpPr>
         <p:spPr>
           <a:xfrm>
-            <a:off x="3828322" y="2672473"/>
+            <a:off x="3830199" y="2442861"/>
             <a:ext cx="2013245" cy="1228588"/>
           </a:xfrm>
           <a:prstGeom prst="bevel">
@@ -6679,7 +7002,10 @@
           <a:lstStyle/>
           <a:p>
             <a:pPr algn="ctr"/>
-            <a:endParaRPr lang="ja-JP" altLang="en-US" sz="1350"/>
+            <a:endParaRPr lang="ja-JP" altLang="en-US">
+              <a:latin typeface="ＭＳ Ｐゴシック" panose="020B0600070205080204" pitchFamily="50" charset="-128"/>
+              <a:ea typeface="ＭＳ Ｐゴシック" panose="020B0600070205080204" pitchFamily="50" charset="-128"/>
+            </a:endParaRPr>
           </a:p>
         </p:txBody>
       </p:sp>
@@ -6691,8 +7017,8 @@
         </p:nvSpPr>
         <p:spPr>
           <a:xfrm>
-            <a:off x="4046500" y="3089235"/>
-            <a:ext cx="1745209" cy="415498"/>
+            <a:off x="4049592" y="2812553"/>
+            <a:ext cx="1745209" cy="461665"/>
           </a:xfrm>
           <a:prstGeom prst="rect">
             <a:avLst/>
@@ -6706,7 +7032,7 @@
           <a:lstStyle/>
           <a:p>
             <a:r>
-              <a:rPr lang="ja-JP" altLang="en-US" sz="2100" dirty="0">
+              <a:rPr lang="ja-JP" altLang="en-US" sz="2400" dirty="0">
                 <a:ln w="0"/>
                 <a:effectLst>
                   <a:outerShdw blurRad="38100" dist="19050" dir="2700000" algn="tl" rotWithShape="0">
@@ -6715,9 +7041,38 @@
                     </a:schemeClr>
                   </a:outerShdw>
                 </a:effectLst>
+                <a:latin typeface="ＭＳ Ｐゴシック" panose="020B0600070205080204" pitchFamily="50" charset="-128"/>
+                <a:ea typeface="ＭＳ Ｐゴシック" panose="020B0600070205080204" pitchFamily="50" charset="-128"/>
               </a:rPr>
-              <a:t>穴埋め問題</a:t>
-            </a:r>
+              <a:t>穴埋め</a:t>
+            </a:r>
+            <a:r>
+              <a:rPr lang="ja-JP" altLang="en-US" sz="2000" dirty="0">
+                <a:ln w="0"/>
+                <a:effectLst>
+                  <a:outerShdw blurRad="38100" dist="19050" dir="2700000" algn="tl" rotWithShape="0">
+                    <a:schemeClr val="dk1">
+                      <a:alpha val="40000"/>
+                    </a:schemeClr>
+                  </a:outerShdw>
+                </a:effectLst>
+                <a:latin typeface="ＭＳ Ｐゴシック" panose="020B0600070205080204" pitchFamily="50" charset="-128"/>
+                <a:ea typeface="ＭＳ Ｐゴシック" panose="020B0600070205080204" pitchFamily="50" charset="-128"/>
+              </a:rPr>
+              <a:t>問題</a:t>
+            </a:r>
+            <a:endParaRPr lang="ja-JP" altLang="en-US" sz="2400" dirty="0">
+              <a:ln w="0"/>
+              <a:effectLst>
+                <a:outerShdw blurRad="38100" dist="19050" dir="2700000" algn="tl" rotWithShape="0">
+                  <a:schemeClr val="dk1">
+                    <a:alpha val="40000"/>
+                  </a:schemeClr>
+                </a:outerShdw>
+              </a:effectLst>
+              <a:latin typeface="ＭＳ Ｐゴシック" panose="020B0600070205080204" pitchFamily="50" charset="-128"/>
+              <a:ea typeface="ＭＳ Ｐゴシック" panose="020B0600070205080204" pitchFamily="50" charset="-128"/>
+            </a:endParaRPr>
           </a:p>
         </p:txBody>
       </p:sp>
@@ -6729,8 +7084,8 @@
         </p:nvSpPr>
         <p:spPr>
           <a:xfrm>
-            <a:off x="7194888" y="4846265"/>
-            <a:ext cx="1506511" cy="715581"/>
+            <a:off x="6925018" y="4815818"/>
+            <a:ext cx="1875973" cy="1015663"/>
           </a:xfrm>
           <a:prstGeom prst="rect">
             <a:avLst/>
@@ -6744,20 +7099,32 @@
           <a:lstStyle/>
           <a:p>
             <a:r>
-              <a:rPr lang="en-US" altLang="ja-JP" sz="1350" dirty="0"/>
+              <a:rPr lang="en-US" altLang="ja-JP" sz="2000" dirty="0">
+                <a:latin typeface="ＭＳ Ｐゴシック" panose="020B0600070205080204" pitchFamily="50" charset="-128"/>
+                <a:ea typeface="ＭＳ Ｐゴシック" panose="020B0600070205080204" pitchFamily="50" charset="-128"/>
+              </a:rPr>
               <a:t>Step-2:</a:t>
             </a:r>
           </a:p>
           <a:p>
             <a:r>
-              <a:rPr lang="ja-JP" altLang="en-US" sz="1350" dirty="0"/>
+              <a:rPr lang="ja-JP" altLang="en-US" sz="2000" dirty="0">
+                <a:latin typeface="ＭＳ Ｐゴシック" panose="020B0600070205080204" pitchFamily="50" charset="-128"/>
+                <a:ea typeface="ＭＳ Ｐゴシック" panose="020B0600070205080204" pitchFamily="50" charset="-128"/>
+              </a:rPr>
               <a:t>ソースコード</a:t>
             </a:r>
-            <a:endParaRPr lang="en-US" altLang="ja-JP" sz="1350" dirty="0"/>
-          </a:p>
-          <a:p>
-            <a:r>
-              <a:rPr lang="ja-JP" altLang="en-US" sz="1350" dirty="0"/>
+            <a:endParaRPr lang="en-US" altLang="ja-JP" sz="2000" dirty="0">
+              <a:latin typeface="ＭＳ Ｐゴシック" panose="020B0600070205080204" pitchFamily="50" charset="-128"/>
+              <a:ea typeface="ＭＳ Ｐゴシック" panose="020B0600070205080204" pitchFamily="50" charset="-128"/>
+            </a:endParaRPr>
+          </a:p>
+          <a:p>
+            <a:r>
+              <a:rPr lang="ja-JP" altLang="en-US" sz="2000" dirty="0">
+                <a:latin typeface="ＭＳ Ｐゴシック" panose="020B0600070205080204" pitchFamily="50" charset="-128"/>
+                <a:ea typeface="ＭＳ Ｐゴシック" panose="020B0600070205080204" pitchFamily="50" charset="-128"/>
+              </a:rPr>
               <a:t>の生成</a:t>
             </a:r>
           </a:p>
@@ -6799,10 +7166,12 @@
           <a:lstStyle/>
           <a:p>
             <a:pPr algn="ctr"/>
-            <a:endParaRPr lang="ja-JP" altLang="en-US" sz="1350">
+            <a:endParaRPr lang="ja-JP" altLang="en-US">
               <a:solidFill>
                 <a:schemeClr val="tx1"/>
               </a:solidFill>
+              <a:latin typeface="ＭＳ Ｐゴシック" panose="020B0600070205080204" pitchFamily="50" charset="-128"/>
+              <a:ea typeface="ＭＳ Ｐゴシック" panose="020B0600070205080204" pitchFamily="50" charset="-128"/>
             </a:endParaRPr>
           </a:p>
         </p:txBody>
@@ -6815,8 +7184,8 @@
         </p:nvSpPr>
         <p:spPr>
           <a:xfrm>
-            <a:off x="5732570" y="1294679"/>
-            <a:ext cx="1766254" cy="507831"/>
+            <a:off x="5625097" y="1169512"/>
+            <a:ext cx="1766254" cy="707886"/>
           </a:xfrm>
           <a:prstGeom prst="rect">
             <a:avLst/>
@@ -6830,13 +7199,19 @@
           <a:lstStyle/>
           <a:p>
             <a:r>
-              <a:rPr lang="en-US" altLang="ja-JP" sz="1350" dirty="0"/>
+              <a:rPr lang="en-US" altLang="ja-JP" sz="2000" dirty="0">
+                <a:latin typeface="ＭＳ Ｐゴシック" panose="020B0600070205080204" pitchFamily="50" charset="-128"/>
+                <a:ea typeface="ＭＳ Ｐゴシック" panose="020B0600070205080204" pitchFamily="50" charset="-128"/>
+              </a:rPr>
               <a:t>Step-7:</a:t>
             </a:r>
           </a:p>
           <a:p>
             <a:r>
-              <a:rPr lang="ja-JP" altLang="en-US" sz="1350" dirty="0"/>
+              <a:rPr lang="ja-JP" altLang="en-US" sz="2000" dirty="0">
+                <a:latin typeface="ＭＳ Ｐゴシック" panose="020B0600070205080204" pitchFamily="50" charset="-128"/>
+                <a:ea typeface="ＭＳ Ｐゴシック" panose="020B0600070205080204" pitchFamily="50" charset="-128"/>
+              </a:rPr>
               <a:t>問題の再生成</a:t>
             </a:r>
           </a:p>
@@ -6850,7 +7225,7 @@
         </p:nvSpPr>
         <p:spPr>
           <a:xfrm>
-            <a:off x="4864310" y="3983686"/>
+            <a:off x="4268776" y="3887226"/>
             <a:ext cx="536637" cy="579067"/>
           </a:xfrm>
           <a:prstGeom prst="upArrow">
@@ -6878,7 +7253,10 @@
           <a:lstStyle/>
           <a:p>
             <a:pPr algn="ctr"/>
-            <a:endParaRPr lang="ja-JP" altLang="en-US" sz="1350"/>
+            <a:endParaRPr lang="ja-JP" altLang="en-US">
+              <a:latin typeface="ＭＳ Ｐゴシック" panose="020B0600070205080204" pitchFamily="50" charset="-128"/>
+              <a:ea typeface="ＭＳ Ｐゴシック" panose="020B0600070205080204" pitchFamily="50" charset="-128"/>
+            </a:endParaRPr>
           </a:p>
         </p:txBody>
       </p:sp>
@@ -6890,8 +7268,8 @@
         </p:nvSpPr>
         <p:spPr>
           <a:xfrm>
-            <a:off x="6259888" y="2352071"/>
-            <a:ext cx="1229231" cy="507831"/>
+            <a:off x="6308050" y="2149255"/>
+            <a:ext cx="1229231" cy="1015663"/>
           </a:xfrm>
           <a:prstGeom prst="rect">
             <a:avLst/>
@@ -6905,13 +7283,19 @@
           <a:lstStyle/>
           <a:p>
             <a:r>
-              <a:rPr lang="en-US" altLang="ja-JP" sz="1350" dirty="0"/>
+              <a:rPr lang="en-US" altLang="ja-JP" sz="2000" dirty="0">
+                <a:latin typeface="ＭＳ Ｐゴシック" panose="020B0600070205080204" pitchFamily="50" charset="-128"/>
+                <a:ea typeface="ＭＳ Ｐゴシック" panose="020B0600070205080204" pitchFamily="50" charset="-128"/>
+              </a:rPr>
               <a:t>Step-4:</a:t>
             </a:r>
           </a:p>
           <a:p>
             <a:r>
-              <a:rPr lang="ja-JP" altLang="en-US" sz="1350" dirty="0"/>
+              <a:rPr lang="ja-JP" altLang="en-US" sz="2000" dirty="0">
+                <a:latin typeface="ＭＳ Ｐゴシック" panose="020B0600070205080204" pitchFamily="50" charset="-128"/>
+                <a:ea typeface="ＭＳ Ｐゴシック" panose="020B0600070205080204" pitchFamily="50" charset="-128"/>
+              </a:rPr>
               <a:t>問題文の提示</a:t>
             </a:r>
           </a:p>
@@ -6925,8 +7309,8 @@
         </p:nvSpPr>
         <p:spPr>
           <a:xfrm>
-            <a:off x="5537687" y="3956328"/>
-            <a:ext cx="1248203" cy="715581"/>
+            <a:off x="4988663" y="3721052"/>
+            <a:ext cx="1966500" cy="1015663"/>
           </a:xfrm>
           <a:prstGeom prst="rect">
             <a:avLst/>
@@ -6940,25 +7324,43 @@
           <a:lstStyle/>
           <a:p>
             <a:r>
-              <a:rPr lang="en-US" altLang="ja-JP" sz="1350" dirty="0"/>
+              <a:rPr lang="en-US" altLang="ja-JP" sz="2000" dirty="0">
+                <a:latin typeface="ＭＳ Ｐゴシック" panose="020B0600070205080204" pitchFamily="50" charset="-128"/>
+                <a:ea typeface="ＭＳ Ｐゴシック" panose="020B0600070205080204" pitchFamily="50" charset="-128"/>
+              </a:rPr>
               <a:t>Step-</a:t>
             </a:r>
             <a:r>
-              <a:rPr lang="ja-JP" altLang="en-US" sz="1350" dirty="0"/>
+              <a:rPr lang="ja-JP" altLang="en-US" sz="2000" dirty="0">
+                <a:latin typeface="ＭＳ Ｐゴシック" panose="020B0600070205080204" pitchFamily="50" charset="-128"/>
+                <a:ea typeface="ＭＳ Ｐゴシック" panose="020B0600070205080204" pitchFamily="50" charset="-128"/>
+              </a:rPr>
               <a:t>３：</a:t>
             </a:r>
-            <a:endParaRPr lang="en-US" altLang="ja-JP" sz="1350" dirty="0"/>
-          </a:p>
-          <a:p>
-            <a:r>
-              <a:rPr lang="ja-JP" altLang="en-US" sz="1350" dirty="0"/>
+            <a:endParaRPr lang="en-US" altLang="ja-JP" sz="2000" dirty="0">
+              <a:latin typeface="ＭＳ Ｐゴシック" panose="020B0600070205080204" pitchFamily="50" charset="-128"/>
+              <a:ea typeface="ＭＳ Ｐゴシック" panose="020B0600070205080204" pitchFamily="50" charset="-128"/>
+            </a:endParaRPr>
+          </a:p>
+          <a:p>
+            <a:r>
+              <a:rPr lang="ja-JP" altLang="en-US" sz="2000" dirty="0">
+                <a:latin typeface="ＭＳ Ｐゴシック" panose="020B0600070205080204" pitchFamily="50" charset="-128"/>
+                <a:ea typeface="ＭＳ Ｐゴシック" panose="020B0600070205080204" pitchFamily="50" charset="-128"/>
+              </a:rPr>
               <a:t>選択肢，</a:t>
             </a:r>
-            <a:endParaRPr lang="en-US" altLang="ja-JP" sz="1350" dirty="0"/>
-          </a:p>
-          <a:p>
-            <a:r>
-              <a:rPr lang="ja-JP" altLang="en-US" sz="1350" dirty="0"/>
+            <a:endParaRPr lang="en-US" altLang="ja-JP" sz="2000" dirty="0">
+              <a:latin typeface="ＭＳ Ｐゴシック" panose="020B0600070205080204" pitchFamily="50" charset="-128"/>
+              <a:ea typeface="ＭＳ Ｐゴシック" panose="020B0600070205080204" pitchFamily="50" charset="-128"/>
+            </a:endParaRPr>
+          </a:p>
+          <a:p>
+            <a:r>
+              <a:rPr lang="ja-JP" altLang="en-US" sz="2000" dirty="0">
+                <a:latin typeface="ＭＳ Ｐゴシック" panose="020B0600070205080204" pitchFamily="50" charset="-128"/>
+                <a:ea typeface="ＭＳ Ｐゴシック" panose="020B0600070205080204" pitchFamily="50" charset="-128"/>
+              </a:rPr>
               <a:t>問題数の決定</a:t>
             </a:r>
           </a:p>
@@ -7000,10 +7402,12 @@
           <a:lstStyle/>
           <a:p>
             <a:pPr algn="ctr"/>
-            <a:endParaRPr lang="ja-JP" altLang="en-US" sz="1350">
+            <a:endParaRPr lang="ja-JP" altLang="en-US">
               <a:solidFill>
                 <a:schemeClr val="tx1"/>
               </a:solidFill>
+              <a:latin typeface="ＭＳ Ｐゴシック" panose="020B0600070205080204" pitchFamily="50" charset="-128"/>
+              <a:ea typeface="ＭＳ Ｐゴシック" panose="020B0600070205080204" pitchFamily="50" charset="-128"/>
             </a:endParaRPr>
           </a:p>
         </p:txBody>
@@ -7016,7 +7420,7 @@
         </p:nvSpPr>
         <p:spPr>
           <a:xfrm>
-            <a:off x="9688122" y="2884703"/>
+            <a:off x="9803977" y="3081577"/>
             <a:ext cx="977900" cy="979884"/>
           </a:xfrm>
           <a:prstGeom prst="smileyFace">
@@ -7042,7 +7446,10 @@
           <a:lstStyle/>
           <a:p>
             <a:pPr algn="ctr"/>
-            <a:endParaRPr lang="ja-JP" altLang="en-US" sz="1350"/>
+            <a:endParaRPr lang="ja-JP" altLang="en-US">
+              <a:latin typeface="ＭＳ Ｐゴシック" panose="020B0600070205080204" pitchFamily="50" charset="-128"/>
+              <a:ea typeface="ＭＳ Ｐゴシック" panose="020B0600070205080204" pitchFamily="50" charset="-128"/>
+            </a:endParaRPr>
           </a:p>
         </p:txBody>
       </p:sp>
@@ -7054,7 +7461,7 @@
         </p:nvSpPr>
         <p:spPr>
           <a:xfrm rot="10800000">
-            <a:off x="8991710" y="3182034"/>
+            <a:off x="8999354" y="3332151"/>
             <a:ext cx="660310" cy="391072"/>
           </a:xfrm>
           <a:prstGeom prst="rightArrow">
@@ -7082,7 +7489,10 @@
           <a:lstStyle/>
           <a:p>
             <a:pPr algn="ctr"/>
-            <a:endParaRPr lang="ja-JP" altLang="en-US" sz="1350"/>
+            <a:endParaRPr lang="ja-JP" altLang="en-US">
+              <a:latin typeface="ＭＳ Ｐゴシック" panose="020B0600070205080204" pitchFamily="50" charset="-128"/>
+              <a:ea typeface="ＭＳ Ｐゴシック" panose="020B0600070205080204" pitchFamily="50" charset="-128"/>
+            </a:endParaRPr>
           </a:p>
         </p:txBody>
       </p:sp>
@@ -7094,8 +7504,8 @@
         </p:nvSpPr>
         <p:spPr>
           <a:xfrm>
-            <a:off x="9115978" y="2212003"/>
-            <a:ext cx="1050288" cy="923330"/>
+            <a:off x="8859029" y="1902968"/>
+            <a:ext cx="1380506" cy="1323439"/>
           </a:xfrm>
           <a:prstGeom prst="rect">
             <a:avLst/>
@@ -7109,28 +7519,49 @@
           <a:lstStyle/>
           <a:p>
             <a:r>
-              <a:rPr lang="ja-JP" altLang="en-US" sz="1350" dirty="0"/>
+              <a:rPr lang="ja-JP" altLang="en-US" sz="2000" dirty="0">
+                <a:latin typeface="ＭＳ Ｐゴシック" panose="020B0600070205080204" pitchFamily="50" charset="-128"/>
+                <a:ea typeface="ＭＳ Ｐゴシック" panose="020B0600070205080204" pitchFamily="50" charset="-128"/>
+              </a:rPr>
               <a:t>コード，</a:t>
             </a:r>
-            <a:endParaRPr lang="en-US" altLang="ja-JP" sz="1350" dirty="0"/>
-          </a:p>
-          <a:p>
-            <a:r>
-              <a:rPr lang="ja-JP" altLang="en-US" sz="1350" dirty="0"/>
+            <a:endParaRPr lang="en-US" altLang="ja-JP" sz="2000" dirty="0">
+              <a:latin typeface="ＭＳ Ｐゴシック" panose="020B0600070205080204" pitchFamily="50" charset="-128"/>
+              <a:ea typeface="ＭＳ Ｐゴシック" panose="020B0600070205080204" pitchFamily="50" charset="-128"/>
+            </a:endParaRPr>
+          </a:p>
+          <a:p>
+            <a:r>
+              <a:rPr lang="ja-JP" altLang="en-US" sz="2000" dirty="0">
+                <a:latin typeface="ＭＳ Ｐゴシック" panose="020B0600070205080204" pitchFamily="50" charset="-128"/>
+                <a:ea typeface="ＭＳ Ｐゴシック" panose="020B0600070205080204" pitchFamily="50" charset="-128"/>
+              </a:rPr>
               <a:t>問題文，</a:t>
             </a:r>
-            <a:endParaRPr lang="en-US" altLang="ja-JP" sz="1350" dirty="0"/>
-          </a:p>
-          <a:p>
-            <a:r>
-              <a:rPr lang="ja-JP" altLang="en-US" sz="1350" dirty="0"/>
+            <a:endParaRPr lang="en-US" altLang="ja-JP" sz="2000" dirty="0">
+              <a:latin typeface="ＭＳ Ｐゴシック" panose="020B0600070205080204" pitchFamily="50" charset="-128"/>
+              <a:ea typeface="ＭＳ Ｐゴシック" panose="020B0600070205080204" pitchFamily="50" charset="-128"/>
+            </a:endParaRPr>
+          </a:p>
+          <a:p>
+            <a:r>
+              <a:rPr lang="ja-JP" altLang="en-US" sz="2000" dirty="0">
+                <a:latin typeface="ＭＳ Ｐゴシック" panose="020B0600070205080204" pitchFamily="50" charset="-128"/>
+                <a:ea typeface="ＭＳ Ｐゴシック" panose="020B0600070205080204" pitchFamily="50" charset="-128"/>
+              </a:rPr>
               <a:t>実行結果，</a:t>
             </a:r>
-            <a:endParaRPr lang="en-US" altLang="ja-JP" sz="1350" dirty="0"/>
-          </a:p>
-          <a:p>
-            <a:r>
-              <a:rPr lang="ja-JP" altLang="en-US" sz="1350" dirty="0"/>
+            <a:endParaRPr lang="en-US" altLang="ja-JP" sz="2000" dirty="0">
+              <a:latin typeface="ＭＳ Ｐゴシック" panose="020B0600070205080204" pitchFamily="50" charset="-128"/>
+              <a:ea typeface="ＭＳ Ｐゴシック" panose="020B0600070205080204" pitchFamily="50" charset="-128"/>
+            </a:endParaRPr>
+          </a:p>
+          <a:p>
+            <a:r>
+              <a:rPr lang="ja-JP" altLang="en-US" sz="2000" dirty="0">
+                <a:latin typeface="ＭＳ Ｐゴシック" panose="020B0600070205080204" pitchFamily="50" charset="-128"/>
+                <a:ea typeface="ＭＳ Ｐゴシック" panose="020B0600070205080204" pitchFamily="50" charset="-128"/>
+              </a:rPr>
               <a:t>の入力</a:t>
             </a:r>
           </a:p>
@@ -7144,8 +7575,8 @@
         </p:nvSpPr>
         <p:spPr>
           <a:xfrm>
-            <a:off x="9115979" y="1993866"/>
-            <a:ext cx="772969" cy="300082"/>
+            <a:off x="8878615" y="1401568"/>
+            <a:ext cx="992579" cy="400110"/>
           </a:xfrm>
           <a:prstGeom prst="rect">
             <a:avLst/>
@@ -7159,10 +7590,16 @@
           <a:lstStyle/>
           <a:p>
             <a:r>
-              <a:rPr lang="en-US" altLang="ja-JP" sz="1350" dirty="0"/>
+              <a:rPr lang="en-US" altLang="ja-JP" sz="2000" dirty="0">
+                <a:latin typeface="ＭＳ Ｐゴシック" panose="020B0600070205080204" pitchFamily="50" charset="-128"/>
+                <a:ea typeface="ＭＳ Ｐゴシック" panose="020B0600070205080204" pitchFamily="50" charset="-128"/>
+              </a:rPr>
               <a:t>Step-1:</a:t>
             </a:r>
-            <a:endParaRPr lang="ja-JP" altLang="en-US" sz="1350" dirty="0"/>
+            <a:endParaRPr lang="ja-JP" altLang="en-US" sz="2000" dirty="0">
+              <a:latin typeface="ＭＳ Ｐゴシック" panose="020B0600070205080204" pitchFamily="50" charset="-128"/>
+              <a:ea typeface="ＭＳ Ｐゴシック" panose="020B0600070205080204" pitchFamily="50" charset="-128"/>
+            </a:endParaRPr>
           </a:p>
         </p:txBody>
       </p:sp>
@@ -7200,7 +7637,10 @@
           <a:lstStyle/>
           <a:p>
             <a:pPr algn="ctr"/>
-            <a:endParaRPr lang="ja-JP" altLang="en-US" sz="1350"/>
+            <a:endParaRPr lang="ja-JP" altLang="en-US">
+              <a:latin typeface="ＭＳ Ｐゴシック" panose="020B0600070205080204" pitchFamily="50" charset="-128"/>
+              <a:ea typeface="ＭＳ Ｐゴシック" panose="020B0600070205080204" pitchFamily="50" charset="-128"/>
+            </a:endParaRPr>
           </a:p>
         </p:txBody>
       </p:sp>
@@ -7212,8 +7652,8 @@
         </p:nvSpPr>
         <p:spPr>
           <a:xfrm>
-            <a:off x="1698686" y="3835197"/>
-            <a:ext cx="1257300" cy="300082"/>
+            <a:off x="1579030" y="3753088"/>
+            <a:ext cx="1257300" cy="400110"/>
           </a:xfrm>
           <a:prstGeom prst="rect">
             <a:avLst/>
@@ -7227,7 +7667,10 @@
           <a:lstStyle/>
           <a:p>
             <a:r>
-              <a:rPr lang="ja-JP" altLang="en-US" sz="1350" dirty="0"/>
+              <a:rPr lang="ja-JP" altLang="en-US" sz="2000" dirty="0">
+                <a:latin typeface="ＭＳ Ｐゴシック" panose="020B0600070205080204" pitchFamily="50" charset="-128"/>
+                <a:ea typeface="ＭＳ Ｐゴシック" panose="020B0600070205080204" pitchFamily="50" charset="-128"/>
+              </a:rPr>
               <a:t>学習者</a:t>
             </a:r>
           </a:p>
@@ -7269,7 +7712,10 @@
           <a:lstStyle/>
           <a:p>
             <a:pPr algn="ctr"/>
-            <a:endParaRPr lang="ja-JP" altLang="en-US" sz="1350"/>
+            <a:endParaRPr lang="ja-JP" altLang="en-US">
+              <a:latin typeface="ＭＳ Ｐゴシック" panose="020B0600070205080204" pitchFamily="50" charset="-128"/>
+              <a:ea typeface="ＭＳ Ｐゴシック" panose="020B0600070205080204" pitchFamily="50" charset="-128"/>
+            </a:endParaRPr>
           </a:p>
         </p:txBody>
       </p:sp>
@@ -7281,7 +7727,7 @@
         </p:nvSpPr>
         <p:spPr>
           <a:xfrm rot="5400000">
-            <a:off x="2799960" y="2771722"/>
+            <a:off x="2769505" y="2742204"/>
             <a:ext cx="385280" cy="678747"/>
           </a:xfrm>
           <a:prstGeom prst="upArrow">
@@ -7309,7 +7755,10 @@
           <a:lstStyle/>
           <a:p>
             <a:pPr algn="ctr"/>
-            <a:endParaRPr lang="ja-JP" altLang="en-US" sz="1350"/>
+            <a:endParaRPr lang="ja-JP" altLang="en-US">
+              <a:latin typeface="ＭＳ Ｐゴシック" panose="020B0600070205080204" pitchFamily="50" charset="-128"/>
+              <a:ea typeface="ＭＳ Ｐゴシック" panose="020B0600070205080204" pitchFamily="50" charset="-128"/>
+            </a:endParaRPr>
           </a:p>
         </p:txBody>
       </p:sp>
@@ -7321,8 +7770,8 @@
         </p:nvSpPr>
         <p:spPr>
           <a:xfrm>
-            <a:off x="2659954" y="2495402"/>
-            <a:ext cx="772969" cy="507831"/>
+            <a:off x="2484722" y="1999276"/>
+            <a:ext cx="1156086" cy="830997"/>
           </a:xfrm>
           <a:prstGeom prst="rect">
             <a:avLst/>
@@ -7336,13 +7785,19 @@
           <a:lstStyle/>
           <a:p>
             <a:r>
-              <a:rPr lang="en-US" altLang="ja-JP" sz="1350" dirty="0"/>
+              <a:rPr lang="en-US" altLang="ja-JP" sz="2400" dirty="0">
+                <a:latin typeface="ＭＳ Ｐゴシック" panose="020B0600070205080204" pitchFamily="50" charset="-128"/>
+                <a:ea typeface="ＭＳ Ｐゴシック" panose="020B0600070205080204" pitchFamily="50" charset="-128"/>
+              </a:rPr>
               <a:t>Step-5:</a:t>
             </a:r>
           </a:p>
           <a:p>
             <a:r>
-              <a:rPr lang="ja-JP" altLang="en-US" sz="1350" dirty="0"/>
+              <a:rPr lang="ja-JP" altLang="en-US" sz="2400" dirty="0">
+                <a:latin typeface="ＭＳ Ｐゴシック" panose="020B0600070205080204" pitchFamily="50" charset="-128"/>
+                <a:ea typeface="ＭＳ Ｐゴシック" panose="020B0600070205080204" pitchFamily="50" charset="-128"/>
+              </a:rPr>
               <a:t>解答</a:t>
             </a:r>
           </a:p>
@@ -7356,8 +7811,8 @@
         </p:nvSpPr>
         <p:spPr>
           <a:xfrm>
-            <a:off x="2592786" y="3802887"/>
-            <a:ext cx="772969" cy="507831"/>
+            <a:off x="2544734" y="3706730"/>
+            <a:ext cx="1156086" cy="830997"/>
           </a:xfrm>
           <a:prstGeom prst="rect">
             <a:avLst/>
@@ -7371,45 +7826,28 @@
           <a:lstStyle/>
           <a:p>
             <a:r>
-              <a:rPr lang="en-US" altLang="ja-JP" sz="1350" dirty="0"/>
+              <a:rPr lang="en-US" altLang="ja-JP" sz="2400" dirty="0">
+                <a:latin typeface="ＭＳ Ｐゴシック" panose="020B0600070205080204" pitchFamily="50" charset="-128"/>
+                <a:ea typeface="ＭＳ Ｐゴシック" panose="020B0600070205080204" pitchFamily="50" charset="-128"/>
+              </a:rPr>
               <a:t>Step-6:</a:t>
             </a:r>
           </a:p>
           <a:p>
             <a:r>
-              <a:rPr lang="ja-JP" altLang="en-US" sz="1350" dirty="0"/>
+              <a:rPr lang="ja-JP" altLang="en-US" sz="2400" dirty="0">
+                <a:latin typeface="ＭＳ Ｐゴシック" panose="020B0600070205080204" pitchFamily="50" charset="-128"/>
+                <a:ea typeface="ＭＳ Ｐゴシック" panose="020B0600070205080204" pitchFamily="50" charset="-128"/>
+              </a:rPr>
               <a:t>解説</a:t>
             </a:r>
-          </a:p>
-        </p:txBody>
-      </p:sp>
-      <p:sp>
-        <p:nvSpPr>
-          <p:cNvPr id="2" name="スライド番号プレースホルダー 1"/>
-          <p:cNvSpPr>
-            <a:spLocks noGrp="1"/>
-          </p:cNvSpPr>
-          <p:nvPr>
-            <p:ph type="sldNum" sz="quarter" idx="12"/>
-          </p:nvPr>
-        </p:nvSpPr>
-        <p:spPr/>
-        <p:txBody>
-          <a:bodyPr/>
-          <a:lstStyle/>
-          <a:p>
-            <a:fld id="{7A0C0510-5AD5-45F8-B3F1-46CC91AC00B1}" type="slidenum">
-              <a:rPr kumimoji="1" lang="ja-JP" altLang="en-US" smtClean="0"/>
-              <a:t>3</a:t>
-            </a:fld>
-            <a:endParaRPr kumimoji="1" lang="ja-JP" altLang="en-US"/>
           </a:p>
         </p:txBody>
       </p:sp>
     </p:spTree>
     <p:extLst>
       <p:ext uri="{BB962C8B-B14F-4D97-AF65-F5344CB8AC3E}">
-        <p14:creationId xmlns:p14="http://schemas.microsoft.com/office/powerpoint/2010/main" val="4156628907"/>
+        <p14:creationId xmlns:p14="http://schemas.microsoft.com/office/powerpoint/2010/main" val="1428706206"/>
       </p:ext>
     </p:extLst>
   </p:cSld>
@@ -7453,18 +7891,94 @@
       </p:grpSpPr>
       <p:sp>
         <p:nvSpPr>
-          <p:cNvPr id="5" name="角丸四角形 4"/>
+          <p:cNvPr id="7" name="テキスト ボックス 6"/>
+          <p:cNvSpPr txBox="1"/>
+          <p:nvPr/>
+        </p:nvSpPr>
+        <p:spPr>
+          <a:xfrm>
+            <a:off x="9942122" y="3956326"/>
+            <a:ext cx="1447800" cy="300082"/>
+          </a:xfrm>
+          <a:prstGeom prst="rect">
+            <a:avLst/>
+          </a:prstGeom>
+          <a:noFill/>
+        </p:spPr>
+        <p:txBody>
+          <a:bodyPr wrap="square" rtlCol="0">
+            <a:spAutoFit/>
+          </a:bodyPr>
+          <a:lstStyle/>
+          <a:p>
+            <a:r>
+              <a:rPr lang="ja-JP" altLang="en-US" sz="1350" dirty="0"/>
+              <a:t>教師</a:t>
+            </a:r>
+          </a:p>
+        </p:txBody>
+      </p:sp>
+      <p:sp>
+        <p:nvSpPr>
+          <p:cNvPr id="31" name="正方形/長方形 30"/>
           <p:cNvSpPr/>
           <p:nvPr/>
         </p:nvSpPr>
         <p:spPr>
           <a:xfrm>
-            <a:off x="4081211" y="971466"/>
-            <a:ext cx="6081963" cy="4944979"/>
+            <a:off x="1658464" y="905105"/>
+            <a:ext cx="1673510" cy="507831"/>
+          </a:xfrm>
+          <a:prstGeom prst="rect">
+            <a:avLst/>
+          </a:prstGeom>
+        </p:spPr>
+        <p:txBody>
+          <a:bodyPr wrap="square">
+            <a:spAutoFit/>
+          </a:bodyPr>
+          <a:lstStyle/>
+          <a:p>
+            <a:r>
+              <a:rPr lang="ja-JP" altLang="en-US" sz="1350" dirty="0">
+                <a:latin typeface="Consolas" panose="020B0609020204030204" pitchFamily="49" charset="0"/>
+              </a:rPr>
+              <a:t>提案システム</a:t>
+            </a:r>
+            <a:endParaRPr lang="en-US" altLang="ja-JP" sz="1350" dirty="0">
+              <a:latin typeface="Consolas" panose="020B0609020204030204" pitchFamily="49" charset="0"/>
+            </a:endParaRPr>
+          </a:p>
+          <a:p>
+            <a:r>
+              <a:rPr lang="ja-JP" altLang="en-US" sz="1350" dirty="0">
+                <a:latin typeface="Consolas" panose="020B0609020204030204" pitchFamily="49" charset="0"/>
+              </a:rPr>
+              <a:t>の概要図</a:t>
+            </a:r>
+          </a:p>
+        </p:txBody>
+      </p:sp>
+      <p:sp>
+        <p:nvSpPr>
+          <p:cNvPr id="46" name="角丸四角形 45"/>
+          <p:cNvSpPr/>
+          <p:nvPr/>
+        </p:nvSpPr>
+        <p:spPr>
+          <a:xfrm>
+            <a:off x="3393571" y="1200668"/>
+            <a:ext cx="5573612" cy="4583717"/>
           </a:xfrm>
           <a:prstGeom prst="roundRect">
             <a:avLst/>
           </a:prstGeom>
+          <a:solidFill>
+            <a:schemeClr val="accent6">
+              <a:lumMod val="20000"/>
+              <a:lumOff val="80000"/>
+            </a:schemeClr>
+          </a:solidFill>
         </p:spPr>
         <p:style>
           <a:lnRef idx="1">
@@ -7491,14 +8005,14 @@
       </p:sp>
       <p:sp>
         <p:nvSpPr>
-          <p:cNvPr id="7" name="円柱 6"/>
+          <p:cNvPr id="47" name="円柱 46"/>
           <p:cNvSpPr/>
           <p:nvPr/>
         </p:nvSpPr>
         <p:spPr>
           <a:xfrm>
-            <a:off x="8524139" y="2718883"/>
-            <a:ext cx="1232142" cy="1350026"/>
+            <a:off x="7655963" y="2514400"/>
+            <a:ext cx="1203215" cy="1257113"/>
           </a:xfrm>
           <a:prstGeom prst="can">
             <a:avLst/>
@@ -7537,14 +8051,14 @@
       </p:sp>
       <p:sp>
         <p:nvSpPr>
-          <p:cNvPr id="8" name="テキスト ボックス 7"/>
+          <p:cNvPr id="48" name="テキスト ボックス 47"/>
           <p:cNvSpPr txBox="1"/>
           <p:nvPr/>
         </p:nvSpPr>
         <p:spPr>
           <a:xfrm>
-            <a:off x="8545479" y="3305455"/>
-            <a:ext cx="1913286" cy="300082"/>
+            <a:off x="7693966" y="3159555"/>
+            <a:ext cx="1857781" cy="300082"/>
           </a:xfrm>
           <a:prstGeom prst="rect">
             <a:avLst/>
@@ -7566,14 +8080,14 @@
       </p:sp>
       <p:sp>
         <p:nvSpPr>
-          <p:cNvPr id="9" name="円柱 8"/>
+          <p:cNvPr id="49" name="円柱 48"/>
           <p:cNvSpPr/>
           <p:nvPr/>
         </p:nvSpPr>
         <p:spPr>
           <a:xfrm>
-            <a:off x="5157416" y="4640041"/>
-            <a:ext cx="2283876" cy="1032308"/>
+            <a:off x="4398077" y="4651977"/>
+            <a:ext cx="2217620" cy="1046161"/>
           </a:xfrm>
           <a:prstGeom prst="can">
             <a:avLst/>
@@ -7612,14 +8126,14 @@
       </p:sp>
       <p:sp>
         <p:nvSpPr>
-          <p:cNvPr id="10" name="テキスト ボックス 9"/>
+          <p:cNvPr id="50" name="テキスト ボックス 49"/>
           <p:cNvSpPr txBox="1"/>
           <p:nvPr/>
         </p:nvSpPr>
         <p:spPr>
           <a:xfrm>
-            <a:off x="5540288" y="5118595"/>
-            <a:ext cx="1581904" cy="300082"/>
+            <a:off x="4699733" y="5170609"/>
+            <a:ext cx="1536012" cy="507831"/>
           </a:xfrm>
           <a:prstGeom prst="rect">
             <a:avLst/>
@@ -7641,14 +8155,14 @@
       </p:sp>
       <p:sp>
         <p:nvSpPr>
-          <p:cNvPr id="11" name="左矢印 10"/>
+          <p:cNvPr id="51" name="左矢印 50"/>
           <p:cNvSpPr/>
           <p:nvPr/>
         </p:nvSpPr>
         <p:spPr>
           <a:xfrm>
-            <a:off x="7044221" y="3150240"/>
-            <a:ext cx="1325199" cy="452044"/>
+            <a:off x="6077781" y="2913901"/>
+            <a:ext cx="1416219" cy="458110"/>
           </a:xfrm>
           <a:prstGeom prst="leftArrow">
             <a:avLst/>
@@ -7681,14 +8195,14 @@
       </p:sp>
       <p:sp>
         <p:nvSpPr>
-          <p:cNvPr id="13" name="額縁 12"/>
+          <p:cNvPr id="52" name="額縁 51"/>
           <p:cNvSpPr/>
           <p:nvPr/>
         </p:nvSpPr>
         <p:spPr>
           <a:xfrm>
-            <a:off x="4516181" y="2895276"/>
-            <a:ext cx="2381309" cy="961973"/>
+            <a:off x="3828322" y="2672473"/>
+            <a:ext cx="2013245" cy="1228588"/>
           </a:xfrm>
           <a:prstGeom prst="bevel">
             <a:avLst/>
@@ -7719,14 +8233,14 @@
       </p:sp>
       <p:sp>
         <p:nvSpPr>
-          <p:cNvPr id="14" name="テキスト ボックス 13"/>
+          <p:cNvPr id="53" name="テキスト ボックス 52"/>
           <p:cNvSpPr txBox="1"/>
           <p:nvPr/>
         </p:nvSpPr>
         <p:spPr>
           <a:xfrm>
-            <a:off x="4934423" y="3150240"/>
-            <a:ext cx="2320686" cy="415498"/>
+            <a:off x="4046500" y="3089235"/>
+            <a:ext cx="1745209" cy="415498"/>
           </a:xfrm>
           <a:prstGeom prst="rect">
             <a:avLst/>
@@ -7757,14 +8271,14 @@
       </p:sp>
       <p:sp>
         <p:nvSpPr>
-          <p:cNvPr id="15" name="テキスト ボックス 14"/>
+          <p:cNvPr id="54" name="テキスト ボックス 53"/>
           <p:cNvSpPr txBox="1"/>
           <p:nvPr/>
         </p:nvSpPr>
         <p:spPr>
           <a:xfrm>
-            <a:off x="8439271" y="5247273"/>
-            <a:ext cx="1551521" cy="507831"/>
+            <a:off x="7194888" y="4846265"/>
+            <a:ext cx="1506511" cy="715581"/>
           </a:xfrm>
           <a:prstGeom prst="rect">
             <a:avLst/>
@@ -7778,6 +8292,12 @@
           <a:lstStyle/>
           <a:p>
             <a:r>
+              <a:rPr lang="en-US" altLang="ja-JP" sz="1350" dirty="0"/>
+              <a:t>Step-2:</a:t>
+            </a:r>
+          </a:p>
+          <a:p>
+            <a:r>
               <a:rPr lang="ja-JP" altLang="en-US" sz="1350" dirty="0"/>
               <a:t>ソースコード</a:t>
             </a:r>
@@ -7793,14 +8313,14 @@
       </p:sp>
       <p:sp>
         <p:nvSpPr>
-          <p:cNvPr id="16" name="下カーブ矢印 15"/>
+          <p:cNvPr id="55" name="下カーブ矢印 54"/>
           <p:cNvSpPr/>
           <p:nvPr/>
         </p:nvSpPr>
         <p:spPr>
           <a:xfrm>
-            <a:off x="5647825" y="1775477"/>
-            <a:ext cx="3673571" cy="792090"/>
+            <a:off x="4699734" y="1877398"/>
+            <a:ext cx="3566999" cy="543715"/>
           </a:xfrm>
           <a:prstGeom prst="curvedDownArrow">
             <a:avLst/>
@@ -7837,14 +8357,14 @@
       </p:sp>
       <p:sp>
         <p:nvSpPr>
-          <p:cNvPr id="17" name="テキスト ボックス 16"/>
+          <p:cNvPr id="56" name="テキスト ボックス 55"/>
           <p:cNvSpPr txBox="1"/>
           <p:nvPr/>
         </p:nvSpPr>
         <p:spPr>
           <a:xfrm>
-            <a:off x="6897490" y="1402673"/>
-            <a:ext cx="1819025" cy="300082"/>
+            <a:off x="5732570" y="1294679"/>
+            <a:ext cx="1766254" cy="507831"/>
           </a:xfrm>
           <a:prstGeom prst="rect">
             <a:avLst/>
@@ -7858,6 +8378,12 @@
           <a:lstStyle/>
           <a:p>
             <a:r>
+              <a:rPr lang="en-US" altLang="ja-JP" sz="1350" dirty="0"/>
+              <a:t>Step-7:</a:t>
+            </a:r>
+          </a:p>
+          <a:p>
+            <a:r>
               <a:rPr lang="ja-JP" altLang="en-US" sz="1350" dirty="0"/>
               <a:t>問題の再生成</a:t>
             </a:r>
@@ -7866,14 +8392,14 @@
       </p:sp>
       <p:sp>
         <p:nvSpPr>
-          <p:cNvPr id="19" name="上矢印 18"/>
+          <p:cNvPr id="57" name="上矢印 56"/>
           <p:cNvSpPr/>
           <p:nvPr/>
         </p:nvSpPr>
         <p:spPr>
           <a:xfrm>
-            <a:off x="5524858" y="3942377"/>
-            <a:ext cx="552671" cy="571399"/>
+            <a:off x="4864310" y="3983686"/>
+            <a:ext cx="536637" cy="579067"/>
           </a:xfrm>
           <a:prstGeom prst="upArrow">
             <a:avLst/>
@@ -7906,14 +8432,14 @@
       </p:sp>
       <p:sp>
         <p:nvSpPr>
-          <p:cNvPr id="33" name="テキスト ボックス 32"/>
+          <p:cNvPr id="58" name="テキスト ボックス 57"/>
           <p:cNvSpPr txBox="1"/>
           <p:nvPr/>
         </p:nvSpPr>
         <p:spPr>
           <a:xfrm>
-            <a:off x="7122191" y="2804206"/>
-            <a:ext cx="1223412" cy="300082"/>
+            <a:off x="6259888" y="2352071"/>
+            <a:ext cx="1229231" cy="507831"/>
           </a:xfrm>
           <a:prstGeom prst="rect">
             <a:avLst/>
@@ -7921,12 +8447,18 @@
           <a:noFill/>
         </p:spPr>
         <p:txBody>
-          <a:bodyPr wrap="none" rtlCol="0">
+          <a:bodyPr wrap="square" rtlCol="0">
             <a:spAutoFit/>
           </a:bodyPr>
           <a:lstStyle/>
           <a:p>
             <a:r>
+              <a:rPr lang="en-US" altLang="ja-JP" sz="1350" dirty="0"/>
+              <a:t>Step-4:</a:t>
+            </a:r>
+          </a:p>
+          <a:p>
+            <a:r>
               <a:rPr lang="ja-JP" altLang="en-US" sz="1350" dirty="0"/>
               <a:t>問題文の提示</a:t>
             </a:r>
@@ -7935,14 +8467,14 @@
       </p:sp>
       <p:sp>
         <p:nvSpPr>
-          <p:cNvPr id="34" name="テキスト ボックス 33"/>
+          <p:cNvPr id="59" name="テキスト ボックス 58"/>
           <p:cNvSpPr txBox="1"/>
           <p:nvPr/>
         </p:nvSpPr>
         <p:spPr>
           <a:xfrm>
-            <a:off x="6157793" y="4133014"/>
-            <a:ext cx="1223412" cy="300082"/>
+            <a:off x="5537687" y="3956328"/>
+            <a:ext cx="1248203" cy="715581"/>
           </a:xfrm>
           <a:prstGeom prst="rect">
             <a:avLst/>
@@ -7950,28 +8482,46 @@
           <a:noFill/>
         </p:spPr>
         <p:txBody>
-          <a:bodyPr wrap="none" rtlCol="0">
+          <a:bodyPr wrap="square" rtlCol="0">
             <a:spAutoFit/>
           </a:bodyPr>
           <a:lstStyle/>
           <a:p>
             <a:r>
+              <a:rPr lang="en-US" altLang="ja-JP" sz="1350" dirty="0"/>
+              <a:t>Step-</a:t>
+            </a:r>
+            <a:r>
               <a:rPr lang="ja-JP" altLang="en-US" sz="1350" dirty="0"/>
-              <a:t>選択肢の決定</a:t>
-            </a:r>
-          </a:p>
-        </p:txBody>
-      </p:sp>
-      <p:sp>
-        <p:nvSpPr>
-          <p:cNvPr id="35" name="曲折矢印 34"/>
+              <a:t>３：</a:t>
+            </a:r>
+            <a:endParaRPr lang="en-US" altLang="ja-JP" sz="1350" dirty="0"/>
+          </a:p>
+          <a:p>
+            <a:r>
+              <a:rPr lang="ja-JP" altLang="en-US" sz="1350" dirty="0"/>
+              <a:t>選択肢，</a:t>
+            </a:r>
+            <a:endParaRPr lang="en-US" altLang="ja-JP" sz="1350" dirty="0"/>
+          </a:p>
+          <a:p>
+            <a:r>
+              <a:rPr lang="ja-JP" altLang="en-US" sz="1350" dirty="0"/>
+              <a:t>問題数の決定</a:t>
+            </a:r>
+          </a:p>
+        </p:txBody>
+      </p:sp>
+      <p:sp>
+        <p:nvSpPr>
+          <p:cNvPr id="60" name="曲折矢印 59"/>
           <p:cNvSpPr/>
           <p:nvPr/>
         </p:nvSpPr>
         <p:spPr>
           <a:xfrm rot="10800000">
-            <a:off x="7603969" y="4413518"/>
-            <a:ext cx="1788685" cy="833754"/>
+            <a:off x="6787565" y="3910564"/>
+            <a:ext cx="1736795" cy="844943"/>
           </a:xfrm>
           <a:prstGeom prst="bentArrow">
             <a:avLst/>
@@ -8008,6 +8558,381 @@
       </p:sp>
       <p:sp>
         <p:nvSpPr>
+          <p:cNvPr id="4" name="スマイル 3"/>
+          <p:cNvSpPr/>
+          <p:nvPr/>
+        </p:nvSpPr>
+        <p:spPr>
+          <a:xfrm>
+            <a:off x="9688122" y="2884703"/>
+            <a:ext cx="977900" cy="979884"/>
+          </a:xfrm>
+          <a:prstGeom prst="smileyFace">
+            <a:avLst/>
+          </a:prstGeom>
+        </p:spPr>
+        <p:style>
+          <a:lnRef idx="1">
+            <a:schemeClr val="accent4"/>
+          </a:lnRef>
+          <a:fillRef idx="2">
+            <a:schemeClr val="accent4"/>
+          </a:fillRef>
+          <a:effectRef idx="1">
+            <a:schemeClr val="accent4"/>
+          </a:effectRef>
+          <a:fontRef idx="minor">
+            <a:schemeClr val="dk1"/>
+          </a:fontRef>
+        </p:style>
+        <p:txBody>
+          <a:bodyPr rtlCol="0" anchor="ctr"/>
+          <a:lstStyle/>
+          <a:p>
+            <a:pPr algn="ctr"/>
+            <a:endParaRPr lang="ja-JP" altLang="en-US" sz="1350"/>
+          </a:p>
+        </p:txBody>
+      </p:sp>
+      <p:sp>
+        <p:nvSpPr>
+          <p:cNvPr id="10" name="右矢印 9"/>
+          <p:cNvSpPr/>
+          <p:nvPr/>
+        </p:nvSpPr>
+        <p:spPr>
+          <a:xfrm rot="10800000">
+            <a:off x="8991710" y="3182034"/>
+            <a:ext cx="660310" cy="391072"/>
+          </a:xfrm>
+          <a:prstGeom prst="rightArrow">
+            <a:avLst/>
+          </a:prstGeom>
+        </p:spPr>
+        <p:style>
+          <a:lnRef idx="2">
+            <a:schemeClr val="accent1">
+              <a:shade val="50000"/>
+            </a:schemeClr>
+          </a:lnRef>
+          <a:fillRef idx="1">
+            <a:schemeClr val="accent1"/>
+          </a:fillRef>
+          <a:effectRef idx="0">
+            <a:schemeClr val="accent1"/>
+          </a:effectRef>
+          <a:fontRef idx="minor">
+            <a:schemeClr val="lt1"/>
+          </a:fontRef>
+        </p:style>
+        <p:txBody>
+          <a:bodyPr rtlCol="0" anchor="ctr"/>
+          <a:lstStyle/>
+          <a:p>
+            <a:pPr algn="ctr"/>
+            <a:endParaRPr lang="ja-JP" altLang="en-US" sz="1350"/>
+          </a:p>
+        </p:txBody>
+      </p:sp>
+      <p:sp>
+        <p:nvSpPr>
+          <p:cNvPr id="11" name="テキスト ボックス 10"/>
+          <p:cNvSpPr txBox="1"/>
+          <p:nvPr/>
+        </p:nvSpPr>
+        <p:spPr>
+          <a:xfrm>
+            <a:off x="9115978" y="2212003"/>
+            <a:ext cx="1050288" cy="923330"/>
+          </a:xfrm>
+          <a:prstGeom prst="rect">
+            <a:avLst/>
+          </a:prstGeom>
+          <a:noFill/>
+        </p:spPr>
+        <p:txBody>
+          <a:bodyPr wrap="none" rtlCol="0">
+            <a:spAutoFit/>
+          </a:bodyPr>
+          <a:lstStyle/>
+          <a:p>
+            <a:r>
+              <a:rPr lang="ja-JP" altLang="en-US" sz="1350" dirty="0"/>
+              <a:t>コード，</a:t>
+            </a:r>
+            <a:endParaRPr lang="en-US" altLang="ja-JP" sz="1350" dirty="0"/>
+          </a:p>
+          <a:p>
+            <a:r>
+              <a:rPr lang="ja-JP" altLang="en-US" sz="1350" dirty="0"/>
+              <a:t>問題文，</a:t>
+            </a:r>
+            <a:endParaRPr lang="en-US" altLang="ja-JP" sz="1350" dirty="0"/>
+          </a:p>
+          <a:p>
+            <a:r>
+              <a:rPr lang="ja-JP" altLang="en-US" sz="1350" dirty="0"/>
+              <a:t>実行結果，</a:t>
+            </a:r>
+            <a:endParaRPr lang="en-US" altLang="ja-JP" sz="1350" dirty="0"/>
+          </a:p>
+          <a:p>
+            <a:r>
+              <a:rPr lang="ja-JP" altLang="en-US" sz="1350" dirty="0"/>
+              <a:t>の入力</a:t>
+            </a:r>
+          </a:p>
+        </p:txBody>
+      </p:sp>
+      <p:sp>
+        <p:nvSpPr>
+          <p:cNvPr id="3" name="テキスト ボックス 2"/>
+          <p:cNvSpPr txBox="1"/>
+          <p:nvPr/>
+        </p:nvSpPr>
+        <p:spPr>
+          <a:xfrm>
+            <a:off x="9115979" y="1993866"/>
+            <a:ext cx="772969" cy="300082"/>
+          </a:xfrm>
+          <a:prstGeom prst="rect">
+            <a:avLst/>
+          </a:prstGeom>
+          <a:noFill/>
+        </p:spPr>
+        <p:txBody>
+          <a:bodyPr wrap="none" rtlCol="0">
+            <a:spAutoFit/>
+          </a:bodyPr>
+          <a:lstStyle/>
+          <a:p>
+            <a:r>
+              <a:rPr lang="en-US" altLang="ja-JP" sz="1350" dirty="0"/>
+              <a:t>Step-1:</a:t>
+            </a:r>
+            <a:endParaRPr lang="ja-JP" altLang="en-US" sz="1350" dirty="0"/>
+          </a:p>
+        </p:txBody>
+      </p:sp>
+      <p:sp>
+        <p:nvSpPr>
+          <p:cNvPr id="5" name="スマイル 4"/>
+          <p:cNvSpPr/>
+          <p:nvPr/>
+        </p:nvSpPr>
+        <p:spPr>
+          <a:xfrm>
+            <a:off x="1579030" y="2787176"/>
+            <a:ext cx="977900" cy="979884"/>
+          </a:xfrm>
+          <a:prstGeom prst="smileyFace">
+            <a:avLst/>
+          </a:prstGeom>
+        </p:spPr>
+        <p:style>
+          <a:lnRef idx="1">
+            <a:schemeClr val="accent4"/>
+          </a:lnRef>
+          <a:fillRef idx="2">
+            <a:schemeClr val="accent4"/>
+          </a:fillRef>
+          <a:effectRef idx="1">
+            <a:schemeClr val="accent4"/>
+          </a:effectRef>
+          <a:fontRef idx="minor">
+            <a:schemeClr val="dk1"/>
+          </a:fontRef>
+        </p:style>
+        <p:txBody>
+          <a:bodyPr rtlCol="0" anchor="ctr"/>
+          <a:lstStyle/>
+          <a:p>
+            <a:pPr algn="ctr"/>
+            <a:endParaRPr lang="ja-JP" altLang="en-US" sz="1350"/>
+          </a:p>
+        </p:txBody>
+      </p:sp>
+      <p:sp>
+        <p:nvSpPr>
+          <p:cNvPr id="6" name="テキスト ボックス 5"/>
+          <p:cNvSpPr txBox="1"/>
+          <p:nvPr/>
+        </p:nvSpPr>
+        <p:spPr>
+          <a:xfrm>
+            <a:off x="1698686" y="3835197"/>
+            <a:ext cx="1257300" cy="300082"/>
+          </a:xfrm>
+          <a:prstGeom prst="rect">
+            <a:avLst/>
+          </a:prstGeom>
+          <a:noFill/>
+        </p:spPr>
+        <p:txBody>
+          <a:bodyPr wrap="square" rtlCol="0">
+            <a:spAutoFit/>
+          </a:bodyPr>
+          <a:lstStyle/>
+          <a:p>
+            <a:r>
+              <a:rPr lang="ja-JP" altLang="en-US" sz="1350" dirty="0"/>
+              <a:t>学習者</a:t>
+            </a:r>
+          </a:p>
+        </p:txBody>
+      </p:sp>
+      <p:sp>
+        <p:nvSpPr>
+          <p:cNvPr id="21" name="下矢印 20"/>
+          <p:cNvSpPr/>
+          <p:nvPr/>
+        </p:nvSpPr>
+        <p:spPr>
+          <a:xfrm rot="5400000">
+            <a:off x="2744455" y="3111282"/>
+            <a:ext cx="398444" cy="792450"/>
+          </a:xfrm>
+          <a:prstGeom prst="downArrow">
+            <a:avLst/>
+          </a:prstGeom>
+        </p:spPr>
+        <p:style>
+          <a:lnRef idx="2">
+            <a:schemeClr val="accent1">
+              <a:shade val="50000"/>
+            </a:schemeClr>
+          </a:lnRef>
+          <a:fillRef idx="1">
+            <a:schemeClr val="accent1"/>
+          </a:fillRef>
+          <a:effectRef idx="0">
+            <a:schemeClr val="accent1"/>
+          </a:effectRef>
+          <a:fontRef idx="minor">
+            <a:schemeClr val="lt1"/>
+          </a:fontRef>
+        </p:style>
+        <p:txBody>
+          <a:bodyPr rtlCol="0" anchor="ctr"/>
+          <a:lstStyle/>
+          <a:p>
+            <a:pPr algn="ctr"/>
+            <a:endParaRPr lang="ja-JP" altLang="en-US" sz="1350"/>
+          </a:p>
+        </p:txBody>
+      </p:sp>
+      <p:sp>
+        <p:nvSpPr>
+          <p:cNvPr id="22" name="上矢印 21"/>
+          <p:cNvSpPr/>
+          <p:nvPr/>
+        </p:nvSpPr>
+        <p:spPr>
+          <a:xfrm rot="5400000">
+            <a:off x="2799960" y="2771722"/>
+            <a:ext cx="385280" cy="678747"/>
+          </a:xfrm>
+          <a:prstGeom prst="upArrow">
+            <a:avLst/>
+          </a:prstGeom>
+        </p:spPr>
+        <p:style>
+          <a:lnRef idx="2">
+            <a:schemeClr val="accent1">
+              <a:shade val="50000"/>
+            </a:schemeClr>
+          </a:lnRef>
+          <a:fillRef idx="1">
+            <a:schemeClr val="accent1"/>
+          </a:fillRef>
+          <a:effectRef idx="0">
+            <a:schemeClr val="accent1"/>
+          </a:effectRef>
+          <a:fontRef idx="minor">
+            <a:schemeClr val="lt1"/>
+          </a:fontRef>
+        </p:style>
+        <p:txBody>
+          <a:bodyPr rtlCol="0" anchor="ctr"/>
+          <a:lstStyle/>
+          <a:p>
+            <a:pPr algn="ctr"/>
+            <a:endParaRPr lang="ja-JP" altLang="en-US" sz="1350"/>
+          </a:p>
+        </p:txBody>
+      </p:sp>
+      <p:sp>
+        <p:nvSpPr>
+          <p:cNvPr id="23" name="テキスト ボックス 22"/>
+          <p:cNvSpPr txBox="1"/>
+          <p:nvPr/>
+        </p:nvSpPr>
+        <p:spPr>
+          <a:xfrm>
+            <a:off x="2659954" y="2495402"/>
+            <a:ext cx="772969" cy="507831"/>
+          </a:xfrm>
+          <a:prstGeom prst="rect">
+            <a:avLst/>
+          </a:prstGeom>
+          <a:noFill/>
+        </p:spPr>
+        <p:txBody>
+          <a:bodyPr wrap="none" rtlCol="0">
+            <a:spAutoFit/>
+          </a:bodyPr>
+          <a:lstStyle/>
+          <a:p>
+            <a:r>
+              <a:rPr lang="en-US" altLang="ja-JP" sz="1350" dirty="0"/>
+              <a:t>Step-5:</a:t>
+            </a:r>
+          </a:p>
+          <a:p>
+            <a:r>
+              <a:rPr lang="ja-JP" altLang="en-US" sz="1350" dirty="0"/>
+              <a:t>解答</a:t>
+            </a:r>
+          </a:p>
+        </p:txBody>
+      </p:sp>
+      <p:sp>
+        <p:nvSpPr>
+          <p:cNvPr id="24" name="テキスト ボックス 23"/>
+          <p:cNvSpPr txBox="1"/>
+          <p:nvPr/>
+        </p:nvSpPr>
+        <p:spPr>
+          <a:xfrm>
+            <a:off x="2592786" y="3802887"/>
+            <a:ext cx="772969" cy="507831"/>
+          </a:xfrm>
+          <a:prstGeom prst="rect">
+            <a:avLst/>
+          </a:prstGeom>
+          <a:noFill/>
+        </p:spPr>
+        <p:txBody>
+          <a:bodyPr wrap="none" rtlCol="0">
+            <a:spAutoFit/>
+          </a:bodyPr>
+          <a:lstStyle/>
+          <a:p>
+            <a:r>
+              <a:rPr lang="en-US" altLang="ja-JP" sz="1350" dirty="0"/>
+              <a:t>Step-6:</a:t>
+            </a:r>
+          </a:p>
+          <a:p>
+            <a:r>
+              <a:rPr lang="ja-JP" altLang="en-US" sz="1350" dirty="0"/>
+              <a:t>解説</a:t>
+            </a:r>
+          </a:p>
+        </p:txBody>
+      </p:sp>
+      <p:sp>
+        <p:nvSpPr>
           <p:cNvPr id="2" name="スライド番号プレースホルダー 1"/>
           <p:cNvSpPr>
             <a:spLocks noGrp="1"/>
@@ -8032,7 +8957,7 @@
     </p:spTree>
     <p:extLst>
       <p:ext uri="{BB962C8B-B14F-4D97-AF65-F5344CB8AC3E}">
-        <p14:creationId xmlns:p14="http://schemas.microsoft.com/office/powerpoint/2010/main" val="3776894937"/>
+        <p14:creationId xmlns:p14="http://schemas.microsoft.com/office/powerpoint/2010/main" val="4156628907"/>
       </p:ext>
     </p:extLst>
   </p:cSld>
@@ -8076,87 +9001,562 @@
       </p:grpSpPr>
       <p:sp>
         <p:nvSpPr>
-          <p:cNvPr id="2" name="タイトル 1"/>
-          <p:cNvSpPr>
-            <a:spLocks noGrp="1"/>
-          </p:cNvSpPr>
-          <p:nvPr>
-            <p:ph type="title"/>
-          </p:nvPr>
-        </p:nvSpPr>
-        <p:spPr>
-          <a:xfrm>
-            <a:off x="2152649" y="1131094"/>
-            <a:ext cx="7886700" cy="994172"/>
-          </a:xfrm>
-        </p:spPr>
-        <p:txBody>
-          <a:bodyPr/>
-          <a:lstStyle/>
-          <a:p>
-            <a:r>
-              <a:rPr lang="ja-JP" altLang="en-US" dirty="0"/>
-              <a:t>選択穴埋め問題の</a:t>
-            </a:r>
-            <a:r>
-              <a:rPr lang="ja-JP" altLang="en-US" dirty="0" smtClean="0"/>
-              <a:t>例</a:t>
-            </a:r>
-            <a:endParaRPr kumimoji="1" lang="ja-JP" altLang="en-US" dirty="0"/>
-          </a:p>
-        </p:txBody>
-      </p:sp>
-      <p:pic>
-        <p:nvPicPr>
-          <p:cNvPr id="5" name="図 4"/>
-          <p:cNvPicPr>
-            <a:picLocks noChangeAspect="1"/>
-          </p:cNvPicPr>
-          <p:nvPr/>
-        </p:nvPicPr>
-        <p:blipFill>
-          <a:blip r:embed="rId2"/>
-          <a:stretch>
-            <a:fillRect/>
-          </a:stretch>
-        </p:blipFill>
-        <p:spPr>
-          <a:xfrm>
-            <a:off x="6085286" y="3361136"/>
-            <a:ext cx="21431" cy="135731"/>
+          <p:cNvPr id="5" name="角丸四角形 4"/>
+          <p:cNvSpPr/>
+          <p:nvPr/>
+        </p:nvSpPr>
+        <p:spPr>
+          <a:xfrm>
+            <a:off x="4081211" y="971466"/>
+            <a:ext cx="6081963" cy="4944979"/>
+          </a:xfrm>
+          <a:prstGeom prst="roundRect">
+            <a:avLst/>
+          </a:prstGeom>
+        </p:spPr>
+        <p:style>
+          <a:lnRef idx="1">
+            <a:schemeClr val="accent6"/>
+          </a:lnRef>
+          <a:fillRef idx="2">
+            <a:schemeClr val="accent6"/>
+          </a:fillRef>
+          <a:effectRef idx="1">
+            <a:schemeClr val="accent6"/>
+          </a:effectRef>
+          <a:fontRef idx="minor">
+            <a:schemeClr val="dk1"/>
+          </a:fontRef>
+        </p:style>
+        <p:txBody>
+          <a:bodyPr rtlCol="0" anchor="ctr"/>
+          <a:lstStyle/>
+          <a:p>
+            <a:pPr algn="ctr"/>
+            <a:endParaRPr lang="ja-JP" altLang="en-US" sz="1350" dirty="0"/>
+          </a:p>
+        </p:txBody>
+      </p:sp>
+      <p:sp>
+        <p:nvSpPr>
+          <p:cNvPr id="7" name="円柱 6"/>
+          <p:cNvSpPr/>
+          <p:nvPr/>
+        </p:nvSpPr>
+        <p:spPr>
+          <a:xfrm>
+            <a:off x="8524139" y="2718883"/>
+            <a:ext cx="1232142" cy="1350026"/>
+          </a:xfrm>
+          <a:prstGeom prst="can">
+            <a:avLst/>
+          </a:prstGeom>
+          <a:solidFill>
+            <a:schemeClr val="accent2">
+              <a:lumMod val="20000"/>
+              <a:lumOff val="80000"/>
+            </a:schemeClr>
+          </a:solidFill>
+        </p:spPr>
+        <p:style>
+          <a:lnRef idx="2">
+            <a:schemeClr val="accent1">
+              <a:shade val="50000"/>
+            </a:schemeClr>
+          </a:lnRef>
+          <a:fillRef idx="1">
+            <a:schemeClr val="accent1"/>
+          </a:fillRef>
+          <a:effectRef idx="0">
+            <a:schemeClr val="accent1"/>
+          </a:effectRef>
+          <a:fontRef idx="minor">
+            <a:schemeClr val="lt1"/>
+          </a:fontRef>
+        </p:style>
+        <p:txBody>
+          <a:bodyPr rtlCol="0" anchor="ctr"/>
+          <a:lstStyle/>
+          <a:p>
+            <a:pPr algn="ctr"/>
+            <a:endParaRPr lang="ja-JP" altLang="en-US" sz="1350"/>
+          </a:p>
+        </p:txBody>
+      </p:sp>
+      <p:sp>
+        <p:nvSpPr>
+          <p:cNvPr id="8" name="テキスト ボックス 7"/>
+          <p:cNvSpPr txBox="1"/>
+          <p:nvPr/>
+        </p:nvSpPr>
+        <p:spPr>
+          <a:xfrm>
+            <a:off x="8545479" y="3305455"/>
+            <a:ext cx="1913286" cy="300082"/>
           </a:xfrm>
           <a:prstGeom prst="rect">
             <a:avLst/>
           </a:prstGeom>
-        </p:spPr>
-      </p:pic>
-      <p:pic>
-        <p:nvPicPr>
-          <p:cNvPr id="7" name="図 6"/>
-          <p:cNvPicPr>
-            <a:picLocks noChangeAspect="1"/>
-          </p:cNvPicPr>
-          <p:nvPr/>
-        </p:nvPicPr>
-        <p:blipFill>
-          <a:blip r:embed="rId3"/>
-          <a:stretch>
-            <a:fillRect/>
-          </a:stretch>
-        </p:blipFill>
-        <p:spPr>
-          <a:xfrm>
-            <a:off x="3104950" y="2160984"/>
-            <a:ext cx="4891288" cy="3263924"/>
+          <a:noFill/>
+        </p:spPr>
+        <p:txBody>
+          <a:bodyPr wrap="square" rtlCol="0">
+            <a:spAutoFit/>
+          </a:bodyPr>
+          <a:lstStyle/>
+          <a:p>
+            <a:r>
+              <a:rPr lang="ja-JP" altLang="en-US" sz="1350" dirty="0"/>
+              <a:t>問題ファイル</a:t>
+            </a:r>
+          </a:p>
+        </p:txBody>
+      </p:sp>
+      <p:sp>
+        <p:nvSpPr>
+          <p:cNvPr id="9" name="円柱 8"/>
+          <p:cNvSpPr/>
+          <p:nvPr/>
+        </p:nvSpPr>
+        <p:spPr>
+          <a:xfrm>
+            <a:off x="5157416" y="4640041"/>
+            <a:ext cx="2283876" cy="1032308"/>
+          </a:xfrm>
+          <a:prstGeom prst="can">
+            <a:avLst/>
+          </a:prstGeom>
+          <a:solidFill>
+            <a:schemeClr val="accent2">
+              <a:lumMod val="20000"/>
+              <a:lumOff val="80000"/>
+            </a:schemeClr>
+          </a:solidFill>
+        </p:spPr>
+        <p:style>
+          <a:lnRef idx="2">
+            <a:schemeClr val="accent1">
+              <a:shade val="50000"/>
+            </a:schemeClr>
+          </a:lnRef>
+          <a:fillRef idx="1">
+            <a:schemeClr val="accent1"/>
+          </a:fillRef>
+          <a:effectRef idx="0">
+            <a:schemeClr val="accent1"/>
+          </a:effectRef>
+          <a:fontRef idx="minor">
+            <a:schemeClr val="lt1"/>
+          </a:fontRef>
+        </p:style>
+        <p:txBody>
+          <a:bodyPr rtlCol="0" anchor="ctr"/>
+          <a:lstStyle/>
+          <a:p>
+            <a:pPr algn="ctr"/>
+            <a:endParaRPr lang="ja-JP" altLang="en-US" sz="1350"/>
+          </a:p>
+        </p:txBody>
+      </p:sp>
+      <p:sp>
+        <p:nvSpPr>
+          <p:cNvPr id="10" name="テキスト ボックス 9"/>
+          <p:cNvSpPr txBox="1"/>
+          <p:nvPr/>
+        </p:nvSpPr>
+        <p:spPr>
+          <a:xfrm>
+            <a:off x="5540288" y="5118595"/>
+            <a:ext cx="1581904" cy="300082"/>
           </a:xfrm>
           <a:prstGeom prst="rect">
             <a:avLst/>
           </a:prstGeom>
-        </p:spPr>
-      </p:pic>
-      <p:sp>
-        <p:nvSpPr>
-          <p:cNvPr id="3" name="スライド番号プレースホルダー 2"/>
+          <a:noFill/>
+        </p:spPr>
+        <p:txBody>
+          <a:bodyPr wrap="square" rtlCol="0">
+            <a:spAutoFit/>
+          </a:bodyPr>
+          <a:lstStyle/>
+          <a:p>
+            <a:r>
+              <a:rPr lang="ja-JP" altLang="en-US" sz="1350" dirty="0"/>
+              <a:t>カテゴリグループ</a:t>
+            </a:r>
+          </a:p>
+        </p:txBody>
+      </p:sp>
+      <p:sp>
+        <p:nvSpPr>
+          <p:cNvPr id="11" name="左矢印 10"/>
+          <p:cNvSpPr/>
+          <p:nvPr/>
+        </p:nvSpPr>
+        <p:spPr>
+          <a:xfrm>
+            <a:off x="7044221" y="3150240"/>
+            <a:ext cx="1325199" cy="452044"/>
+          </a:xfrm>
+          <a:prstGeom prst="leftArrow">
+            <a:avLst/>
+          </a:prstGeom>
+        </p:spPr>
+        <p:style>
+          <a:lnRef idx="2">
+            <a:schemeClr val="accent1">
+              <a:shade val="50000"/>
+            </a:schemeClr>
+          </a:lnRef>
+          <a:fillRef idx="1">
+            <a:schemeClr val="accent1"/>
+          </a:fillRef>
+          <a:effectRef idx="0">
+            <a:schemeClr val="accent1"/>
+          </a:effectRef>
+          <a:fontRef idx="minor">
+            <a:schemeClr val="lt1"/>
+          </a:fontRef>
+        </p:style>
+        <p:txBody>
+          <a:bodyPr rtlCol="0" anchor="ctr"/>
+          <a:lstStyle/>
+          <a:p>
+            <a:pPr algn="ctr"/>
+            <a:endParaRPr lang="ja-JP" altLang="en-US" sz="1350"/>
+          </a:p>
+        </p:txBody>
+      </p:sp>
+      <p:sp>
+        <p:nvSpPr>
+          <p:cNvPr id="13" name="額縁 12"/>
+          <p:cNvSpPr/>
+          <p:nvPr/>
+        </p:nvSpPr>
+        <p:spPr>
+          <a:xfrm>
+            <a:off x="4516181" y="2895276"/>
+            <a:ext cx="2381309" cy="961973"/>
+          </a:xfrm>
+          <a:prstGeom prst="bevel">
+            <a:avLst/>
+          </a:prstGeom>
+        </p:spPr>
+        <p:style>
+          <a:lnRef idx="1">
+            <a:schemeClr val="accent4"/>
+          </a:lnRef>
+          <a:fillRef idx="2">
+            <a:schemeClr val="accent4"/>
+          </a:fillRef>
+          <a:effectRef idx="1">
+            <a:schemeClr val="accent4"/>
+          </a:effectRef>
+          <a:fontRef idx="minor">
+            <a:schemeClr val="dk1"/>
+          </a:fontRef>
+        </p:style>
+        <p:txBody>
+          <a:bodyPr rtlCol="0" anchor="ctr"/>
+          <a:lstStyle/>
+          <a:p>
+            <a:pPr algn="ctr"/>
+            <a:endParaRPr lang="ja-JP" altLang="en-US" sz="1350"/>
+          </a:p>
+        </p:txBody>
+      </p:sp>
+      <p:sp>
+        <p:nvSpPr>
+          <p:cNvPr id="14" name="テキスト ボックス 13"/>
+          <p:cNvSpPr txBox="1"/>
+          <p:nvPr/>
+        </p:nvSpPr>
+        <p:spPr>
+          <a:xfrm>
+            <a:off x="4934423" y="3150240"/>
+            <a:ext cx="2320686" cy="415498"/>
+          </a:xfrm>
+          <a:prstGeom prst="rect">
+            <a:avLst/>
+          </a:prstGeom>
+          <a:noFill/>
+        </p:spPr>
+        <p:txBody>
+          <a:bodyPr wrap="square" rtlCol="0">
+            <a:spAutoFit/>
+          </a:bodyPr>
+          <a:lstStyle/>
+          <a:p>
+            <a:r>
+              <a:rPr lang="ja-JP" altLang="en-US" sz="2100" dirty="0">
+                <a:ln w="0"/>
+                <a:effectLst>
+                  <a:outerShdw blurRad="38100" dist="19050" dir="2700000" algn="tl" rotWithShape="0">
+                    <a:schemeClr val="dk1">
+                      <a:alpha val="40000"/>
+                    </a:schemeClr>
+                  </a:outerShdw>
+                </a:effectLst>
+              </a:rPr>
+              <a:t>穴埋め問題</a:t>
+            </a:r>
+          </a:p>
+        </p:txBody>
+      </p:sp>
+      <p:sp>
+        <p:nvSpPr>
+          <p:cNvPr id="15" name="テキスト ボックス 14"/>
+          <p:cNvSpPr txBox="1"/>
+          <p:nvPr/>
+        </p:nvSpPr>
+        <p:spPr>
+          <a:xfrm>
+            <a:off x="8439271" y="5247273"/>
+            <a:ext cx="1551521" cy="507831"/>
+          </a:xfrm>
+          <a:prstGeom prst="rect">
+            <a:avLst/>
+          </a:prstGeom>
+          <a:noFill/>
+        </p:spPr>
+        <p:txBody>
+          <a:bodyPr wrap="square" rtlCol="0">
+            <a:spAutoFit/>
+          </a:bodyPr>
+          <a:lstStyle/>
+          <a:p>
+            <a:r>
+              <a:rPr lang="ja-JP" altLang="en-US" sz="1350" dirty="0"/>
+              <a:t>ソースコード</a:t>
+            </a:r>
+            <a:endParaRPr lang="en-US" altLang="ja-JP" sz="1350" dirty="0"/>
+          </a:p>
+          <a:p>
+            <a:r>
+              <a:rPr lang="ja-JP" altLang="en-US" sz="1350" dirty="0"/>
+              <a:t>の生成</a:t>
+            </a:r>
+          </a:p>
+        </p:txBody>
+      </p:sp>
+      <p:sp>
+        <p:nvSpPr>
+          <p:cNvPr id="16" name="下カーブ矢印 15"/>
+          <p:cNvSpPr/>
+          <p:nvPr/>
+        </p:nvSpPr>
+        <p:spPr>
+          <a:xfrm>
+            <a:off x="5647825" y="1775477"/>
+            <a:ext cx="3673571" cy="792090"/>
+          </a:xfrm>
+          <a:prstGeom prst="curvedDownArrow">
+            <a:avLst/>
+          </a:prstGeom>
+        </p:spPr>
+        <p:style>
+          <a:lnRef idx="2">
+            <a:schemeClr val="accent1">
+              <a:shade val="50000"/>
+            </a:schemeClr>
+          </a:lnRef>
+          <a:fillRef idx="1">
+            <a:schemeClr val="accent1"/>
+          </a:fillRef>
+          <a:effectRef idx="0">
+            <a:schemeClr val="accent1"/>
+          </a:effectRef>
+          <a:fontRef idx="minor">
+            <a:schemeClr val="lt1"/>
+          </a:fontRef>
+        </p:style>
+        <p:txBody>
+          <a:bodyPr rtlCol="0" anchor="ctr"/>
+          <a:lstStyle/>
+          <a:p>
+            <a:pPr algn="ctr"/>
+            <a:endParaRPr lang="ja-JP" altLang="en-US" sz="1350">
+              <a:solidFill>
+                <a:schemeClr val="tx1"/>
+              </a:solidFill>
+            </a:endParaRPr>
+          </a:p>
+        </p:txBody>
+      </p:sp>
+      <p:sp>
+        <p:nvSpPr>
+          <p:cNvPr id="17" name="テキスト ボックス 16"/>
+          <p:cNvSpPr txBox="1"/>
+          <p:nvPr/>
+        </p:nvSpPr>
+        <p:spPr>
+          <a:xfrm>
+            <a:off x="6897490" y="1402673"/>
+            <a:ext cx="1819025" cy="300082"/>
+          </a:xfrm>
+          <a:prstGeom prst="rect">
+            <a:avLst/>
+          </a:prstGeom>
+          <a:noFill/>
+        </p:spPr>
+        <p:txBody>
+          <a:bodyPr wrap="square" rtlCol="0">
+            <a:spAutoFit/>
+          </a:bodyPr>
+          <a:lstStyle/>
+          <a:p>
+            <a:r>
+              <a:rPr lang="ja-JP" altLang="en-US" sz="1350" dirty="0"/>
+              <a:t>問題の再生成</a:t>
+            </a:r>
+          </a:p>
+        </p:txBody>
+      </p:sp>
+      <p:sp>
+        <p:nvSpPr>
+          <p:cNvPr id="19" name="上矢印 18"/>
+          <p:cNvSpPr/>
+          <p:nvPr/>
+        </p:nvSpPr>
+        <p:spPr>
+          <a:xfrm>
+            <a:off x="5524858" y="3942377"/>
+            <a:ext cx="552671" cy="571399"/>
+          </a:xfrm>
+          <a:prstGeom prst="upArrow">
+            <a:avLst/>
+          </a:prstGeom>
+        </p:spPr>
+        <p:style>
+          <a:lnRef idx="2">
+            <a:schemeClr val="accent1">
+              <a:shade val="50000"/>
+            </a:schemeClr>
+          </a:lnRef>
+          <a:fillRef idx="1">
+            <a:schemeClr val="accent1"/>
+          </a:fillRef>
+          <a:effectRef idx="0">
+            <a:schemeClr val="accent1"/>
+          </a:effectRef>
+          <a:fontRef idx="minor">
+            <a:schemeClr val="lt1"/>
+          </a:fontRef>
+        </p:style>
+        <p:txBody>
+          <a:bodyPr rtlCol="0" anchor="ctr"/>
+          <a:lstStyle/>
+          <a:p>
+            <a:pPr algn="ctr"/>
+            <a:endParaRPr lang="ja-JP" altLang="en-US" sz="1350"/>
+          </a:p>
+        </p:txBody>
+      </p:sp>
+      <p:sp>
+        <p:nvSpPr>
+          <p:cNvPr id="33" name="テキスト ボックス 32"/>
+          <p:cNvSpPr txBox="1"/>
+          <p:nvPr/>
+        </p:nvSpPr>
+        <p:spPr>
+          <a:xfrm>
+            <a:off x="7122191" y="2804206"/>
+            <a:ext cx="1223412" cy="300082"/>
+          </a:xfrm>
+          <a:prstGeom prst="rect">
+            <a:avLst/>
+          </a:prstGeom>
+          <a:noFill/>
+        </p:spPr>
+        <p:txBody>
+          <a:bodyPr wrap="none" rtlCol="0">
+            <a:spAutoFit/>
+          </a:bodyPr>
+          <a:lstStyle/>
+          <a:p>
+            <a:r>
+              <a:rPr lang="ja-JP" altLang="en-US" sz="1350" dirty="0"/>
+              <a:t>問題文の提示</a:t>
+            </a:r>
+          </a:p>
+        </p:txBody>
+      </p:sp>
+      <p:sp>
+        <p:nvSpPr>
+          <p:cNvPr id="34" name="テキスト ボックス 33"/>
+          <p:cNvSpPr txBox="1"/>
+          <p:nvPr/>
+        </p:nvSpPr>
+        <p:spPr>
+          <a:xfrm>
+            <a:off x="6157793" y="4133014"/>
+            <a:ext cx="1223412" cy="300082"/>
+          </a:xfrm>
+          <a:prstGeom prst="rect">
+            <a:avLst/>
+          </a:prstGeom>
+          <a:noFill/>
+        </p:spPr>
+        <p:txBody>
+          <a:bodyPr wrap="none" rtlCol="0">
+            <a:spAutoFit/>
+          </a:bodyPr>
+          <a:lstStyle/>
+          <a:p>
+            <a:r>
+              <a:rPr lang="ja-JP" altLang="en-US" sz="1350" dirty="0"/>
+              <a:t>選択肢の決定</a:t>
+            </a:r>
+          </a:p>
+        </p:txBody>
+      </p:sp>
+      <p:sp>
+        <p:nvSpPr>
+          <p:cNvPr id="35" name="曲折矢印 34"/>
+          <p:cNvSpPr/>
+          <p:nvPr/>
+        </p:nvSpPr>
+        <p:spPr>
+          <a:xfrm rot="10800000">
+            <a:off x="7603969" y="4413518"/>
+            <a:ext cx="1788685" cy="833754"/>
+          </a:xfrm>
+          <a:prstGeom prst="bentArrow">
+            <a:avLst/>
+          </a:prstGeom>
+        </p:spPr>
+        <p:style>
+          <a:lnRef idx="2">
+            <a:schemeClr val="accent1">
+              <a:shade val="50000"/>
+            </a:schemeClr>
+          </a:lnRef>
+          <a:fillRef idx="1">
+            <a:schemeClr val="accent1"/>
+          </a:fillRef>
+          <a:effectRef idx="0">
+            <a:schemeClr val="accent1"/>
+          </a:effectRef>
+          <a:fontRef idx="minor">
+            <a:schemeClr val="lt1"/>
+          </a:fontRef>
+        </p:style>
+        <p:txBody>
+          <a:bodyPr rtlCol="0" anchor="ctr"/>
+          <a:lstStyle/>
+          <a:p>
+            <a:pPr algn="ctr"/>
+            <a:endParaRPr lang="ja-JP" altLang="en-US" sz="1350">
+              <a:solidFill>
+                <a:schemeClr val="tx1"/>
+              </a:solidFill>
+            </a:endParaRPr>
+          </a:p>
+        </p:txBody>
+      </p:sp>
+      <p:sp>
+        <p:nvSpPr>
+          <p:cNvPr id="2" name="スライド番号プレースホルダー 1"/>
           <p:cNvSpPr>
             <a:spLocks noGrp="1"/>
           </p:cNvSpPr>
@@ -8180,7 +9580,7 @@
     </p:spTree>
     <p:extLst>
       <p:ext uri="{BB962C8B-B14F-4D97-AF65-F5344CB8AC3E}">
-        <p14:creationId xmlns:p14="http://schemas.microsoft.com/office/powerpoint/2010/main" val="417079572"/>
+        <p14:creationId xmlns:p14="http://schemas.microsoft.com/office/powerpoint/2010/main" val="3776894937"/>
       </p:ext>
     </p:extLst>
   </p:cSld>
@@ -8224,518 +9624,87 @@
       </p:grpSpPr>
       <p:sp>
         <p:nvSpPr>
-          <p:cNvPr id="4" name="正方形/長方形 3"/>
-          <p:cNvSpPr/>
-          <p:nvPr/>
-        </p:nvSpPr>
-        <p:spPr>
-          <a:xfrm>
-            <a:off x="2888382" y="1283168"/>
-            <a:ext cx="6280485" cy="4417996"/>
+          <p:cNvPr id="2" name="タイトル 1"/>
+          <p:cNvSpPr>
+            <a:spLocks noGrp="1"/>
+          </p:cNvSpPr>
+          <p:nvPr>
+            <p:ph type="title"/>
+          </p:nvPr>
+        </p:nvSpPr>
+        <p:spPr>
+          <a:xfrm>
+            <a:off x="2152649" y="1131094"/>
+            <a:ext cx="7886700" cy="994172"/>
+          </a:xfrm>
+        </p:spPr>
+        <p:txBody>
+          <a:bodyPr/>
+          <a:lstStyle/>
+          <a:p>
+            <a:r>
+              <a:rPr lang="ja-JP" altLang="en-US" dirty="0"/>
+              <a:t>選択穴埋め問題の</a:t>
+            </a:r>
+            <a:r>
+              <a:rPr lang="ja-JP" altLang="en-US" dirty="0" smtClean="0"/>
+              <a:t>例</a:t>
+            </a:r>
+            <a:endParaRPr kumimoji="1" lang="ja-JP" altLang="en-US" dirty="0"/>
+          </a:p>
+        </p:txBody>
+      </p:sp>
+      <p:pic>
+        <p:nvPicPr>
+          <p:cNvPr id="5" name="図 4"/>
+          <p:cNvPicPr>
+            <a:picLocks noChangeAspect="1"/>
+          </p:cNvPicPr>
+          <p:nvPr/>
+        </p:nvPicPr>
+        <p:blipFill>
+          <a:blip r:embed="rId2"/>
+          <a:stretch>
+            <a:fillRect/>
+          </a:stretch>
+        </p:blipFill>
+        <p:spPr>
+          <a:xfrm>
+            <a:off x="6085286" y="3361136"/>
+            <a:ext cx="21431" cy="135731"/>
           </a:xfrm>
           <a:prstGeom prst="rect">
             <a:avLst/>
           </a:prstGeom>
-          <a:ln w="57150"/>
-        </p:spPr>
-        <p:style>
-          <a:lnRef idx="2">
-            <a:schemeClr val="dk1"/>
-          </a:lnRef>
-          <a:fillRef idx="1">
-            <a:schemeClr val="lt1"/>
-          </a:fillRef>
-          <a:effectRef idx="0">
-            <a:schemeClr val="dk1"/>
-          </a:effectRef>
-          <a:fontRef idx="minor">
-            <a:schemeClr val="dk1"/>
-          </a:fontRef>
-        </p:style>
-        <p:txBody>
-          <a:bodyPr rtlCol="0" anchor="ctr"/>
-          <a:lstStyle/>
-          <a:p>
-            <a:pPr algn="ctr"/>
-            <a:endParaRPr lang="ja-JP" altLang="en-US" sz="1350"/>
-          </a:p>
-        </p:txBody>
-      </p:sp>
-      <p:sp>
-        <p:nvSpPr>
-          <p:cNvPr id="5" name="正方形/長方形 4"/>
-          <p:cNvSpPr/>
-          <p:nvPr/>
-        </p:nvSpPr>
-        <p:spPr>
-          <a:xfrm>
-            <a:off x="2888383" y="1283168"/>
-            <a:ext cx="1746985" cy="4417996"/>
+        </p:spPr>
+      </p:pic>
+      <p:pic>
+        <p:nvPicPr>
+          <p:cNvPr id="7" name="図 6"/>
+          <p:cNvPicPr>
+            <a:picLocks noChangeAspect="1"/>
+          </p:cNvPicPr>
+          <p:nvPr/>
+        </p:nvPicPr>
+        <p:blipFill>
+          <a:blip r:embed="rId3"/>
+          <a:stretch>
+            <a:fillRect/>
+          </a:stretch>
+        </p:blipFill>
+        <p:spPr>
+          <a:xfrm>
+            <a:off x="3104950" y="2160984"/>
+            <a:ext cx="4891288" cy="3263924"/>
           </a:xfrm>
           <a:prstGeom prst="rect">
             <a:avLst/>
           </a:prstGeom>
         </p:spPr>
-        <p:style>
-          <a:lnRef idx="1">
-            <a:schemeClr val="accent3"/>
-          </a:lnRef>
-          <a:fillRef idx="2">
-            <a:schemeClr val="accent3"/>
-          </a:fillRef>
-          <a:effectRef idx="1">
-            <a:schemeClr val="accent3"/>
-          </a:effectRef>
-          <a:fontRef idx="minor">
-            <a:schemeClr val="dk1"/>
-          </a:fontRef>
-        </p:style>
-        <p:txBody>
-          <a:bodyPr rtlCol="0" anchor="ctr"/>
-          <a:lstStyle/>
-          <a:p>
-            <a:pPr algn="ctr"/>
-            <a:endParaRPr lang="ja-JP" altLang="en-US" sz="1350"/>
-          </a:p>
-        </p:txBody>
-      </p:sp>
-      <p:sp>
-        <p:nvSpPr>
-          <p:cNvPr id="6" name="フローチャート: 処理 5"/>
-          <p:cNvSpPr/>
-          <p:nvPr/>
-        </p:nvSpPr>
-        <p:spPr>
-          <a:xfrm>
-            <a:off x="3045394" y="1369795"/>
-            <a:ext cx="1432961" cy="606392"/>
-          </a:xfrm>
-          <a:prstGeom prst="flowChartProcess">
-            <a:avLst/>
-          </a:prstGeom>
-          <a:ln>
-            <a:solidFill>
-              <a:schemeClr val="tx1"/>
-            </a:solidFill>
-          </a:ln>
-        </p:spPr>
-        <p:style>
-          <a:lnRef idx="3">
-            <a:schemeClr val="lt1"/>
-          </a:lnRef>
-          <a:fillRef idx="1">
-            <a:schemeClr val="accent1"/>
-          </a:fillRef>
-          <a:effectRef idx="1">
-            <a:schemeClr val="accent1"/>
-          </a:effectRef>
-          <a:fontRef idx="minor">
-            <a:schemeClr val="lt1"/>
-          </a:fontRef>
-        </p:style>
-        <p:txBody>
-          <a:bodyPr rtlCol="0" anchor="ctr"/>
-          <a:lstStyle/>
-          <a:p>
-            <a:pPr algn="ctr"/>
-            <a:r>
-              <a:rPr lang="ja-JP" altLang="en-US" sz="1350" dirty="0">
-                <a:ln w="0"/>
-                <a:solidFill>
-                  <a:schemeClr val="tx1"/>
-                </a:solidFill>
-                <a:effectLst>
-                  <a:outerShdw blurRad="38100" dist="19050" dir="2700000" algn="tl" rotWithShape="0">
-                    <a:schemeClr val="dk1">
-                      <a:alpha val="40000"/>
-                    </a:schemeClr>
-                  </a:outerShdw>
-                </a:effectLst>
-              </a:rPr>
-              <a:t>演算</a:t>
-            </a:r>
-          </a:p>
-        </p:txBody>
-      </p:sp>
-      <p:sp>
-        <p:nvSpPr>
-          <p:cNvPr id="7" name="フローチャート: 処理 6"/>
-          <p:cNvSpPr/>
-          <p:nvPr/>
-        </p:nvSpPr>
-        <p:spPr>
-          <a:xfrm>
-            <a:off x="3045393" y="2062815"/>
-            <a:ext cx="1432961" cy="613610"/>
-          </a:xfrm>
-          <a:prstGeom prst="flowChartProcess">
-            <a:avLst/>
-          </a:prstGeom>
-          <a:ln>
-            <a:solidFill>
-              <a:schemeClr val="tx1"/>
-            </a:solidFill>
-          </a:ln>
-        </p:spPr>
-        <p:style>
-          <a:lnRef idx="1">
-            <a:schemeClr val="accent6"/>
-          </a:lnRef>
-          <a:fillRef idx="2">
-            <a:schemeClr val="accent6"/>
-          </a:fillRef>
-          <a:effectRef idx="1">
-            <a:schemeClr val="accent6"/>
-          </a:effectRef>
-          <a:fontRef idx="minor">
-            <a:schemeClr val="dk1"/>
-          </a:fontRef>
-        </p:style>
-        <p:txBody>
-          <a:bodyPr rtlCol="0" anchor="ctr"/>
-          <a:lstStyle/>
-          <a:p>
-            <a:pPr algn="ctr"/>
-            <a:r>
-              <a:rPr lang="ja-JP" altLang="en-US" sz="1350" dirty="0"/>
-              <a:t>繰り返し</a:t>
-            </a:r>
-          </a:p>
-        </p:txBody>
-      </p:sp>
-      <p:sp>
-        <p:nvSpPr>
-          <p:cNvPr id="8" name="フローチャート: 処理 7"/>
-          <p:cNvSpPr/>
-          <p:nvPr/>
-        </p:nvSpPr>
-        <p:spPr>
-          <a:xfrm>
-            <a:off x="3045393" y="2763053"/>
-            <a:ext cx="1432961" cy="765209"/>
-          </a:xfrm>
-          <a:prstGeom prst="flowChartProcess">
-            <a:avLst/>
-          </a:prstGeom>
-        </p:spPr>
-        <p:style>
-          <a:lnRef idx="1">
-            <a:schemeClr val="accent4"/>
-          </a:lnRef>
-          <a:fillRef idx="2">
-            <a:schemeClr val="accent4"/>
-          </a:fillRef>
-          <a:effectRef idx="1">
-            <a:schemeClr val="accent4"/>
-          </a:effectRef>
-          <a:fontRef idx="minor">
-            <a:schemeClr val="dk1"/>
-          </a:fontRef>
-        </p:style>
-        <p:txBody>
-          <a:bodyPr rtlCol="0" anchor="ctr"/>
-          <a:lstStyle/>
-          <a:p>
-            <a:pPr algn="ctr"/>
-            <a:r>
-              <a:rPr lang="ja-JP" altLang="en-US" sz="1350" dirty="0"/>
-              <a:t>処理</a:t>
-            </a:r>
-          </a:p>
-        </p:txBody>
-      </p:sp>
-      <p:sp>
-        <p:nvSpPr>
-          <p:cNvPr id="9" name="フローチャート: 処理 8"/>
-          <p:cNvSpPr/>
-          <p:nvPr/>
-        </p:nvSpPr>
-        <p:spPr>
-          <a:xfrm>
-            <a:off x="3045392" y="3614888"/>
-            <a:ext cx="1432961" cy="765209"/>
-          </a:xfrm>
-          <a:prstGeom prst="flowChartProcess">
-            <a:avLst/>
-          </a:prstGeom>
-        </p:spPr>
-        <p:style>
-          <a:lnRef idx="1">
-            <a:schemeClr val="accent2"/>
-          </a:lnRef>
-          <a:fillRef idx="2">
-            <a:schemeClr val="accent2"/>
-          </a:fillRef>
-          <a:effectRef idx="1">
-            <a:schemeClr val="accent2"/>
-          </a:effectRef>
-          <a:fontRef idx="minor">
-            <a:schemeClr val="dk1"/>
-          </a:fontRef>
-        </p:style>
-        <p:txBody>
-          <a:bodyPr rtlCol="0" anchor="ctr"/>
-          <a:lstStyle/>
-          <a:p>
-            <a:pPr algn="ctr"/>
-            <a:r>
-              <a:rPr lang="ja-JP" altLang="en-US" sz="1350" dirty="0"/>
-              <a:t>変数</a:t>
-            </a:r>
-          </a:p>
-        </p:txBody>
-      </p:sp>
-      <p:sp>
-        <p:nvSpPr>
-          <p:cNvPr id="10" name="フローチャート: 処理 9"/>
-          <p:cNvSpPr/>
-          <p:nvPr/>
-        </p:nvSpPr>
-        <p:spPr>
-          <a:xfrm>
-            <a:off x="3045392" y="4466724"/>
-            <a:ext cx="1432961" cy="765209"/>
-          </a:xfrm>
-          <a:prstGeom prst="flowChartProcess">
-            <a:avLst/>
-          </a:prstGeom>
-        </p:spPr>
-        <p:style>
-          <a:lnRef idx="1">
-            <a:schemeClr val="accent5"/>
-          </a:lnRef>
-          <a:fillRef idx="2">
-            <a:schemeClr val="accent5"/>
-          </a:fillRef>
-          <a:effectRef idx="1">
-            <a:schemeClr val="accent5"/>
-          </a:effectRef>
-          <a:fontRef idx="minor">
-            <a:schemeClr val="dk1"/>
-          </a:fontRef>
-        </p:style>
-        <p:txBody>
-          <a:bodyPr rtlCol="0" anchor="ctr"/>
-          <a:lstStyle/>
-          <a:p>
-            <a:pPr algn="ctr"/>
-            <a:r>
-              <a:rPr lang="ja-JP" altLang="en-US" sz="1350" dirty="0"/>
-              <a:t>関数</a:t>
-            </a:r>
-          </a:p>
-        </p:txBody>
-      </p:sp>
-      <p:sp>
-        <p:nvSpPr>
-          <p:cNvPr id="11" name="L 字 10"/>
-          <p:cNvSpPr/>
-          <p:nvPr/>
-        </p:nvSpPr>
-        <p:spPr>
-          <a:xfrm rot="10800000" flipH="1">
-            <a:off x="5176789" y="2254114"/>
-            <a:ext cx="2685449" cy="1360774"/>
-          </a:xfrm>
-          <a:prstGeom prst="corner">
-            <a:avLst>
-              <a:gd name="adj1" fmla="val 43864"/>
-              <a:gd name="adj2" fmla="val 32277"/>
-            </a:avLst>
-          </a:prstGeom>
-        </p:spPr>
-        <p:style>
-          <a:lnRef idx="1">
-            <a:schemeClr val="accent6"/>
-          </a:lnRef>
-          <a:fillRef idx="2">
-            <a:schemeClr val="accent6"/>
-          </a:fillRef>
-          <a:effectRef idx="1">
-            <a:schemeClr val="accent6"/>
-          </a:effectRef>
-          <a:fontRef idx="minor">
-            <a:schemeClr val="dk1"/>
-          </a:fontRef>
-        </p:style>
-        <p:txBody>
-          <a:bodyPr rtlCol="0" anchor="ctr"/>
-          <a:lstStyle/>
-          <a:p>
-            <a:pPr algn="ctr"/>
-            <a:endParaRPr lang="ja-JP" altLang="en-US" sz="1350" dirty="0"/>
-          </a:p>
-        </p:txBody>
-      </p:sp>
-      <p:sp>
-        <p:nvSpPr>
-          <p:cNvPr id="12" name="L 字 11"/>
-          <p:cNvSpPr/>
-          <p:nvPr/>
-        </p:nvSpPr>
-        <p:spPr>
-          <a:xfrm rot="10800000" flipH="1">
-            <a:off x="5563002" y="2824411"/>
-            <a:ext cx="2685449" cy="1360774"/>
-          </a:xfrm>
-          <a:prstGeom prst="corner">
-            <a:avLst>
-              <a:gd name="adj1" fmla="val 47047"/>
-              <a:gd name="adj2" fmla="val 32277"/>
-            </a:avLst>
-          </a:prstGeom>
-        </p:spPr>
-        <p:style>
-          <a:lnRef idx="1">
-            <a:schemeClr val="accent1"/>
-          </a:lnRef>
-          <a:fillRef idx="2">
-            <a:schemeClr val="accent1"/>
-          </a:fillRef>
-          <a:effectRef idx="1">
-            <a:schemeClr val="accent1"/>
-          </a:effectRef>
-          <a:fontRef idx="minor">
-            <a:schemeClr val="dk1"/>
-          </a:fontRef>
-        </p:style>
-        <p:txBody>
-          <a:bodyPr rtlCol="0" anchor="ctr"/>
-          <a:lstStyle/>
-          <a:p>
-            <a:pPr algn="ctr"/>
-            <a:endParaRPr lang="ja-JP" altLang="en-US" sz="1350"/>
-          </a:p>
-        </p:txBody>
-      </p:sp>
-      <p:sp>
-        <p:nvSpPr>
-          <p:cNvPr id="13" name="正方形/長方形 12"/>
-          <p:cNvSpPr/>
-          <p:nvPr/>
-        </p:nvSpPr>
-        <p:spPr>
-          <a:xfrm>
-            <a:off x="5999746" y="3419977"/>
-            <a:ext cx="2389474" cy="765209"/>
-          </a:xfrm>
-          <a:prstGeom prst="rect">
-            <a:avLst/>
-          </a:prstGeom>
-        </p:spPr>
-        <p:style>
-          <a:lnRef idx="1">
-            <a:schemeClr val="accent4"/>
-          </a:lnRef>
-          <a:fillRef idx="2">
-            <a:schemeClr val="accent4"/>
-          </a:fillRef>
-          <a:effectRef idx="1">
-            <a:schemeClr val="accent4"/>
-          </a:effectRef>
-          <a:fontRef idx="minor">
-            <a:schemeClr val="dk1"/>
-          </a:fontRef>
-        </p:style>
-        <p:txBody>
-          <a:bodyPr rtlCol="0" anchor="ctr"/>
-          <a:lstStyle/>
-          <a:p>
-            <a:pPr algn="ctr"/>
-            <a:endParaRPr lang="ja-JP" altLang="en-US" sz="1350"/>
-          </a:p>
-        </p:txBody>
-      </p:sp>
-      <p:sp>
-        <p:nvSpPr>
-          <p:cNvPr id="15" name="テキスト ボックス 14"/>
-          <p:cNvSpPr txBox="1"/>
-          <p:nvPr/>
-        </p:nvSpPr>
-        <p:spPr>
-          <a:xfrm>
-            <a:off x="5563002" y="2400762"/>
-            <a:ext cx="2382253" cy="300082"/>
-          </a:xfrm>
-          <a:prstGeom prst="rect">
-            <a:avLst/>
-          </a:prstGeom>
-          <a:noFill/>
-        </p:spPr>
-        <p:txBody>
-          <a:bodyPr wrap="square" rtlCol="0">
-            <a:spAutoFit/>
-          </a:bodyPr>
-          <a:lstStyle/>
-          <a:p>
-            <a:r>
-              <a:rPr lang="ja-JP" altLang="en-US" sz="1350" dirty="0"/>
-              <a:t>繰り返し</a:t>
-            </a:r>
-          </a:p>
-        </p:txBody>
-      </p:sp>
-      <p:sp>
-        <p:nvSpPr>
-          <p:cNvPr id="16" name="テキスト ボックス 15"/>
-          <p:cNvSpPr txBox="1"/>
-          <p:nvPr/>
-        </p:nvSpPr>
-        <p:spPr>
-          <a:xfrm>
-            <a:off x="5855370" y="2996328"/>
-            <a:ext cx="530915" cy="300082"/>
-          </a:xfrm>
-          <a:prstGeom prst="rect">
-            <a:avLst/>
-          </a:prstGeom>
-          <a:noFill/>
-        </p:spPr>
-        <p:txBody>
-          <a:bodyPr wrap="none" rtlCol="0">
-            <a:spAutoFit/>
-          </a:bodyPr>
-          <a:lstStyle/>
-          <a:p>
-            <a:r>
-              <a:rPr lang="ja-JP" altLang="en-US" sz="1350" dirty="0"/>
-              <a:t>条件</a:t>
-            </a:r>
-          </a:p>
-        </p:txBody>
-      </p:sp>
-      <p:sp>
-        <p:nvSpPr>
-          <p:cNvPr id="17" name="テキスト ボックス 16"/>
-          <p:cNvSpPr txBox="1"/>
-          <p:nvPr/>
-        </p:nvSpPr>
-        <p:spPr>
-          <a:xfrm>
-            <a:off x="6338630" y="3664081"/>
-            <a:ext cx="877163" cy="300082"/>
-          </a:xfrm>
-          <a:prstGeom prst="rect">
-            <a:avLst/>
-          </a:prstGeom>
-          <a:noFill/>
-        </p:spPr>
-        <p:txBody>
-          <a:bodyPr wrap="none" rtlCol="0">
-            <a:spAutoFit/>
-          </a:bodyPr>
-          <a:lstStyle/>
-          <a:p>
-            <a:r>
-              <a:rPr lang="ja-JP" altLang="en-US" sz="1350" dirty="0"/>
-              <a:t>実行処理</a:t>
-            </a:r>
-          </a:p>
-        </p:txBody>
-      </p:sp>
-      <p:sp>
-        <p:nvSpPr>
-          <p:cNvPr id="2" name="スライド番号プレースホルダー 1"/>
+      </p:pic>
+      <p:sp>
+        <p:nvSpPr>
+          <p:cNvPr id="3" name="スライド番号プレースホルダー 2"/>
           <p:cNvSpPr>
             <a:spLocks noGrp="1"/>
           </p:cNvSpPr>
@@ -8759,7 +9728,7 @@
     </p:spTree>
     <p:extLst>
       <p:ext uri="{BB962C8B-B14F-4D97-AF65-F5344CB8AC3E}">
-        <p14:creationId xmlns:p14="http://schemas.microsoft.com/office/powerpoint/2010/main" val="1649540081"/>
+        <p14:creationId xmlns:p14="http://schemas.microsoft.com/office/powerpoint/2010/main" val="417079572"/>
       </p:ext>
     </p:extLst>
   </p:cSld>
@@ -8809,8 +9778,47 @@
         </p:nvSpPr>
         <p:spPr>
           <a:xfrm>
-            <a:off x="1841448" y="1014425"/>
-            <a:ext cx="2887580" cy="486078"/>
+            <a:off x="2888382" y="1283168"/>
+            <a:ext cx="6280485" cy="4417996"/>
+          </a:xfrm>
+          <a:prstGeom prst="rect">
+            <a:avLst/>
+          </a:prstGeom>
+          <a:ln w="57150"/>
+        </p:spPr>
+        <p:style>
+          <a:lnRef idx="2">
+            <a:schemeClr val="dk1"/>
+          </a:lnRef>
+          <a:fillRef idx="1">
+            <a:schemeClr val="lt1"/>
+          </a:fillRef>
+          <a:effectRef idx="0">
+            <a:schemeClr val="dk1"/>
+          </a:effectRef>
+          <a:fontRef idx="minor">
+            <a:schemeClr val="dk1"/>
+          </a:fontRef>
+        </p:style>
+        <p:txBody>
+          <a:bodyPr rtlCol="0" anchor="ctr"/>
+          <a:lstStyle/>
+          <a:p>
+            <a:pPr algn="ctr"/>
+            <a:endParaRPr lang="ja-JP" altLang="en-US" sz="1350"/>
+          </a:p>
+        </p:txBody>
+      </p:sp>
+      <p:sp>
+        <p:nvSpPr>
+          <p:cNvPr id="5" name="正方形/長方形 4"/>
+          <p:cNvSpPr/>
+          <p:nvPr/>
+        </p:nvSpPr>
+        <p:spPr>
+          <a:xfrm>
+            <a:off x="2888383" y="1283168"/>
+            <a:ext cx="1746985" cy="4417996"/>
           </a:xfrm>
           <a:prstGeom prst="rect">
             <a:avLst/>
@@ -8835,23 +9843,522 @@
           <a:lstStyle/>
           <a:p>
             <a:pPr algn="ctr"/>
+            <a:endParaRPr lang="ja-JP" altLang="en-US" sz="1350"/>
+          </a:p>
+        </p:txBody>
+      </p:sp>
+      <p:sp>
+        <p:nvSpPr>
+          <p:cNvPr id="6" name="フローチャート: 処理 5"/>
+          <p:cNvSpPr/>
+          <p:nvPr/>
+        </p:nvSpPr>
+        <p:spPr>
+          <a:xfrm>
+            <a:off x="3045394" y="1369795"/>
+            <a:ext cx="1432961" cy="606392"/>
+          </a:xfrm>
+          <a:prstGeom prst="flowChartProcess">
+            <a:avLst/>
+          </a:prstGeom>
+          <a:ln>
+            <a:solidFill>
+              <a:schemeClr val="tx1"/>
+            </a:solidFill>
+          </a:ln>
+        </p:spPr>
+        <p:style>
+          <a:lnRef idx="3">
+            <a:schemeClr val="lt1"/>
+          </a:lnRef>
+          <a:fillRef idx="1">
+            <a:schemeClr val="accent1"/>
+          </a:fillRef>
+          <a:effectRef idx="1">
+            <a:schemeClr val="accent1"/>
+          </a:effectRef>
+          <a:fontRef idx="minor">
+            <a:schemeClr val="lt1"/>
+          </a:fontRef>
+        </p:style>
+        <p:txBody>
+          <a:bodyPr rtlCol="0" anchor="ctr"/>
+          <a:lstStyle/>
+          <a:p>
+            <a:pPr algn="ctr"/>
+            <a:r>
+              <a:rPr lang="ja-JP" altLang="en-US" sz="1350" dirty="0">
+                <a:ln w="0"/>
+                <a:solidFill>
+                  <a:schemeClr val="tx1"/>
+                </a:solidFill>
+                <a:effectLst>
+                  <a:outerShdw blurRad="38100" dist="19050" dir="2700000" algn="tl" rotWithShape="0">
+                    <a:schemeClr val="dk1">
+                      <a:alpha val="40000"/>
+                    </a:schemeClr>
+                  </a:outerShdw>
+                </a:effectLst>
+              </a:rPr>
+              <a:t>演算</a:t>
+            </a:r>
+          </a:p>
+        </p:txBody>
+      </p:sp>
+      <p:sp>
+        <p:nvSpPr>
+          <p:cNvPr id="7" name="フローチャート: 処理 6"/>
+          <p:cNvSpPr/>
+          <p:nvPr/>
+        </p:nvSpPr>
+        <p:spPr>
+          <a:xfrm>
+            <a:off x="3045393" y="2062815"/>
+            <a:ext cx="1432961" cy="613610"/>
+          </a:xfrm>
+          <a:prstGeom prst="flowChartProcess">
+            <a:avLst/>
+          </a:prstGeom>
+          <a:ln>
+            <a:solidFill>
+              <a:schemeClr val="tx1"/>
+            </a:solidFill>
+          </a:ln>
+        </p:spPr>
+        <p:style>
+          <a:lnRef idx="1">
+            <a:schemeClr val="accent6"/>
+          </a:lnRef>
+          <a:fillRef idx="2">
+            <a:schemeClr val="accent6"/>
+          </a:fillRef>
+          <a:effectRef idx="1">
+            <a:schemeClr val="accent6"/>
+          </a:effectRef>
+          <a:fontRef idx="minor">
+            <a:schemeClr val="dk1"/>
+          </a:fontRef>
+        </p:style>
+        <p:txBody>
+          <a:bodyPr rtlCol="0" anchor="ctr"/>
+          <a:lstStyle/>
+          <a:p>
+            <a:pPr algn="ctr"/>
             <a:r>
               <a:rPr lang="ja-JP" altLang="en-US" sz="1350" dirty="0"/>
-              <a:t>問題ファイルの決定</a:t>
-            </a:r>
-          </a:p>
-        </p:txBody>
-      </p:sp>
-      <p:sp>
-        <p:nvSpPr>
-          <p:cNvPr id="7" name="正方形/長方形 6"/>
+              <a:t>繰り返し</a:t>
+            </a:r>
+          </a:p>
+        </p:txBody>
+      </p:sp>
+      <p:sp>
+        <p:nvSpPr>
+          <p:cNvPr id="8" name="フローチャート: 処理 7"/>
           <p:cNvSpPr/>
           <p:nvPr/>
         </p:nvSpPr>
         <p:spPr>
           <a:xfrm>
-            <a:off x="5507656" y="1014425"/>
-            <a:ext cx="4895651" cy="886727"/>
+            <a:off x="3045393" y="2763053"/>
+            <a:ext cx="1432961" cy="765209"/>
+          </a:xfrm>
+          <a:prstGeom prst="flowChartProcess">
+            <a:avLst/>
+          </a:prstGeom>
+        </p:spPr>
+        <p:style>
+          <a:lnRef idx="1">
+            <a:schemeClr val="accent4"/>
+          </a:lnRef>
+          <a:fillRef idx="2">
+            <a:schemeClr val="accent4"/>
+          </a:fillRef>
+          <a:effectRef idx="1">
+            <a:schemeClr val="accent4"/>
+          </a:effectRef>
+          <a:fontRef idx="minor">
+            <a:schemeClr val="dk1"/>
+          </a:fontRef>
+        </p:style>
+        <p:txBody>
+          <a:bodyPr rtlCol="0" anchor="ctr"/>
+          <a:lstStyle/>
+          <a:p>
+            <a:pPr algn="ctr"/>
+            <a:r>
+              <a:rPr lang="ja-JP" altLang="en-US" sz="1350" dirty="0"/>
+              <a:t>処理</a:t>
+            </a:r>
+          </a:p>
+        </p:txBody>
+      </p:sp>
+      <p:sp>
+        <p:nvSpPr>
+          <p:cNvPr id="9" name="フローチャート: 処理 8"/>
+          <p:cNvSpPr/>
+          <p:nvPr/>
+        </p:nvSpPr>
+        <p:spPr>
+          <a:xfrm>
+            <a:off x="3045392" y="3614888"/>
+            <a:ext cx="1432961" cy="765209"/>
+          </a:xfrm>
+          <a:prstGeom prst="flowChartProcess">
+            <a:avLst/>
+          </a:prstGeom>
+        </p:spPr>
+        <p:style>
+          <a:lnRef idx="1">
+            <a:schemeClr val="accent2"/>
+          </a:lnRef>
+          <a:fillRef idx="2">
+            <a:schemeClr val="accent2"/>
+          </a:fillRef>
+          <a:effectRef idx="1">
+            <a:schemeClr val="accent2"/>
+          </a:effectRef>
+          <a:fontRef idx="minor">
+            <a:schemeClr val="dk1"/>
+          </a:fontRef>
+        </p:style>
+        <p:txBody>
+          <a:bodyPr rtlCol="0" anchor="ctr"/>
+          <a:lstStyle/>
+          <a:p>
+            <a:pPr algn="ctr"/>
+            <a:r>
+              <a:rPr lang="ja-JP" altLang="en-US" sz="1350" dirty="0"/>
+              <a:t>変数</a:t>
+            </a:r>
+          </a:p>
+        </p:txBody>
+      </p:sp>
+      <p:sp>
+        <p:nvSpPr>
+          <p:cNvPr id="10" name="フローチャート: 処理 9"/>
+          <p:cNvSpPr/>
+          <p:nvPr/>
+        </p:nvSpPr>
+        <p:spPr>
+          <a:xfrm>
+            <a:off x="3045392" y="4466724"/>
+            <a:ext cx="1432961" cy="765209"/>
+          </a:xfrm>
+          <a:prstGeom prst="flowChartProcess">
+            <a:avLst/>
+          </a:prstGeom>
+        </p:spPr>
+        <p:style>
+          <a:lnRef idx="1">
+            <a:schemeClr val="accent5"/>
+          </a:lnRef>
+          <a:fillRef idx="2">
+            <a:schemeClr val="accent5"/>
+          </a:fillRef>
+          <a:effectRef idx="1">
+            <a:schemeClr val="accent5"/>
+          </a:effectRef>
+          <a:fontRef idx="minor">
+            <a:schemeClr val="dk1"/>
+          </a:fontRef>
+        </p:style>
+        <p:txBody>
+          <a:bodyPr rtlCol="0" anchor="ctr"/>
+          <a:lstStyle/>
+          <a:p>
+            <a:pPr algn="ctr"/>
+            <a:r>
+              <a:rPr lang="ja-JP" altLang="en-US" sz="1350" dirty="0"/>
+              <a:t>関数</a:t>
+            </a:r>
+          </a:p>
+        </p:txBody>
+      </p:sp>
+      <p:sp>
+        <p:nvSpPr>
+          <p:cNvPr id="11" name="L 字 10"/>
+          <p:cNvSpPr/>
+          <p:nvPr/>
+        </p:nvSpPr>
+        <p:spPr>
+          <a:xfrm rot="10800000" flipH="1">
+            <a:off x="5176789" y="2254114"/>
+            <a:ext cx="2685449" cy="1360774"/>
+          </a:xfrm>
+          <a:prstGeom prst="corner">
+            <a:avLst>
+              <a:gd name="adj1" fmla="val 43864"/>
+              <a:gd name="adj2" fmla="val 32277"/>
+            </a:avLst>
+          </a:prstGeom>
+        </p:spPr>
+        <p:style>
+          <a:lnRef idx="1">
+            <a:schemeClr val="accent6"/>
+          </a:lnRef>
+          <a:fillRef idx="2">
+            <a:schemeClr val="accent6"/>
+          </a:fillRef>
+          <a:effectRef idx="1">
+            <a:schemeClr val="accent6"/>
+          </a:effectRef>
+          <a:fontRef idx="minor">
+            <a:schemeClr val="dk1"/>
+          </a:fontRef>
+        </p:style>
+        <p:txBody>
+          <a:bodyPr rtlCol="0" anchor="ctr"/>
+          <a:lstStyle/>
+          <a:p>
+            <a:pPr algn="ctr"/>
+            <a:endParaRPr lang="ja-JP" altLang="en-US" sz="1350" dirty="0"/>
+          </a:p>
+        </p:txBody>
+      </p:sp>
+      <p:sp>
+        <p:nvSpPr>
+          <p:cNvPr id="12" name="L 字 11"/>
+          <p:cNvSpPr/>
+          <p:nvPr/>
+        </p:nvSpPr>
+        <p:spPr>
+          <a:xfrm rot="10800000" flipH="1">
+            <a:off x="5563002" y="2824411"/>
+            <a:ext cx="2685449" cy="1360774"/>
+          </a:xfrm>
+          <a:prstGeom prst="corner">
+            <a:avLst>
+              <a:gd name="adj1" fmla="val 47047"/>
+              <a:gd name="adj2" fmla="val 32277"/>
+            </a:avLst>
+          </a:prstGeom>
+        </p:spPr>
+        <p:style>
+          <a:lnRef idx="1">
+            <a:schemeClr val="accent1"/>
+          </a:lnRef>
+          <a:fillRef idx="2">
+            <a:schemeClr val="accent1"/>
+          </a:fillRef>
+          <a:effectRef idx="1">
+            <a:schemeClr val="accent1"/>
+          </a:effectRef>
+          <a:fontRef idx="minor">
+            <a:schemeClr val="dk1"/>
+          </a:fontRef>
+        </p:style>
+        <p:txBody>
+          <a:bodyPr rtlCol="0" anchor="ctr"/>
+          <a:lstStyle/>
+          <a:p>
+            <a:pPr algn="ctr"/>
+            <a:endParaRPr lang="ja-JP" altLang="en-US" sz="1350"/>
+          </a:p>
+        </p:txBody>
+      </p:sp>
+      <p:sp>
+        <p:nvSpPr>
+          <p:cNvPr id="13" name="正方形/長方形 12"/>
+          <p:cNvSpPr/>
+          <p:nvPr/>
+        </p:nvSpPr>
+        <p:spPr>
+          <a:xfrm>
+            <a:off x="5999746" y="3419977"/>
+            <a:ext cx="2389474" cy="765209"/>
+          </a:xfrm>
+          <a:prstGeom prst="rect">
+            <a:avLst/>
+          </a:prstGeom>
+        </p:spPr>
+        <p:style>
+          <a:lnRef idx="1">
+            <a:schemeClr val="accent4"/>
+          </a:lnRef>
+          <a:fillRef idx="2">
+            <a:schemeClr val="accent4"/>
+          </a:fillRef>
+          <a:effectRef idx="1">
+            <a:schemeClr val="accent4"/>
+          </a:effectRef>
+          <a:fontRef idx="minor">
+            <a:schemeClr val="dk1"/>
+          </a:fontRef>
+        </p:style>
+        <p:txBody>
+          <a:bodyPr rtlCol="0" anchor="ctr"/>
+          <a:lstStyle/>
+          <a:p>
+            <a:pPr algn="ctr"/>
+            <a:endParaRPr lang="ja-JP" altLang="en-US" sz="1350"/>
+          </a:p>
+        </p:txBody>
+      </p:sp>
+      <p:sp>
+        <p:nvSpPr>
+          <p:cNvPr id="15" name="テキスト ボックス 14"/>
+          <p:cNvSpPr txBox="1"/>
+          <p:nvPr/>
+        </p:nvSpPr>
+        <p:spPr>
+          <a:xfrm>
+            <a:off x="5563002" y="2400762"/>
+            <a:ext cx="2382253" cy="300082"/>
+          </a:xfrm>
+          <a:prstGeom prst="rect">
+            <a:avLst/>
+          </a:prstGeom>
+          <a:noFill/>
+        </p:spPr>
+        <p:txBody>
+          <a:bodyPr wrap="square" rtlCol="0">
+            <a:spAutoFit/>
+          </a:bodyPr>
+          <a:lstStyle/>
+          <a:p>
+            <a:r>
+              <a:rPr lang="ja-JP" altLang="en-US" sz="1350" dirty="0"/>
+              <a:t>繰り返し</a:t>
+            </a:r>
+          </a:p>
+        </p:txBody>
+      </p:sp>
+      <p:sp>
+        <p:nvSpPr>
+          <p:cNvPr id="16" name="テキスト ボックス 15"/>
+          <p:cNvSpPr txBox="1"/>
+          <p:nvPr/>
+        </p:nvSpPr>
+        <p:spPr>
+          <a:xfrm>
+            <a:off x="5855370" y="2996328"/>
+            <a:ext cx="530915" cy="300082"/>
+          </a:xfrm>
+          <a:prstGeom prst="rect">
+            <a:avLst/>
+          </a:prstGeom>
+          <a:noFill/>
+        </p:spPr>
+        <p:txBody>
+          <a:bodyPr wrap="none" rtlCol="0">
+            <a:spAutoFit/>
+          </a:bodyPr>
+          <a:lstStyle/>
+          <a:p>
+            <a:r>
+              <a:rPr lang="ja-JP" altLang="en-US" sz="1350" dirty="0"/>
+              <a:t>条件</a:t>
+            </a:r>
+          </a:p>
+        </p:txBody>
+      </p:sp>
+      <p:sp>
+        <p:nvSpPr>
+          <p:cNvPr id="17" name="テキスト ボックス 16"/>
+          <p:cNvSpPr txBox="1"/>
+          <p:nvPr/>
+        </p:nvSpPr>
+        <p:spPr>
+          <a:xfrm>
+            <a:off x="6338630" y="3664081"/>
+            <a:ext cx="877163" cy="300082"/>
+          </a:xfrm>
+          <a:prstGeom prst="rect">
+            <a:avLst/>
+          </a:prstGeom>
+          <a:noFill/>
+        </p:spPr>
+        <p:txBody>
+          <a:bodyPr wrap="none" rtlCol="0">
+            <a:spAutoFit/>
+          </a:bodyPr>
+          <a:lstStyle/>
+          <a:p>
+            <a:r>
+              <a:rPr lang="ja-JP" altLang="en-US" sz="1350" dirty="0"/>
+              <a:t>実行処理</a:t>
+            </a:r>
+          </a:p>
+        </p:txBody>
+      </p:sp>
+      <p:sp>
+        <p:nvSpPr>
+          <p:cNvPr id="2" name="スライド番号プレースホルダー 1"/>
+          <p:cNvSpPr>
+            <a:spLocks noGrp="1"/>
+          </p:cNvSpPr>
+          <p:nvPr>
+            <p:ph type="sldNum" sz="quarter" idx="12"/>
+          </p:nvPr>
+        </p:nvSpPr>
+        <p:spPr/>
+        <p:txBody>
+          <a:bodyPr/>
+          <a:lstStyle/>
+          <a:p>
+            <a:fld id="{7A0C0510-5AD5-45F8-B3F1-46CC91AC00B1}" type="slidenum">
+              <a:rPr kumimoji="1" lang="ja-JP" altLang="en-US" smtClean="0"/>
+              <a:t>7</a:t>
+            </a:fld>
+            <a:endParaRPr kumimoji="1" lang="ja-JP" altLang="en-US"/>
+          </a:p>
+        </p:txBody>
+      </p:sp>
+    </p:spTree>
+    <p:extLst>
+      <p:ext uri="{BB962C8B-B14F-4D97-AF65-F5344CB8AC3E}">
+        <p14:creationId xmlns:p14="http://schemas.microsoft.com/office/powerpoint/2010/main" val="1649540081"/>
+      </p:ext>
+    </p:extLst>
+  </p:cSld>
+  <p:clrMapOvr>
+    <a:masterClrMapping/>
+  </p:clrMapOvr>
+  <mc:AlternateContent xmlns:mc="http://schemas.openxmlformats.org/markup-compatibility/2006" xmlns:p14="http://schemas.microsoft.com/office/powerpoint/2010/main">
+    <mc:Choice Requires="p14">
+      <p:transition spd="slow" p14:dur="2000"/>
+    </mc:Choice>
+    <mc:Fallback xmlns="">
+      <p:transition spd="slow"/>
+    </mc:Fallback>
+  </mc:AlternateContent>
+  <p:timing>
+    <p:tnLst>
+      <p:par>
+        <p:cTn id="1" dur="indefinite" restart="never" nodeType="tmRoot"/>
+      </p:par>
+    </p:tnLst>
+  </p:timing>
+</p:sld>
+</file>
+
+<file path=ppt/slides/slide8.xml><?xml version="1.0" encoding="utf-8"?>
+<p:sld xmlns:a="http://schemas.openxmlformats.org/drawingml/2006/main" xmlns:r="http://schemas.openxmlformats.org/officeDocument/2006/relationships" xmlns:p="http://schemas.openxmlformats.org/presentationml/2006/main" show="0">
+  <p:cSld>
+    <p:spTree>
+      <p:nvGrpSpPr>
+        <p:cNvPr id="1" name=""/>
+        <p:cNvGrpSpPr/>
+        <p:nvPr/>
+      </p:nvGrpSpPr>
+      <p:grpSpPr>
+        <a:xfrm>
+          <a:off x="0" y="0"/>
+          <a:ext cx="0" cy="0"/>
+          <a:chOff x="0" y="0"/>
+          <a:chExt cx="0" cy="0"/>
+        </a:xfrm>
+      </p:grpSpPr>
+      <p:sp>
+        <p:nvSpPr>
+          <p:cNvPr id="4" name="正方形/長方形 3"/>
+          <p:cNvSpPr/>
+          <p:nvPr/>
+        </p:nvSpPr>
+        <p:spPr>
+          <a:xfrm>
+            <a:off x="1841448" y="1014425"/>
+            <a:ext cx="2887580" cy="486078"/>
           </a:xfrm>
           <a:prstGeom prst="rect">
             <a:avLst/>
@@ -8878,21 +10385,21 @@
             <a:pPr algn="ctr"/>
             <a:r>
               <a:rPr lang="ja-JP" altLang="en-US" sz="1350" dirty="0"/>
-              <a:t>問題文</a:t>
-            </a:r>
-          </a:p>
-        </p:txBody>
-      </p:sp>
-      <p:sp>
-        <p:nvSpPr>
-          <p:cNvPr id="8" name="正方形/長方形 7"/>
+              <a:t>問題ファイルの決定</a:t>
+            </a:r>
+          </a:p>
+        </p:txBody>
+      </p:sp>
+      <p:sp>
+        <p:nvSpPr>
+          <p:cNvPr id="7" name="正方形/長方形 6"/>
           <p:cNvSpPr/>
           <p:nvPr/>
         </p:nvSpPr>
         <p:spPr>
           <a:xfrm>
-            <a:off x="1841448" y="1496890"/>
-            <a:ext cx="2887580" cy="486078"/>
+            <a:off x="5507656" y="1014425"/>
+            <a:ext cx="4895651" cy="886727"/>
           </a:xfrm>
           <a:prstGeom prst="rect">
             <a:avLst/>
@@ -8919,20 +10426,20 @@
             <a:pPr algn="ctr"/>
             <a:r>
               <a:rPr lang="ja-JP" altLang="en-US" sz="1350" dirty="0"/>
-              <a:t>コードの実行</a:t>
-            </a:r>
-          </a:p>
-        </p:txBody>
-      </p:sp>
-      <p:sp>
-        <p:nvSpPr>
-          <p:cNvPr id="9" name="正方形/長方形 8"/>
+              <a:t>問題文</a:t>
+            </a:r>
+          </a:p>
+        </p:txBody>
+      </p:sp>
+      <p:sp>
+        <p:nvSpPr>
+          <p:cNvPr id="8" name="正方形/長方形 7"/>
           <p:cNvSpPr/>
           <p:nvPr/>
         </p:nvSpPr>
         <p:spPr>
           <a:xfrm>
-            <a:off x="1841447" y="1979355"/>
+            <a:off x="1841448" y="1496890"/>
             <a:ext cx="2887580" cy="486078"/>
           </a:xfrm>
           <a:prstGeom prst="rect">
@@ -8960,21 +10467,21 @@
             <a:pPr algn="ctr"/>
             <a:r>
               <a:rPr lang="ja-JP" altLang="en-US" sz="1350" dirty="0"/>
-              <a:t>難易度による穴埋め問題の生成</a:t>
-            </a:r>
-          </a:p>
-        </p:txBody>
-      </p:sp>
-      <p:sp>
-        <p:nvSpPr>
-          <p:cNvPr id="10" name="正方形/長方形 9"/>
+              <a:t>コードの実行</a:t>
+            </a:r>
+          </a:p>
+        </p:txBody>
+      </p:sp>
+      <p:sp>
+        <p:nvSpPr>
+          <p:cNvPr id="9" name="正方形/長方形 8"/>
           <p:cNvSpPr/>
           <p:nvPr/>
         </p:nvSpPr>
         <p:spPr>
           <a:xfrm>
-            <a:off x="5507656" y="1856035"/>
-            <a:ext cx="4895651" cy="886727"/>
+            <a:off x="1841447" y="1979355"/>
+            <a:ext cx="2887580" cy="486078"/>
           </a:xfrm>
           <a:prstGeom prst="rect">
             <a:avLst/>
@@ -9001,6 +10508,47 @@
             <a:pPr algn="ctr"/>
             <a:r>
               <a:rPr lang="ja-JP" altLang="en-US" sz="1350" dirty="0"/>
+              <a:t>難易度による穴埋め問題の生成</a:t>
+            </a:r>
+          </a:p>
+        </p:txBody>
+      </p:sp>
+      <p:sp>
+        <p:nvSpPr>
+          <p:cNvPr id="10" name="正方形/長方形 9"/>
+          <p:cNvSpPr/>
+          <p:nvPr/>
+        </p:nvSpPr>
+        <p:spPr>
+          <a:xfrm>
+            <a:off x="5507656" y="1856035"/>
+            <a:ext cx="4895651" cy="886727"/>
+          </a:xfrm>
+          <a:prstGeom prst="rect">
+            <a:avLst/>
+          </a:prstGeom>
+        </p:spPr>
+        <p:style>
+          <a:lnRef idx="1">
+            <a:schemeClr val="accent3"/>
+          </a:lnRef>
+          <a:fillRef idx="2">
+            <a:schemeClr val="accent3"/>
+          </a:fillRef>
+          <a:effectRef idx="1">
+            <a:schemeClr val="accent3"/>
+          </a:effectRef>
+          <a:fontRef idx="minor">
+            <a:schemeClr val="dk1"/>
+          </a:fontRef>
+        </p:style>
+        <p:txBody>
+          <a:bodyPr rtlCol="0" anchor="ctr"/>
+          <a:lstStyle/>
+          <a:p>
+            <a:pPr algn="ctr"/>
+            <a:r>
+              <a:rPr lang="ja-JP" altLang="en-US" sz="1350" dirty="0"/>
               <a:t>採点</a:t>
             </a:r>
           </a:p>
@@ -9076,7 +10624,7 @@
           <a:p>
             <a:fld id="{7A0C0510-5AD5-45F8-B3F1-46CC91AC00B1}" type="slidenum">
               <a:rPr kumimoji="1" lang="ja-JP" altLang="en-US" smtClean="0"/>
-              <a:t>7</a:t>
+              <a:t>8</a:t>
             </a:fld>
             <a:endParaRPr kumimoji="1" lang="ja-JP" altLang="en-US"/>
           </a:p>
@@ -9107,6 +10655,617 @@
       </p:par>
     </p:tnLst>
   </p:timing>
+</p:sld>
+</file>
+
+<file path=ppt/slides/slide9.xml><?xml version="1.0" encoding="utf-8"?>
+<p:sld xmlns:a="http://schemas.openxmlformats.org/drawingml/2006/main" xmlns:r="http://schemas.openxmlformats.org/officeDocument/2006/relationships" xmlns:p="http://schemas.openxmlformats.org/presentationml/2006/main">
+  <p:cSld>
+    <p:spTree>
+      <p:nvGrpSpPr>
+        <p:cNvPr id="1" name=""/>
+        <p:cNvGrpSpPr/>
+        <p:nvPr/>
+      </p:nvGrpSpPr>
+      <p:grpSpPr>
+        <a:xfrm>
+          <a:off x="0" y="0"/>
+          <a:ext cx="0" cy="0"/>
+          <a:chOff x="0" y="0"/>
+          <a:chExt cx="0" cy="0"/>
+        </a:xfrm>
+      </p:grpSpPr>
+      <p:sp>
+        <p:nvSpPr>
+          <p:cNvPr id="2" name="正方形/長方形 1"/>
+          <p:cNvSpPr/>
+          <p:nvPr/>
+        </p:nvSpPr>
+        <p:spPr>
+          <a:xfrm>
+            <a:off x="771716" y="1308568"/>
+            <a:ext cx="5315817" cy="3830699"/>
+          </a:xfrm>
+          <a:prstGeom prst="rect">
+            <a:avLst/>
+          </a:prstGeom>
+          <a:ln w="57150"/>
+        </p:spPr>
+        <p:style>
+          <a:lnRef idx="2">
+            <a:schemeClr val="dk1"/>
+          </a:lnRef>
+          <a:fillRef idx="1">
+            <a:schemeClr val="lt1"/>
+          </a:fillRef>
+          <a:effectRef idx="0">
+            <a:schemeClr val="dk1"/>
+          </a:effectRef>
+          <a:fontRef idx="minor">
+            <a:schemeClr val="dk1"/>
+          </a:fontRef>
+        </p:style>
+        <p:txBody>
+          <a:bodyPr rtlCol="0" anchor="ctr"/>
+          <a:lstStyle/>
+          <a:p>
+            <a:pPr algn="ctr"/>
+            <a:endParaRPr lang="ja-JP" altLang="en-US" sz="2000">
+              <a:latin typeface="ＭＳ Ｐゴシック" panose="020B0600070205080204" pitchFamily="50" charset="-128"/>
+              <a:ea typeface="ＭＳ Ｐゴシック" panose="020B0600070205080204" pitchFamily="50" charset="-128"/>
+            </a:endParaRPr>
+          </a:p>
+        </p:txBody>
+      </p:sp>
+      <p:sp>
+        <p:nvSpPr>
+          <p:cNvPr id="3" name="正方形/長方形 2"/>
+          <p:cNvSpPr/>
+          <p:nvPr/>
+        </p:nvSpPr>
+        <p:spPr>
+          <a:xfrm>
+            <a:off x="771717" y="1308568"/>
+            <a:ext cx="1533967" cy="3830699"/>
+          </a:xfrm>
+          <a:prstGeom prst="rect">
+            <a:avLst/>
+          </a:prstGeom>
+        </p:spPr>
+        <p:style>
+          <a:lnRef idx="1">
+            <a:schemeClr val="accent3"/>
+          </a:lnRef>
+          <a:fillRef idx="2">
+            <a:schemeClr val="accent3"/>
+          </a:fillRef>
+          <a:effectRef idx="1">
+            <a:schemeClr val="accent3"/>
+          </a:effectRef>
+          <a:fontRef idx="minor">
+            <a:schemeClr val="dk1"/>
+          </a:fontRef>
+        </p:style>
+        <p:txBody>
+          <a:bodyPr rtlCol="0" anchor="ctr"/>
+          <a:lstStyle/>
+          <a:p>
+            <a:pPr algn="ctr"/>
+            <a:endParaRPr lang="ja-JP" altLang="en-US" sz="2000">
+              <a:latin typeface="ＭＳ Ｐゴシック" panose="020B0600070205080204" pitchFamily="50" charset="-128"/>
+              <a:ea typeface="ＭＳ Ｐゴシック" panose="020B0600070205080204" pitchFamily="50" charset="-128"/>
+            </a:endParaRPr>
+          </a:p>
+        </p:txBody>
+      </p:sp>
+      <p:sp>
+        <p:nvSpPr>
+          <p:cNvPr id="4" name="フローチャート: 処理 3"/>
+          <p:cNvSpPr/>
+          <p:nvPr/>
+        </p:nvSpPr>
+        <p:spPr>
+          <a:xfrm>
+            <a:off x="928728" y="1395195"/>
+            <a:ext cx="1212861" cy="525783"/>
+          </a:xfrm>
+          <a:prstGeom prst="flowChartProcess">
+            <a:avLst/>
+          </a:prstGeom>
+          <a:ln>
+            <a:solidFill>
+              <a:schemeClr val="tx1"/>
+            </a:solidFill>
+          </a:ln>
+        </p:spPr>
+        <p:style>
+          <a:lnRef idx="3">
+            <a:schemeClr val="lt1"/>
+          </a:lnRef>
+          <a:fillRef idx="1">
+            <a:schemeClr val="accent1"/>
+          </a:fillRef>
+          <a:effectRef idx="1">
+            <a:schemeClr val="accent1"/>
+          </a:effectRef>
+          <a:fontRef idx="minor">
+            <a:schemeClr val="lt1"/>
+          </a:fontRef>
+        </p:style>
+        <p:txBody>
+          <a:bodyPr rtlCol="0" anchor="ctr"/>
+          <a:lstStyle/>
+          <a:p>
+            <a:pPr algn="ctr"/>
+            <a:r>
+              <a:rPr lang="ja-JP" altLang="en-US" sz="2000" dirty="0">
+                <a:ln w="0"/>
+                <a:solidFill>
+                  <a:schemeClr val="tx1"/>
+                </a:solidFill>
+                <a:effectLst>
+                  <a:outerShdw blurRad="38100" dist="19050" dir="2700000" algn="tl" rotWithShape="0">
+                    <a:schemeClr val="dk1">
+                      <a:alpha val="40000"/>
+                    </a:schemeClr>
+                  </a:outerShdw>
+                </a:effectLst>
+                <a:latin typeface="ＭＳ Ｐゴシック" panose="020B0600070205080204" pitchFamily="50" charset="-128"/>
+                <a:ea typeface="ＭＳ Ｐゴシック" panose="020B0600070205080204" pitchFamily="50" charset="-128"/>
+              </a:rPr>
+              <a:t>演算</a:t>
+            </a:r>
+          </a:p>
+        </p:txBody>
+      </p:sp>
+      <p:sp>
+        <p:nvSpPr>
+          <p:cNvPr id="5" name="フローチャート: 処理 4"/>
+          <p:cNvSpPr/>
+          <p:nvPr/>
+        </p:nvSpPr>
+        <p:spPr>
+          <a:xfrm>
+            <a:off x="928726" y="2064460"/>
+            <a:ext cx="1212861" cy="532041"/>
+          </a:xfrm>
+          <a:prstGeom prst="flowChartProcess">
+            <a:avLst/>
+          </a:prstGeom>
+          <a:ln>
+            <a:solidFill>
+              <a:schemeClr val="tx1"/>
+            </a:solidFill>
+          </a:ln>
+        </p:spPr>
+        <p:style>
+          <a:lnRef idx="1">
+            <a:schemeClr val="accent6"/>
+          </a:lnRef>
+          <a:fillRef idx="2">
+            <a:schemeClr val="accent6"/>
+          </a:fillRef>
+          <a:effectRef idx="1">
+            <a:schemeClr val="accent6"/>
+          </a:effectRef>
+          <a:fontRef idx="minor">
+            <a:schemeClr val="dk1"/>
+          </a:fontRef>
+        </p:style>
+        <p:txBody>
+          <a:bodyPr rtlCol="0" anchor="ctr"/>
+          <a:lstStyle/>
+          <a:p>
+            <a:pPr algn="ctr"/>
+            <a:r>
+              <a:rPr lang="ja-JP" altLang="en-US" sz="2000" dirty="0">
+                <a:latin typeface="ＭＳ Ｐゴシック" panose="020B0600070205080204" pitchFamily="50" charset="-128"/>
+                <a:ea typeface="ＭＳ Ｐゴシック" panose="020B0600070205080204" pitchFamily="50" charset="-128"/>
+              </a:rPr>
+              <a:t>繰り返し</a:t>
+            </a:r>
+          </a:p>
+        </p:txBody>
+      </p:sp>
+      <p:sp>
+        <p:nvSpPr>
+          <p:cNvPr id="6" name="フローチャート: 処理 5"/>
+          <p:cNvSpPr/>
+          <p:nvPr/>
+        </p:nvSpPr>
+        <p:spPr>
+          <a:xfrm>
+            <a:off x="922459" y="2773042"/>
+            <a:ext cx="1212861" cy="663488"/>
+          </a:xfrm>
+          <a:prstGeom prst="flowChartProcess">
+            <a:avLst/>
+          </a:prstGeom>
+        </p:spPr>
+        <p:style>
+          <a:lnRef idx="1">
+            <a:schemeClr val="accent4"/>
+          </a:lnRef>
+          <a:fillRef idx="2">
+            <a:schemeClr val="accent4"/>
+          </a:fillRef>
+          <a:effectRef idx="1">
+            <a:schemeClr val="accent4"/>
+          </a:effectRef>
+          <a:fontRef idx="minor">
+            <a:schemeClr val="dk1"/>
+          </a:fontRef>
+        </p:style>
+        <p:txBody>
+          <a:bodyPr rtlCol="0" anchor="ctr"/>
+          <a:lstStyle/>
+          <a:p>
+            <a:pPr algn="ctr"/>
+            <a:r>
+              <a:rPr lang="ja-JP" altLang="en-US" sz="2000" dirty="0">
+                <a:latin typeface="ＭＳ Ｐゴシック" panose="020B0600070205080204" pitchFamily="50" charset="-128"/>
+                <a:ea typeface="ＭＳ Ｐゴシック" panose="020B0600070205080204" pitchFamily="50" charset="-128"/>
+              </a:rPr>
+              <a:t>処理</a:t>
+            </a:r>
+          </a:p>
+        </p:txBody>
+      </p:sp>
+      <p:sp>
+        <p:nvSpPr>
+          <p:cNvPr id="7" name="フローチャート: 処理 6"/>
+          <p:cNvSpPr/>
+          <p:nvPr/>
+        </p:nvSpPr>
+        <p:spPr>
+          <a:xfrm>
+            <a:off x="928726" y="3529559"/>
+            <a:ext cx="1212861" cy="663488"/>
+          </a:xfrm>
+          <a:prstGeom prst="flowChartProcess">
+            <a:avLst/>
+          </a:prstGeom>
+        </p:spPr>
+        <p:style>
+          <a:lnRef idx="1">
+            <a:schemeClr val="accent2"/>
+          </a:lnRef>
+          <a:fillRef idx="2">
+            <a:schemeClr val="accent2"/>
+          </a:fillRef>
+          <a:effectRef idx="1">
+            <a:schemeClr val="accent2"/>
+          </a:effectRef>
+          <a:fontRef idx="minor">
+            <a:schemeClr val="dk1"/>
+          </a:fontRef>
+        </p:style>
+        <p:txBody>
+          <a:bodyPr rtlCol="0" anchor="ctr"/>
+          <a:lstStyle/>
+          <a:p>
+            <a:pPr algn="ctr"/>
+            <a:r>
+              <a:rPr lang="ja-JP" altLang="en-US" sz="2000" dirty="0">
+                <a:latin typeface="ＭＳ Ｐゴシック" panose="020B0600070205080204" pitchFamily="50" charset="-128"/>
+                <a:ea typeface="ＭＳ Ｐゴシック" panose="020B0600070205080204" pitchFamily="50" charset="-128"/>
+              </a:rPr>
+              <a:t>変数</a:t>
+            </a:r>
+          </a:p>
+        </p:txBody>
+      </p:sp>
+      <p:sp>
+        <p:nvSpPr>
+          <p:cNvPr id="8" name="フローチャート: 処理 7"/>
+          <p:cNvSpPr/>
+          <p:nvPr/>
+        </p:nvSpPr>
+        <p:spPr>
+          <a:xfrm>
+            <a:off x="922459" y="4286076"/>
+            <a:ext cx="1212861" cy="663488"/>
+          </a:xfrm>
+          <a:prstGeom prst="flowChartProcess">
+            <a:avLst/>
+          </a:prstGeom>
+        </p:spPr>
+        <p:style>
+          <a:lnRef idx="1">
+            <a:schemeClr val="accent5"/>
+          </a:lnRef>
+          <a:fillRef idx="2">
+            <a:schemeClr val="accent5"/>
+          </a:fillRef>
+          <a:effectRef idx="1">
+            <a:schemeClr val="accent5"/>
+          </a:effectRef>
+          <a:fontRef idx="minor">
+            <a:schemeClr val="dk1"/>
+          </a:fontRef>
+        </p:style>
+        <p:txBody>
+          <a:bodyPr rtlCol="0" anchor="ctr"/>
+          <a:lstStyle/>
+          <a:p>
+            <a:pPr algn="ctr"/>
+            <a:r>
+              <a:rPr lang="ja-JP" altLang="en-US" sz="2000" dirty="0">
+                <a:latin typeface="ＭＳ Ｐゴシック" panose="020B0600070205080204" pitchFamily="50" charset="-128"/>
+                <a:ea typeface="ＭＳ Ｐゴシック" panose="020B0600070205080204" pitchFamily="50" charset="-128"/>
+              </a:rPr>
+              <a:t>関数</a:t>
+            </a:r>
+          </a:p>
+        </p:txBody>
+      </p:sp>
+      <p:sp>
+        <p:nvSpPr>
+          <p:cNvPr id="9" name="L 字 8"/>
+          <p:cNvSpPr/>
+          <p:nvPr/>
+        </p:nvSpPr>
+        <p:spPr>
+          <a:xfrm rot="10800000" flipH="1">
+            <a:off x="3060124" y="2279514"/>
+            <a:ext cx="2272970" cy="1179882"/>
+          </a:xfrm>
+          <a:prstGeom prst="corner">
+            <a:avLst>
+              <a:gd name="adj1" fmla="val 43864"/>
+              <a:gd name="adj2" fmla="val 32277"/>
+            </a:avLst>
+          </a:prstGeom>
+        </p:spPr>
+        <p:style>
+          <a:lnRef idx="1">
+            <a:schemeClr val="accent6"/>
+          </a:lnRef>
+          <a:fillRef idx="2">
+            <a:schemeClr val="accent6"/>
+          </a:fillRef>
+          <a:effectRef idx="1">
+            <a:schemeClr val="accent6"/>
+          </a:effectRef>
+          <a:fontRef idx="minor">
+            <a:schemeClr val="dk1"/>
+          </a:fontRef>
+        </p:style>
+        <p:txBody>
+          <a:bodyPr rtlCol="0" anchor="ctr"/>
+          <a:lstStyle/>
+          <a:p>
+            <a:pPr algn="ctr"/>
+            <a:endParaRPr lang="ja-JP" altLang="en-US" sz="2000" dirty="0">
+              <a:latin typeface="ＭＳ Ｐゴシック" panose="020B0600070205080204" pitchFamily="50" charset="-128"/>
+              <a:ea typeface="ＭＳ Ｐゴシック" panose="020B0600070205080204" pitchFamily="50" charset="-128"/>
+            </a:endParaRPr>
+          </a:p>
+        </p:txBody>
+      </p:sp>
+      <p:sp>
+        <p:nvSpPr>
+          <p:cNvPr id="10" name="L 字 9"/>
+          <p:cNvSpPr/>
+          <p:nvPr/>
+        </p:nvSpPr>
+        <p:spPr>
+          <a:xfrm rot="10800000" flipH="1">
+            <a:off x="3446337" y="2799747"/>
+            <a:ext cx="2272970" cy="1179882"/>
+          </a:xfrm>
+          <a:prstGeom prst="corner">
+            <a:avLst>
+              <a:gd name="adj1" fmla="val 47047"/>
+              <a:gd name="adj2" fmla="val 32277"/>
+            </a:avLst>
+          </a:prstGeom>
+          <a:solidFill>
+            <a:schemeClr val="accent1"/>
+          </a:solidFill>
+        </p:spPr>
+        <p:style>
+          <a:lnRef idx="1">
+            <a:schemeClr val="accent1"/>
+          </a:lnRef>
+          <a:fillRef idx="2">
+            <a:schemeClr val="accent1"/>
+          </a:fillRef>
+          <a:effectRef idx="1">
+            <a:schemeClr val="accent1"/>
+          </a:effectRef>
+          <a:fontRef idx="minor">
+            <a:schemeClr val="dk1"/>
+          </a:fontRef>
+        </p:style>
+        <p:txBody>
+          <a:bodyPr rtlCol="0" anchor="ctr"/>
+          <a:lstStyle/>
+          <a:p>
+            <a:pPr algn="ctr"/>
+            <a:endParaRPr lang="ja-JP" altLang="en-US" sz="2000">
+              <a:latin typeface="ＭＳ Ｐゴシック" panose="020B0600070205080204" pitchFamily="50" charset="-128"/>
+              <a:ea typeface="ＭＳ Ｐゴシック" panose="020B0600070205080204" pitchFamily="50" charset="-128"/>
+            </a:endParaRPr>
+          </a:p>
+        </p:txBody>
+      </p:sp>
+      <p:sp>
+        <p:nvSpPr>
+          <p:cNvPr id="11" name="正方形/長方形 10"/>
+          <p:cNvSpPr/>
+          <p:nvPr/>
+        </p:nvSpPr>
+        <p:spPr>
+          <a:xfrm>
+            <a:off x="3770677" y="3348817"/>
+            <a:ext cx="2022456" cy="663488"/>
+          </a:xfrm>
+          <a:prstGeom prst="rect">
+            <a:avLst/>
+          </a:prstGeom>
+        </p:spPr>
+        <p:style>
+          <a:lnRef idx="1">
+            <a:schemeClr val="accent4"/>
+          </a:lnRef>
+          <a:fillRef idx="2">
+            <a:schemeClr val="accent4"/>
+          </a:fillRef>
+          <a:effectRef idx="1">
+            <a:schemeClr val="accent4"/>
+          </a:effectRef>
+          <a:fontRef idx="minor">
+            <a:schemeClr val="dk1"/>
+          </a:fontRef>
+        </p:style>
+        <p:txBody>
+          <a:bodyPr rtlCol="0" anchor="ctr"/>
+          <a:lstStyle/>
+          <a:p>
+            <a:pPr algn="ctr"/>
+            <a:endParaRPr lang="ja-JP" altLang="en-US" sz="2000">
+              <a:latin typeface="ＭＳ Ｐゴシック" panose="020B0600070205080204" pitchFamily="50" charset="-128"/>
+              <a:ea typeface="ＭＳ Ｐゴシック" panose="020B0600070205080204" pitchFamily="50" charset="-128"/>
+            </a:endParaRPr>
+          </a:p>
+        </p:txBody>
+      </p:sp>
+      <p:sp>
+        <p:nvSpPr>
+          <p:cNvPr id="12" name="テキスト ボックス 11"/>
+          <p:cNvSpPr txBox="1"/>
+          <p:nvPr/>
+        </p:nvSpPr>
+        <p:spPr>
+          <a:xfrm>
+            <a:off x="3423310" y="2374500"/>
+            <a:ext cx="2016344" cy="400110"/>
+          </a:xfrm>
+          <a:prstGeom prst="rect">
+            <a:avLst/>
+          </a:prstGeom>
+          <a:noFill/>
+        </p:spPr>
+        <p:txBody>
+          <a:bodyPr wrap="square" rtlCol="0">
+            <a:spAutoFit/>
+          </a:bodyPr>
+          <a:lstStyle/>
+          <a:p>
+            <a:r>
+              <a:rPr lang="ja-JP" altLang="en-US" sz="2000" dirty="0">
+                <a:latin typeface="ＭＳ Ｐゴシック" panose="020B0600070205080204" pitchFamily="50" charset="-128"/>
+                <a:ea typeface="ＭＳ Ｐゴシック" panose="020B0600070205080204" pitchFamily="50" charset="-128"/>
+              </a:rPr>
+              <a:t>繰り返し</a:t>
+            </a:r>
+          </a:p>
+        </p:txBody>
+      </p:sp>
+      <p:sp>
+        <p:nvSpPr>
+          <p:cNvPr id="13" name="テキスト ボックス 12"/>
+          <p:cNvSpPr txBox="1"/>
+          <p:nvPr/>
+        </p:nvSpPr>
+        <p:spPr>
+          <a:xfrm>
+            <a:off x="3739668" y="2925342"/>
+            <a:ext cx="1383628" cy="400110"/>
+          </a:xfrm>
+          <a:prstGeom prst="rect">
+            <a:avLst/>
+          </a:prstGeom>
+          <a:noFill/>
+        </p:spPr>
+        <p:txBody>
+          <a:bodyPr wrap="square" rtlCol="0">
+            <a:spAutoFit/>
+          </a:bodyPr>
+          <a:lstStyle/>
+          <a:p>
+            <a:r>
+              <a:rPr lang="ja-JP" altLang="en-US" sz="2000" dirty="0">
+                <a:latin typeface="ＭＳ Ｐゴシック" panose="020B0600070205080204" pitchFamily="50" charset="-128"/>
+                <a:ea typeface="ＭＳ Ｐゴシック" panose="020B0600070205080204" pitchFamily="50" charset="-128"/>
+              </a:rPr>
+              <a:t>条件</a:t>
+            </a:r>
+          </a:p>
+        </p:txBody>
+      </p:sp>
+      <p:sp>
+        <p:nvSpPr>
+          <p:cNvPr id="14" name="テキスト ボックス 13"/>
+          <p:cNvSpPr txBox="1"/>
+          <p:nvPr/>
+        </p:nvSpPr>
+        <p:spPr>
+          <a:xfrm>
+            <a:off x="4196609" y="3579520"/>
+            <a:ext cx="1408369" cy="400110"/>
+          </a:xfrm>
+          <a:prstGeom prst="rect">
+            <a:avLst/>
+          </a:prstGeom>
+          <a:noFill/>
+        </p:spPr>
+        <p:txBody>
+          <a:bodyPr wrap="square" rtlCol="0">
+            <a:spAutoFit/>
+          </a:bodyPr>
+          <a:lstStyle/>
+          <a:p>
+            <a:r>
+              <a:rPr lang="ja-JP" altLang="en-US" sz="2000" dirty="0">
+                <a:latin typeface="ＭＳ Ｐゴシック" panose="020B0600070205080204" pitchFamily="50" charset="-128"/>
+                <a:ea typeface="ＭＳ Ｐゴシック" panose="020B0600070205080204" pitchFamily="50" charset="-128"/>
+              </a:rPr>
+              <a:t>実行処理</a:t>
+            </a:r>
+          </a:p>
+        </p:txBody>
+      </p:sp>
+      <p:pic>
+        <p:nvPicPr>
+          <p:cNvPr id="15" name="図 14"/>
+          <p:cNvPicPr>
+            <a:picLocks noChangeAspect="1"/>
+          </p:cNvPicPr>
+          <p:nvPr/>
+        </p:nvPicPr>
+        <p:blipFill>
+          <a:blip r:embed="rId2"/>
+          <a:stretch>
+            <a:fillRect/>
+          </a:stretch>
+        </p:blipFill>
+        <p:spPr>
+          <a:xfrm>
+            <a:off x="6105519" y="1314903"/>
+            <a:ext cx="5671882" cy="3824364"/>
+          </a:xfrm>
+          <a:prstGeom prst="rect">
+            <a:avLst/>
+          </a:prstGeom>
+          <a:ln w="38100">
+            <a:solidFill>
+              <a:schemeClr val="tx1"/>
+            </a:solidFill>
+          </a:ln>
+        </p:spPr>
+      </p:pic>
+    </p:spTree>
+    <p:extLst>
+      <p:ext uri="{BB962C8B-B14F-4D97-AF65-F5344CB8AC3E}">
+        <p14:creationId xmlns:p14="http://schemas.microsoft.com/office/powerpoint/2010/main" val="3810173495"/>
+      </p:ext>
+    </p:extLst>
+  </p:cSld>
+  <p:clrMapOvr>
+    <a:masterClrMapping/>
+  </p:clrMapOvr>
 </p:sld>
 </file>
 
